--- a/Presentation/Internship.pptx
+++ b/Presentation/Internship.pptx
@@ -2,7 +2,7 @@
 <file path=ppt/presentation.xml><?xml version="1.0" encoding="utf-8"?>
 <p:presentation xmlns:a="http://schemas.openxmlformats.org/drawingml/2006/main" xmlns:r="http://schemas.openxmlformats.org/officeDocument/2006/relationships" xmlns:p="http://schemas.openxmlformats.org/presentationml/2006/main" saveSubsetFonts="1">
   <p:sldMasterIdLst>
-    <p:sldMasterId id="2147483648" r:id="rId1"/>
+    <p:sldMasterId id="2147483660" r:id="rId1"/>
   </p:sldMasterIdLst>
   <p:sldIdLst>
     <p:sldId id="256" r:id="rId2"/>
@@ -113,12 +113,25 @@
       </a:defRPr>
     </a:lvl9pPr>
   </p:defaultTextStyle>
+  <p:extLst>
+    <p:ext uri="{EFAFB233-063F-42B5-8137-9DF3F51BA10A}">
+      <p15:sldGuideLst xmlns:p15="http://schemas.microsoft.com/office/powerpoint/2012/main"/>
+    </p:ext>
+  </p:extLst>
 </p:presentation>
 </file>
 
 <file path=ppt/slideLayouts/slideLayout1.xml><?xml version="1.0" encoding="utf-8"?>
-<p:sldLayout xmlns:a="http://schemas.openxmlformats.org/drawingml/2006/main" xmlns:r="http://schemas.openxmlformats.org/officeDocument/2006/relationships" xmlns:p="http://schemas.openxmlformats.org/presentationml/2006/main" type="title" preserve="1">
+<p:sldLayout xmlns:a="http://schemas.openxmlformats.org/drawingml/2006/main" xmlns:r="http://schemas.openxmlformats.org/officeDocument/2006/relationships" xmlns:p="http://schemas.openxmlformats.org/presentationml/2006/main" preserve="1">
   <p:cSld name="Titelfolie">
+    <p:bg>
+      <p:bgPr>
+        <a:solidFill>
+          <a:schemeClr val="bg1"/>
+        </a:solidFill>
+        <a:effectLst/>
+      </p:bgPr>
+    </p:bg>
     <p:spTree>
       <p:nvGrpSpPr>
         <p:cNvPr id="1" name=""/>
@@ -135,6 +148,1653 @@
       </p:grpSpPr>
       <p:sp>
         <p:nvSpPr>
+          <p:cNvPr id="7" name="Rechteck 6"/>
+          <p:cNvSpPr/>
+          <p:nvPr/>
+        </p:nvSpPr>
+        <p:spPr>
+          <a:xfrm>
+            <a:off x="335360" y="2286000"/>
+            <a:ext cx="11856640" cy="4572000"/>
+          </a:xfrm>
+          <a:prstGeom prst="rect">
+            <a:avLst/>
+          </a:prstGeom>
+          <a:solidFill>
+            <a:srgbClr val="005B82"/>
+          </a:solidFill>
+          <a:ln w="0">
+            <a:noFill/>
+          </a:ln>
+        </p:spPr>
+        <p:style>
+          <a:lnRef idx="2">
+            <a:schemeClr val="accent1">
+              <a:shade val="50000"/>
+            </a:schemeClr>
+          </a:lnRef>
+          <a:fillRef idx="1">
+            <a:schemeClr val="accent1"/>
+          </a:fillRef>
+          <a:effectRef idx="0">
+            <a:schemeClr val="accent1"/>
+          </a:effectRef>
+          <a:fontRef idx="minor">
+            <a:schemeClr val="lt1"/>
+          </a:fontRef>
+        </p:style>
+        <p:txBody>
+          <a:bodyPr rtlCol="0" anchor="ctr"/>
+          <a:lstStyle/>
+          <a:p>
+            <a:pPr algn="ctr"/>
+            <a:endParaRPr lang="de-DE" sz="1800"/>
+          </a:p>
+        </p:txBody>
+      </p:sp>
+      <p:pic>
+        <p:nvPicPr>
+          <p:cNvPr id="8" name="Picture 60" descr="logo_699cm"/>
+          <p:cNvPicPr>
+            <a:picLocks noChangeAspect="1" noChangeArrowheads="1"/>
+          </p:cNvPicPr>
+          <p:nvPr/>
+        </p:nvPicPr>
+        <p:blipFill>
+          <a:blip r:embed="rId2">
+            <a:extLst>
+              <a:ext uri="{28A0092B-C50C-407E-A947-70E740481C1C}">
+                <a14:useLocalDpi xmlns:a14="http://schemas.microsoft.com/office/drawing/2010/main" val="0"/>
+              </a:ext>
+            </a:extLst>
+          </a:blip>
+          <a:srcRect/>
+          <a:stretch>
+            <a:fillRect/>
+          </a:stretch>
+        </p:blipFill>
+        <p:spPr bwMode="auto">
+          <a:xfrm>
+            <a:off x="8258968" y="249054"/>
+            <a:ext cx="3357033" cy="817563"/>
+          </a:xfrm>
+          <a:prstGeom prst="rect">
+            <a:avLst/>
+          </a:prstGeom>
+          <a:noFill/>
+          <a:extLst>
+            <a:ext uri="{909E8E84-426E-40DD-AFC4-6F175D3DCCD1}">
+              <a14:hiddenFill xmlns:a14="http://schemas.microsoft.com/office/drawing/2010/main">
+                <a:solidFill>
+                  <a:srgbClr val="FFFFFF"/>
+                </a:solidFill>
+              </a14:hiddenFill>
+            </a:ext>
+          </a:extLst>
+        </p:spPr>
+      </p:pic>
+      <p:sp>
+        <p:nvSpPr>
+          <p:cNvPr id="2" name="Titel 1"/>
+          <p:cNvSpPr>
+            <a:spLocks noGrp="1"/>
+          </p:cNvSpPr>
+          <p:nvPr>
+            <p:ph type="title" hasCustomPrompt="1"/>
+          </p:nvPr>
+        </p:nvSpPr>
+        <p:spPr>
+          <a:xfrm>
+            <a:off x="1104051" y="2708920"/>
+            <a:ext cx="9678543" cy="792088"/>
+          </a:xfrm>
+          <a:prstGeom prst="rect">
+            <a:avLst/>
+          </a:prstGeom>
+        </p:spPr>
+        <p:txBody>
+          <a:bodyPr/>
+          <a:lstStyle>
+            <a:lvl1pPr algn="l">
+              <a:defRPr lang="de-DE" sz="4800">
+                <a:solidFill>
+                  <a:schemeClr val="bg1"/>
+                </a:solidFill>
+                <a:latin typeface="Arial" pitchFamily="34" charset="0"/>
+                <a:ea typeface="+mn-ea"/>
+                <a:cs typeface="Arial" pitchFamily="34" charset="0"/>
+              </a:defRPr>
+            </a:lvl1pPr>
+          </a:lstStyle>
+          <a:p>
+            <a:pPr marL="0" lvl="0" indent="0" algn="l">
+              <a:spcBef>
+                <a:spcPct val="20000"/>
+              </a:spcBef>
+              <a:buFont typeface="Arial" pitchFamily="34" charset="0"/>
+            </a:pPr>
+            <a:r>
+              <a:rPr lang="de-DE" dirty="0" smtClean="0"/>
+              <a:t>Platzhalter Titel</a:t>
+            </a:r>
+            <a:endParaRPr lang="de-DE" dirty="0"/>
+          </a:p>
+        </p:txBody>
+      </p:sp>
+      <p:sp>
+        <p:nvSpPr>
+          <p:cNvPr id="12" name="Untertitel 2"/>
+          <p:cNvSpPr>
+            <a:spLocks noGrp="1"/>
+          </p:cNvSpPr>
+          <p:nvPr>
+            <p:ph type="subTitle" idx="1" hasCustomPrompt="1"/>
+          </p:nvPr>
+        </p:nvSpPr>
+        <p:spPr>
+          <a:xfrm>
+            <a:off x="1103446" y="3501008"/>
+            <a:ext cx="9697077" cy="576064"/>
+          </a:xfrm>
+          <a:prstGeom prst="rect">
+            <a:avLst/>
+          </a:prstGeom>
+        </p:spPr>
+        <p:txBody>
+          <a:bodyPr/>
+          <a:lstStyle>
+            <a:lvl1pPr marL="342900" indent="-342900">
+              <a:buNone/>
+              <a:defRPr lang="de-DE">
+                <a:solidFill>
+                  <a:schemeClr val="bg1"/>
+                </a:solidFill>
+                <a:latin typeface="Arial" pitchFamily="34" charset="0"/>
+                <a:cs typeface="Arial" pitchFamily="34" charset="0"/>
+              </a:defRPr>
+            </a:lvl1pPr>
+          </a:lstStyle>
+          <a:p>
+            <a:pPr marL="0" lvl="0" indent="0"/>
+            <a:r>
+              <a:rPr lang="de-DE" dirty="0" smtClean="0"/>
+              <a:t>Platzhalter Untertitel</a:t>
+            </a:r>
+            <a:endParaRPr lang="de-DE" dirty="0"/>
+          </a:p>
+        </p:txBody>
+      </p:sp>
+      <p:sp>
+        <p:nvSpPr>
+          <p:cNvPr id="11" name="Textplatzhalter 10"/>
+          <p:cNvSpPr>
+            <a:spLocks noGrp="1"/>
+          </p:cNvSpPr>
+          <p:nvPr>
+            <p:ph type="body" sz="quarter" idx="16" hasCustomPrompt="1"/>
+          </p:nvPr>
+        </p:nvSpPr>
+        <p:spPr>
+          <a:xfrm>
+            <a:off x="1090394" y="4869160"/>
+            <a:ext cx="8654012" cy="576064"/>
+          </a:xfrm>
+          <a:prstGeom prst="rect">
+            <a:avLst/>
+          </a:prstGeom>
+        </p:spPr>
+        <p:txBody>
+          <a:bodyPr/>
+          <a:lstStyle>
+            <a:lvl1pPr marL="285750" indent="-285750">
+              <a:buFont typeface="Arial" panose="020B0604020202020204" pitchFamily="34" charset="0"/>
+              <a:buNone/>
+              <a:defRPr lang="de-DE" sz="1400" dirty="0">
+                <a:solidFill>
+                  <a:schemeClr val="bg1"/>
+                </a:solidFill>
+                <a:latin typeface="Arial" pitchFamily="34" charset="0"/>
+                <a:cs typeface="Arial" pitchFamily="34" charset="0"/>
+              </a:defRPr>
+            </a:lvl1pPr>
+          </a:lstStyle>
+          <a:p>
+            <a:pPr marL="0" lvl="0" indent="0"/>
+            <a:r>
+              <a:rPr lang="de-DE" dirty="0" smtClean="0"/>
+              <a:t>Platzhalter Autor</a:t>
+            </a:r>
+            <a:endParaRPr lang="de-DE" dirty="0"/>
+          </a:p>
+        </p:txBody>
+      </p:sp>
+    </p:spTree>
+    <p:extLst>
+      <p:ext uri="{BB962C8B-B14F-4D97-AF65-F5344CB8AC3E}">
+        <p14:creationId xmlns:p14="http://schemas.microsoft.com/office/powerpoint/2010/main" val="3394975045"/>
+      </p:ext>
+    </p:extLst>
+  </p:cSld>
+  <p:clrMapOvr>
+    <a:masterClrMapping/>
+  </p:clrMapOvr>
+  <p:timing>
+    <p:tnLst>
+      <p:par>
+        <p:cTn id="1" dur="indefinite" restart="never" nodeType="tmRoot"/>
+      </p:par>
+    </p:tnLst>
+  </p:timing>
+</p:sldLayout>
+</file>
+
+<file path=ppt/slideLayouts/slideLayout2.xml><?xml version="1.0" encoding="utf-8"?>
+<p:sldLayout xmlns:a="http://schemas.openxmlformats.org/drawingml/2006/main" xmlns:r="http://schemas.openxmlformats.org/officeDocument/2006/relationships" xmlns:p="http://schemas.openxmlformats.org/presentationml/2006/main" preserve="1">
+  <p:cSld name="Inhalt einspaltig">
+    <p:spTree>
+      <p:nvGrpSpPr>
+        <p:cNvPr id="1" name=""/>
+        <p:cNvGrpSpPr/>
+        <p:nvPr/>
+      </p:nvGrpSpPr>
+      <p:grpSpPr>
+        <a:xfrm>
+          <a:off x="0" y="0"/>
+          <a:ext cx="0" cy="0"/>
+          <a:chOff x="0" y="0"/>
+          <a:chExt cx="0" cy="0"/>
+        </a:xfrm>
+      </p:grpSpPr>
+      <p:sp>
+        <p:nvSpPr>
+          <p:cNvPr id="4" name="Datumsplatzhalter 3"/>
+          <p:cNvSpPr>
+            <a:spLocks noGrp="1"/>
+          </p:cNvSpPr>
+          <p:nvPr>
+            <p:ph type="dt" sz="half" idx="10"/>
+          </p:nvPr>
+        </p:nvSpPr>
+        <p:spPr/>
+        <p:txBody>
+          <a:bodyPr/>
+          <a:lstStyle/>
+          <a:p>
+            <a:fld id="{89C5148D-91CB-4728-A35B-E4D85E36B7FE}" type="datetimeFigureOut">
+              <a:rPr lang="de-DE" smtClean="0"/>
+              <a:t>22.01.2015</a:t>
+            </a:fld>
+            <a:endParaRPr lang="de-DE"/>
+          </a:p>
+        </p:txBody>
+      </p:sp>
+      <p:sp>
+        <p:nvSpPr>
+          <p:cNvPr id="5" name="Fußzeilenplatzhalter 4"/>
+          <p:cNvSpPr>
+            <a:spLocks noGrp="1"/>
+          </p:cNvSpPr>
+          <p:nvPr>
+            <p:ph type="ftr" sz="quarter" idx="11"/>
+          </p:nvPr>
+        </p:nvSpPr>
+        <p:spPr/>
+        <p:txBody>
+          <a:bodyPr/>
+          <a:lstStyle/>
+          <a:p>
+            <a:endParaRPr lang="de-DE"/>
+          </a:p>
+        </p:txBody>
+      </p:sp>
+      <p:sp>
+        <p:nvSpPr>
+          <p:cNvPr id="6" name="Foliennummernplatzhalter 5"/>
+          <p:cNvSpPr>
+            <a:spLocks noGrp="1"/>
+          </p:cNvSpPr>
+          <p:nvPr>
+            <p:ph type="sldNum" sz="quarter" idx="12"/>
+          </p:nvPr>
+        </p:nvSpPr>
+        <p:spPr/>
+        <p:txBody>
+          <a:bodyPr/>
+          <a:lstStyle/>
+          <a:p>
+            <a:fld id="{CBA39D34-9C82-4786-9D11-02431842E209}" type="slidenum">
+              <a:rPr lang="de-DE" smtClean="0"/>
+              <a:t>‹Nr.›</a:t>
+            </a:fld>
+            <a:endParaRPr lang="de-DE"/>
+          </a:p>
+        </p:txBody>
+      </p:sp>
+      <p:sp>
+        <p:nvSpPr>
+          <p:cNvPr id="8" name="Titel 1"/>
+          <p:cNvSpPr>
+            <a:spLocks noGrp="1"/>
+          </p:cNvSpPr>
+          <p:nvPr>
+            <p:ph type="title" hasCustomPrompt="1"/>
+          </p:nvPr>
+        </p:nvSpPr>
+        <p:spPr>
+          <a:xfrm>
+            <a:off x="971576" y="1156475"/>
+            <a:ext cx="9984000" cy="576000"/>
+          </a:xfrm>
+          <a:prstGeom prst="rect">
+            <a:avLst/>
+          </a:prstGeom>
+        </p:spPr>
+        <p:txBody>
+          <a:bodyPr lIns="0" tIns="0" rIns="0" bIns="0"/>
+          <a:lstStyle>
+            <a:lvl1pPr algn="l">
+              <a:defRPr lang="de-DE" sz="2800" b="1" baseline="0">
+                <a:solidFill>
+                  <a:srgbClr val="005B82"/>
+                </a:solidFill>
+                <a:latin typeface="Arial" pitchFamily="34" charset="0"/>
+                <a:ea typeface="+mn-ea"/>
+                <a:cs typeface="Arial" pitchFamily="34" charset="0"/>
+              </a:defRPr>
+            </a:lvl1pPr>
+          </a:lstStyle>
+          <a:p>
+            <a:pPr marL="0" lvl="0" indent="0" algn="l">
+              <a:spcBef>
+                <a:spcPct val="20000"/>
+              </a:spcBef>
+              <a:buClr>
+                <a:srgbClr val="005B82"/>
+              </a:buClr>
+              <a:buSzPct val="80000"/>
+              <a:buFontTx/>
+            </a:pPr>
+            <a:r>
+              <a:rPr lang="de-DE" dirty="0" smtClean="0"/>
+              <a:t>Platzhalter Titel</a:t>
+            </a:r>
+            <a:endParaRPr lang="de-DE" dirty="0"/>
+          </a:p>
+        </p:txBody>
+      </p:sp>
+      <p:sp>
+        <p:nvSpPr>
+          <p:cNvPr id="9" name="Inhaltsplatzhalter 2"/>
+          <p:cNvSpPr>
+            <a:spLocks noGrp="1"/>
+          </p:cNvSpPr>
+          <p:nvPr>
+            <p:ph idx="1"/>
+          </p:nvPr>
+        </p:nvSpPr>
+        <p:spPr>
+          <a:xfrm>
+            <a:off x="989506" y="1916833"/>
+            <a:ext cx="9985109" cy="4209331"/>
+          </a:xfrm>
+          <a:prstGeom prst="rect">
+            <a:avLst/>
+          </a:prstGeom>
+        </p:spPr>
+        <p:txBody>
+          <a:bodyPr lIns="0" tIns="0"/>
+          <a:lstStyle>
+            <a:lvl1pPr marL="0" indent="0">
+              <a:spcAft>
+                <a:spcPts val="500"/>
+              </a:spcAft>
+              <a:buNone/>
+              <a:defRPr sz="2400">
+                <a:latin typeface="Arial" panose="020B0604020202020204" pitchFamily="34" charset="0"/>
+                <a:cs typeface="Arial" panose="020B0604020202020204" pitchFamily="34" charset="0"/>
+              </a:defRPr>
+            </a:lvl1pPr>
+            <a:lvl2pPr marL="342900" indent="-342900" algn="l" defTabSz="914400" rtl="0" eaLnBrk="1" latinLnBrk="0" hangingPunct="1">
+              <a:spcBef>
+                <a:spcPct val="20000"/>
+              </a:spcBef>
+              <a:buClr>
+                <a:srgbClr val="005B82"/>
+              </a:buClr>
+              <a:buSzPct val="80000"/>
+              <a:buFont typeface="Wingdings" pitchFamily="2" charset="2"/>
+              <a:buChar char="§"/>
+              <a:defRPr lang="de-DE" sz="2000" kern="1200" baseline="0" dirty="0" smtClean="0">
+                <a:solidFill>
+                  <a:schemeClr val="tx1"/>
+                </a:solidFill>
+                <a:latin typeface="Arial" pitchFamily="34" charset="0"/>
+                <a:ea typeface="+mn-ea"/>
+                <a:cs typeface="Arial" pitchFamily="34" charset="0"/>
+              </a:defRPr>
+            </a:lvl2pPr>
+            <a:lvl3pPr marL="1143000" indent="-228600">
+              <a:buClr>
+                <a:srgbClr val="005B82"/>
+              </a:buClr>
+              <a:buSzPct val="80000"/>
+              <a:buFont typeface="Wingdings" panose="05000000000000000000" pitchFamily="2" charset="2"/>
+              <a:buChar char="§"/>
+              <a:defRPr sz="1800">
+                <a:latin typeface="Arial" panose="020B0604020202020204" pitchFamily="34" charset="0"/>
+                <a:cs typeface="Arial" panose="020B0604020202020204" pitchFamily="34" charset="0"/>
+              </a:defRPr>
+            </a:lvl3pPr>
+            <a:lvl4pPr marL="1600200" indent="-228600">
+              <a:buClr>
+                <a:srgbClr val="005B82"/>
+              </a:buClr>
+              <a:buSzPct val="80000"/>
+              <a:buFont typeface="Wingdings" panose="05000000000000000000" pitchFamily="2" charset="2"/>
+              <a:buChar char="§"/>
+              <a:defRPr sz="1600">
+                <a:latin typeface="Arial" panose="020B0604020202020204" pitchFamily="34" charset="0"/>
+                <a:cs typeface="Arial" panose="020B0604020202020204" pitchFamily="34" charset="0"/>
+              </a:defRPr>
+            </a:lvl4pPr>
+            <a:lvl5pPr marL="2057400" indent="-228600">
+              <a:buClr>
+                <a:srgbClr val="005B82"/>
+              </a:buClr>
+              <a:buSzPct val="80000"/>
+              <a:buFont typeface="Wingdings" panose="05000000000000000000" pitchFamily="2" charset="2"/>
+              <a:buChar char="§"/>
+              <a:defRPr sz="1600">
+                <a:latin typeface="Arial" panose="020B0604020202020204" pitchFamily="34" charset="0"/>
+                <a:cs typeface="Arial" panose="020B0604020202020204" pitchFamily="34" charset="0"/>
+              </a:defRPr>
+            </a:lvl5pPr>
+          </a:lstStyle>
+          <a:p>
+            <a:pPr lvl="0"/>
+            <a:r>
+              <a:rPr lang="de-DE" smtClean="0"/>
+              <a:t>Textmasterformat bearbeiten</a:t>
+            </a:r>
+          </a:p>
+          <a:p>
+            <a:pPr lvl="1"/>
+            <a:r>
+              <a:rPr lang="de-DE" smtClean="0"/>
+              <a:t>Zweite Ebene</a:t>
+            </a:r>
+          </a:p>
+          <a:p>
+            <a:pPr lvl="2"/>
+            <a:r>
+              <a:rPr lang="de-DE" smtClean="0"/>
+              <a:t>Dritte Ebene</a:t>
+            </a:r>
+          </a:p>
+          <a:p>
+            <a:pPr lvl="3"/>
+            <a:r>
+              <a:rPr lang="de-DE" smtClean="0"/>
+              <a:t>Vierte Ebene</a:t>
+            </a:r>
+          </a:p>
+          <a:p>
+            <a:pPr lvl="4"/>
+            <a:r>
+              <a:rPr lang="de-DE" smtClean="0"/>
+              <a:t>Fünfte Ebene</a:t>
+            </a:r>
+            <a:endParaRPr lang="de-DE" dirty="0"/>
+          </a:p>
+        </p:txBody>
+      </p:sp>
+      <p:pic>
+        <p:nvPicPr>
+          <p:cNvPr id="10" name="Picture 2"/>
+          <p:cNvPicPr>
+            <a:picLocks noChangeAspect="1" noChangeArrowheads="1"/>
+          </p:cNvPicPr>
+          <p:nvPr/>
+        </p:nvPicPr>
+        <p:blipFill>
+          <a:blip r:embed="rId2" cstate="print">
+            <a:extLst>
+              <a:ext uri="{28A0092B-C50C-407E-A947-70E740481C1C}">
+                <a14:useLocalDpi xmlns:a14="http://schemas.microsoft.com/office/drawing/2010/main" val="0"/>
+              </a:ext>
+            </a:extLst>
+          </a:blip>
+          <a:srcRect/>
+          <a:stretch>
+            <a:fillRect/>
+          </a:stretch>
+        </p:blipFill>
+        <p:spPr bwMode="auto">
+          <a:xfrm>
+            <a:off x="9936000" y="151201"/>
+            <a:ext cx="1920000" cy="461639"/>
+          </a:xfrm>
+          <a:prstGeom prst="rect">
+            <a:avLst/>
+          </a:prstGeom>
+          <a:noFill/>
+          <a:ln>
+            <a:noFill/>
+          </a:ln>
+          <a:effectLst/>
+          <a:extLst>
+            <a:ext uri="{909E8E84-426E-40DD-AFC4-6F175D3DCCD1}">
+              <a14:hiddenFill xmlns:a14="http://schemas.microsoft.com/office/drawing/2010/main">
+                <a:solidFill>
+                  <a:schemeClr val="accent1"/>
+                </a:solidFill>
+              </a14:hiddenFill>
+            </a:ext>
+            <a:ext uri="{91240B29-F687-4F45-9708-019B960494DF}">
+              <a14:hiddenLine xmlns:a14="http://schemas.microsoft.com/office/drawing/2010/main" w="9525">
+                <a:solidFill>
+                  <a:schemeClr val="tx1"/>
+                </a:solidFill>
+                <a:miter lim="800000"/>
+                <a:headEnd/>
+                <a:tailEnd/>
+              </a14:hiddenLine>
+            </a:ext>
+            <a:ext uri="{AF507438-7753-43E0-B8FC-AC1667EBCBE1}">
+              <a14:hiddenEffects xmlns:a14="http://schemas.microsoft.com/office/drawing/2010/main">
+                <a:effectLst>
+                  <a:outerShdw dist="35921" dir="2700000" algn="ctr" rotWithShape="0">
+                    <a:schemeClr val="bg2"/>
+                  </a:outerShdw>
+                </a:effectLst>
+              </a14:hiddenEffects>
+            </a:ext>
+          </a:extLst>
+        </p:spPr>
+      </p:pic>
+    </p:spTree>
+    <p:extLst>
+      <p:ext uri="{BB962C8B-B14F-4D97-AF65-F5344CB8AC3E}">
+        <p14:creationId xmlns:p14="http://schemas.microsoft.com/office/powerpoint/2010/main" val="2726828297"/>
+      </p:ext>
+    </p:extLst>
+  </p:cSld>
+  <p:clrMapOvr>
+    <a:masterClrMapping/>
+  </p:clrMapOvr>
+  <p:timing>
+    <p:tnLst>
+      <p:par>
+        <p:cTn id="1" dur="indefinite" restart="never" nodeType="tmRoot"/>
+      </p:par>
+    </p:tnLst>
+  </p:timing>
+</p:sldLayout>
+</file>
+
+<file path=ppt/slideLayouts/slideLayout3.xml><?xml version="1.0" encoding="utf-8"?>
+<p:sldLayout xmlns:a="http://schemas.openxmlformats.org/drawingml/2006/main" xmlns:r="http://schemas.openxmlformats.org/officeDocument/2006/relationships" xmlns:p="http://schemas.openxmlformats.org/presentationml/2006/main" preserve="1">
+  <p:cSld name="Bilder zweispaltig">
+    <p:spTree>
+      <p:nvGrpSpPr>
+        <p:cNvPr id="1" name=""/>
+        <p:cNvGrpSpPr/>
+        <p:nvPr/>
+      </p:nvGrpSpPr>
+      <p:grpSpPr>
+        <a:xfrm>
+          <a:off x="0" y="0"/>
+          <a:ext cx="0" cy="0"/>
+          <a:chOff x="0" y="0"/>
+          <a:chExt cx="0" cy="0"/>
+        </a:xfrm>
+      </p:grpSpPr>
+      <p:sp>
+        <p:nvSpPr>
+          <p:cNvPr id="4" name="Datumsplatzhalter 3"/>
+          <p:cNvSpPr>
+            <a:spLocks noGrp="1"/>
+          </p:cNvSpPr>
+          <p:nvPr>
+            <p:ph type="dt" sz="half" idx="10"/>
+          </p:nvPr>
+        </p:nvSpPr>
+        <p:spPr/>
+        <p:txBody>
+          <a:bodyPr/>
+          <a:lstStyle/>
+          <a:p>
+            <a:fld id="{89C5148D-91CB-4728-A35B-E4D85E36B7FE}" type="datetimeFigureOut">
+              <a:rPr lang="de-DE" smtClean="0"/>
+              <a:t>22.01.2015</a:t>
+            </a:fld>
+            <a:endParaRPr lang="de-DE"/>
+          </a:p>
+        </p:txBody>
+      </p:sp>
+      <p:sp>
+        <p:nvSpPr>
+          <p:cNvPr id="5" name="Fußzeilenplatzhalter 4"/>
+          <p:cNvSpPr>
+            <a:spLocks noGrp="1"/>
+          </p:cNvSpPr>
+          <p:nvPr>
+            <p:ph type="ftr" sz="quarter" idx="11"/>
+          </p:nvPr>
+        </p:nvSpPr>
+        <p:spPr/>
+        <p:txBody>
+          <a:bodyPr/>
+          <a:lstStyle/>
+          <a:p>
+            <a:endParaRPr lang="de-DE"/>
+          </a:p>
+        </p:txBody>
+      </p:sp>
+      <p:sp>
+        <p:nvSpPr>
+          <p:cNvPr id="6" name="Foliennummernplatzhalter 5"/>
+          <p:cNvSpPr>
+            <a:spLocks noGrp="1"/>
+          </p:cNvSpPr>
+          <p:nvPr>
+            <p:ph type="sldNum" sz="quarter" idx="12"/>
+          </p:nvPr>
+        </p:nvSpPr>
+        <p:spPr/>
+        <p:txBody>
+          <a:bodyPr/>
+          <a:lstStyle/>
+          <a:p>
+            <a:fld id="{CBA39D34-9C82-4786-9D11-02431842E209}" type="slidenum">
+              <a:rPr lang="de-DE" smtClean="0"/>
+              <a:t>‹Nr.›</a:t>
+            </a:fld>
+            <a:endParaRPr lang="de-DE"/>
+          </a:p>
+        </p:txBody>
+      </p:sp>
+      <p:sp>
+        <p:nvSpPr>
+          <p:cNvPr id="8" name="Inhaltsplatzhalter 2"/>
+          <p:cNvSpPr>
+            <a:spLocks noGrp="1"/>
+          </p:cNvSpPr>
+          <p:nvPr>
+            <p:ph idx="1" hasCustomPrompt="1"/>
+          </p:nvPr>
+        </p:nvSpPr>
+        <p:spPr>
+          <a:xfrm>
+            <a:off x="960000" y="1990800"/>
+            <a:ext cx="10896640" cy="576064"/>
+          </a:xfrm>
+          <a:prstGeom prst="rect">
+            <a:avLst/>
+          </a:prstGeom>
+        </p:spPr>
+        <p:txBody>
+          <a:bodyPr lIns="0" tIns="0" rIns="0" bIns="0"/>
+          <a:lstStyle>
+            <a:lvl1pPr marL="0" indent="0">
+              <a:buClr>
+                <a:srgbClr val="005B82"/>
+              </a:buClr>
+              <a:buSzPct val="80000"/>
+              <a:buFontTx/>
+              <a:buNone/>
+              <a:defRPr sz="2200" baseline="0">
+                <a:latin typeface="Arial" pitchFamily="34" charset="0"/>
+                <a:cs typeface="Arial" pitchFamily="34" charset="0"/>
+              </a:defRPr>
+            </a:lvl1pPr>
+            <a:lvl2pPr marL="457200" indent="0">
+              <a:buClr>
+                <a:srgbClr val="005B82"/>
+              </a:buClr>
+              <a:buSzPct val="80000"/>
+              <a:buFont typeface="Wingdings" pitchFamily="2" charset="2"/>
+              <a:buNone/>
+              <a:defRPr sz="2200">
+                <a:latin typeface="Arial" pitchFamily="34" charset="0"/>
+                <a:cs typeface="Arial" pitchFamily="34" charset="0"/>
+              </a:defRPr>
+            </a:lvl2pPr>
+            <a:lvl3pPr marL="1143000" indent="-228600">
+              <a:buClr>
+                <a:srgbClr val="005B82"/>
+              </a:buClr>
+              <a:buSzPct val="80000"/>
+              <a:buFont typeface="Wingdings" pitchFamily="2" charset="2"/>
+              <a:buChar char="§"/>
+              <a:defRPr sz="2200">
+                <a:latin typeface="Arial" pitchFamily="34" charset="0"/>
+                <a:cs typeface="Arial" pitchFamily="34" charset="0"/>
+              </a:defRPr>
+            </a:lvl3pPr>
+            <a:lvl4pPr marL="1600200" indent="-228600">
+              <a:buClr>
+                <a:srgbClr val="005B82"/>
+              </a:buClr>
+              <a:buSzPct val="80000"/>
+              <a:buFont typeface="Wingdings" pitchFamily="2" charset="2"/>
+              <a:buChar char="§"/>
+              <a:defRPr sz="2200">
+                <a:latin typeface="Arial" pitchFamily="34" charset="0"/>
+                <a:cs typeface="Arial" pitchFamily="34" charset="0"/>
+              </a:defRPr>
+            </a:lvl4pPr>
+            <a:lvl5pPr marL="2057400" indent="-228600">
+              <a:buClr>
+                <a:srgbClr val="005B82"/>
+              </a:buClr>
+              <a:buSzPct val="80000"/>
+              <a:buFont typeface="Wingdings" pitchFamily="2" charset="2"/>
+              <a:buChar char="§"/>
+              <a:defRPr sz="2200">
+                <a:latin typeface="Arial" pitchFamily="34" charset="0"/>
+                <a:cs typeface="Arial" pitchFamily="34" charset="0"/>
+              </a:defRPr>
+            </a:lvl5pPr>
+          </a:lstStyle>
+          <a:p>
+            <a:r>
+              <a:rPr lang="de-DE" dirty="0" smtClean="0"/>
+              <a:t>Überschrift zu einem Thema mit Objekten</a:t>
+            </a:r>
+          </a:p>
+        </p:txBody>
+      </p:sp>
+      <p:sp>
+        <p:nvSpPr>
+          <p:cNvPr id="14" name="Inhaltsplatzhalter 13"/>
+          <p:cNvSpPr>
+            <a:spLocks noGrp="1"/>
+          </p:cNvSpPr>
+          <p:nvPr>
+            <p:ph idx="18"/>
+          </p:nvPr>
+        </p:nvSpPr>
+        <p:spPr>
+          <a:xfrm>
+            <a:off x="965255" y="5408354"/>
+            <a:ext cx="4842715" cy="540927"/>
+          </a:xfrm>
+          <a:prstGeom prst="rect">
+            <a:avLst/>
+          </a:prstGeom>
+        </p:spPr>
+        <p:txBody>
+          <a:bodyPr lIns="36000" tIns="0" rIns="0" bIns="0"/>
+          <a:lstStyle>
+            <a:lvl1pPr marL="0" indent="0">
+              <a:buFontTx/>
+              <a:buNone/>
+              <a:defRPr sz="1100" i="1">
+                <a:solidFill>
+                  <a:srgbClr val="515151"/>
+                </a:solidFill>
+                <a:latin typeface="Arial" pitchFamily="34" charset="0"/>
+                <a:cs typeface="Arial" pitchFamily="34" charset="0"/>
+              </a:defRPr>
+            </a:lvl1pPr>
+          </a:lstStyle>
+          <a:p>
+            <a:pPr lvl="0"/>
+            <a:r>
+              <a:rPr lang="de-DE" smtClean="0"/>
+              <a:t>Textmasterformat bearbeiten</a:t>
+            </a:r>
+          </a:p>
+        </p:txBody>
+      </p:sp>
+      <p:sp>
+        <p:nvSpPr>
+          <p:cNvPr id="11" name="Titel 1"/>
+          <p:cNvSpPr>
+            <a:spLocks noGrp="1"/>
+          </p:cNvSpPr>
+          <p:nvPr>
+            <p:ph type="title" hasCustomPrompt="1"/>
+          </p:nvPr>
+        </p:nvSpPr>
+        <p:spPr>
+          <a:xfrm>
+            <a:off x="971576" y="1156475"/>
+            <a:ext cx="9984000" cy="576000"/>
+          </a:xfrm>
+          <a:prstGeom prst="rect">
+            <a:avLst/>
+          </a:prstGeom>
+        </p:spPr>
+        <p:txBody>
+          <a:bodyPr lIns="0" tIns="0" rIns="0" bIns="0"/>
+          <a:lstStyle>
+            <a:lvl1pPr algn="l">
+              <a:defRPr lang="de-DE" sz="2800" b="1" baseline="0">
+                <a:solidFill>
+                  <a:srgbClr val="005B82"/>
+                </a:solidFill>
+                <a:latin typeface="Arial" pitchFamily="34" charset="0"/>
+                <a:ea typeface="+mn-ea"/>
+                <a:cs typeface="Arial" pitchFamily="34" charset="0"/>
+              </a:defRPr>
+            </a:lvl1pPr>
+          </a:lstStyle>
+          <a:p>
+            <a:pPr marL="0" lvl="0" indent="0" algn="l">
+              <a:spcBef>
+                <a:spcPct val="20000"/>
+              </a:spcBef>
+              <a:buClr>
+                <a:srgbClr val="005B82"/>
+              </a:buClr>
+              <a:buSzPct val="80000"/>
+              <a:buFontTx/>
+            </a:pPr>
+            <a:r>
+              <a:rPr lang="de-DE" dirty="0" smtClean="0"/>
+              <a:t>Platzhalter Titel</a:t>
+            </a:r>
+            <a:endParaRPr lang="de-DE" dirty="0"/>
+          </a:p>
+        </p:txBody>
+      </p:sp>
+      <p:sp>
+        <p:nvSpPr>
+          <p:cNvPr id="3" name="Bildplatzhalter 2"/>
+          <p:cNvSpPr>
+            <a:spLocks noGrp="1"/>
+          </p:cNvSpPr>
+          <p:nvPr>
+            <p:ph type="pic" sz="quarter" idx="21"/>
+          </p:nvPr>
+        </p:nvSpPr>
+        <p:spPr>
+          <a:xfrm>
+            <a:off x="1007533" y="2852738"/>
+            <a:ext cx="4800600" cy="2304454"/>
+          </a:xfrm>
+          <a:prstGeom prst="rect">
+            <a:avLst/>
+          </a:prstGeom>
+        </p:spPr>
+        <p:txBody>
+          <a:bodyPr/>
+          <a:lstStyle/>
+          <a:p>
+            <a:r>
+              <a:rPr lang="de-DE" smtClean="0"/>
+              <a:t>Bild durch Klicken auf Symbol hinzufügen</a:t>
+            </a:r>
+            <a:endParaRPr lang="de-DE"/>
+          </a:p>
+        </p:txBody>
+      </p:sp>
+      <p:sp>
+        <p:nvSpPr>
+          <p:cNvPr id="20" name="Inhaltsplatzhalter 13"/>
+          <p:cNvSpPr>
+            <a:spLocks noGrp="1"/>
+          </p:cNvSpPr>
+          <p:nvPr>
+            <p:ph idx="22"/>
+          </p:nvPr>
+        </p:nvSpPr>
+        <p:spPr>
+          <a:xfrm>
+            <a:off x="6341753" y="5408552"/>
+            <a:ext cx="4842715" cy="540927"/>
+          </a:xfrm>
+          <a:prstGeom prst="rect">
+            <a:avLst/>
+          </a:prstGeom>
+        </p:spPr>
+        <p:txBody>
+          <a:bodyPr lIns="36000" tIns="0" rIns="0" bIns="0"/>
+          <a:lstStyle>
+            <a:lvl1pPr marL="0" indent="0">
+              <a:buFontTx/>
+              <a:buNone/>
+              <a:defRPr sz="1100" i="1">
+                <a:solidFill>
+                  <a:srgbClr val="515151"/>
+                </a:solidFill>
+                <a:latin typeface="Arial" pitchFamily="34" charset="0"/>
+                <a:cs typeface="Arial" pitchFamily="34" charset="0"/>
+              </a:defRPr>
+            </a:lvl1pPr>
+          </a:lstStyle>
+          <a:p>
+            <a:pPr lvl="0"/>
+            <a:r>
+              <a:rPr lang="de-DE" smtClean="0"/>
+              <a:t>Textmasterformat bearbeiten</a:t>
+            </a:r>
+          </a:p>
+        </p:txBody>
+      </p:sp>
+      <p:sp>
+        <p:nvSpPr>
+          <p:cNvPr id="21" name="Bildplatzhalter 2"/>
+          <p:cNvSpPr>
+            <a:spLocks noGrp="1"/>
+          </p:cNvSpPr>
+          <p:nvPr>
+            <p:ph type="pic" sz="quarter" idx="23"/>
+          </p:nvPr>
+        </p:nvSpPr>
+        <p:spPr>
+          <a:xfrm>
+            <a:off x="6384032" y="2852936"/>
+            <a:ext cx="4800600" cy="2304454"/>
+          </a:xfrm>
+          <a:prstGeom prst="rect">
+            <a:avLst/>
+          </a:prstGeom>
+        </p:spPr>
+        <p:txBody>
+          <a:bodyPr/>
+          <a:lstStyle/>
+          <a:p>
+            <a:r>
+              <a:rPr lang="de-DE" smtClean="0"/>
+              <a:t>Bild durch Klicken auf Symbol hinzufügen</a:t>
+            </a:r>
+            <a:endParaRPr lang="de-DE"/>
+          </a:p>
+        </p:txBody>
+      </p:sp>
+      <p:pic>
+        <p:nvPicPr>
+          <p:cNvPr id="22" name="Picture 2"/>
+          <p:cNvPicPr>
+            <a:picLocks noChangeAspect="1" noChangeArrowheads="1"/>
+          </p:cNvPicPr>
+          <p:nvPr/>
+        </p:nvPicPr>
+        <p:blipFill>
+          <a:blip r:embed="rId2" cstate="print">
+            <a:extLst>
+              <a:ext uri="{28A0092B-C50C-407E-A947-70E740481C1C}">
+                <a14:useLocalDpi xmlns:a14="http://schemas.microsoft.com/office/drawing/2010/main" val="0"/>
+              </a:ext>
+            </a:extLst>
+          </a:blip>
+          <a:srcRect/>
+          <a:stretch>
+            <a:fillRect/>
+          </a:stretch>
+        </p:blipFill>
+        <p:spPr bwMode="auto">
+          <a:xfrm>
+            <a:off x="9936000" y="151201"/>
+            <a:ext cx="1920000" cy="461639"/>
+          </a:xfrm>
+          <a:prstGeom prst="rect">
+            <a:avLst/>
+          </a:prstGeom>
+          <a:noFill/>
+          <a:ln>
+            <a:noFill/>
+          </a:ln>
+          <a:effectLst/>
+          <a:extLst>
+            <a:ext uri="{909E8E84-426E-40DD-AFC4-6F175D3DCCD1}">
+              <a14:hiddenFill xmlns:a14="http://schemas.microsoft.com/office/drawing/2010/main">
+                <a:solidFill>
+                  <a:schemeClr val="accent1"/>
+                </a:solidFill>
+              </a14:hiddenFill>
+            </a:ext>
+            <a:ext uri="{91240B29-F687-4F45-9708-019B960494DF}">
+              <a14:hiddenLine xmlns:a14="http://schemas.microsoft.com/office/drawing/2010/main" w="9525">
+                <a:solidFill>
+                  <a:schemeClr val="tx1"/>
+                </a:solidFill>
+                <a:miter lim="800000"/>
+                <a:headEnd/>
+                <a:tailEnd/>
+              </a14:hiddenLine>
+            </a:ext>
+            <a:ext uri="{AF507438-7753-43E0-B8FC-AC1667EBCBE1}">
+              <a14:hiddenEffects xmlns:a14="http://schemas.microsoft.com/office/drawing/2010/main">
+                <a:effectLst>
+                  <a:outerShdw dist="35921" dir="2700000" algn="ctr" rotWithShape="0">
+                    <a:schemeClr val="bg2"/>
+                  </a:outerShdw>
+                </a:effectLst>
+              </a14:hiddenEffects>
+            </a:ext>
+          </a:extLst>
+        </p:spPr>
+      </p:pic>
+    </p:spTree>
+    <p:extLst>
+      <p:ext uri="{BB962C8B-B14F-4D97-AF65-F5344CB8AC3E}">
+        <p14:creationId xmlns:p14="http://schemas.microsoft.com/office/powerpoint/2010/main" val="3862777416"/>
+      </p:ext>
+    </p:extLst>
+  </p:cSld>
+  <p:clrMapOvr>
+    <a:masterClrMapping/>
+  </p:clrMapOvr>
+  <p:timing>
+    <p:tnLst>
+      <p:par>
+        <p:cTn id="1" dur="indefinite" restart="never" nodeType="tmRoot"/>
+      </p:par>
+    </p:tnLst>
+  </p:timing>
+</p:sldLayout>
+</file>
+
+<file path=ppt/slideLayouts/slideLayout4.xml><?xml version="1.0" encoding="utf-8"?>
+<p:sldLayout xmlns:a="http://schemas.openxmlformats.org/drawingml/2006/main" xmlns:r="http://schemas.openxmlformats.org/officeDocument/2006/relationships" xmlns:p="http://schemas.openxmlformats.org/presentationml/2006/main" preserve="1">
+  <p:cSld name="Objekte zweispaltig">
+    <p:spTree>
+      <p:nvGrpSpPr>
+        <p:cNvPr id="1" name=""/>
+        <p:cNvGrpSpPr/>
+        <p:nvPr/>
+      </p:nvGrpSpPr>
+      <p:grpSpPr>
+        <a:xfrm>
+          <a:off x="0" y="0"/>
+          <a:ext cx="0" cy="0"/>
+          <a:chOff x="0" y="0"/>
+          <a:chExt cx="0" cy="0"/>
+        </a:xfrm>
+      </p:grpSpPr>
+      <p:sp>
+        <p:nvSpPr>
+          <p:cNvPr id="4" name="Datumsplatzhalter 3"/>
+          <p:cNvSpPr>
+            <a:spLocks noGrp="1"/>
+          </p:cNvSpPr>
+          <p:nvPr>
+            <p:ph type="dt" sz="half" idx="10"/>
+          </p:nvPr>
+        </p:nvSpPr>
+        <p:spPr/>
+        <p:txBody>
+          <a:bodyPr/>
+          <a:lstStyle/>
+          <a:p>
+            <a:fld id="{89C5148D-91CB-4728-A35B-E4D85E36B7FE}" type="datetimeFigureOut">
+              <a:rPr lang="de-DE" smtClean="0"/>
+              <a:t>22.01.2015</a:t>
+            </a:fld>
+            <a:endParaRPr lang="de-DE"/>
+          </a:p>
+        </p:txBody>
+      </p:sp>
+      <p:sp>
+        <p:nvSpPr>
+          <p:cNvPr id="5" name="Fußzeilenplatzhalter 4"/>
+          <p:cNvSpPr>
+            <a:spLocks noGrp="1"/>
+          </p:cNvSpPr>
+          <p:nvPr>
+            <p:ph type="ftr" sz="quarter" idx="11"/>
+          </p:nvPr>
+        </p:nvSpPr>
+        <p:spPr/>
+        <p:txBody>
+          <a:bodyPr/>
+          <a:lstStyle/>
+          <a:p>
+            <a:endParaRPr lang="de-DE"/>
+          </a:p>
+        </p:txBody>
+      </p:sp>
+      <p:sp>
+        <p:nvSpPr>
+          <p:cNvPr id="6" name="Foliennummernplatzhalter 5"/>
+          <p:cNvSpPr>
+            <a:spLocks noGrp="1"/>
+          </p:cNvSpPr>
+          <p:nvPr>
+            <p:ph type="sldNum" sz="quarter" idx="12"/>
+          </p:nvPr>
+        </p:nvSpPr>
+        <p:spPr/>
+        <p:txBody>
+          <a:bodyPr/>
+          <a:lstStyle/>
+          <a:p>
+            <a:fld id="{CBA39D34-9C82-4786-9D11-02431842E209}" type="slidenum">
+              <a:rPr lang="de-DE" smtClean="0"/>
+              <a:t>‹Nr.›</a:t>
+            </a:fld>
+            <a:endParaRPr lang="de-DE"/>
+          </a:p>
+        </p:txBody>
+      </p:sp>
+      <p:sp>
+        <p:nvSpPr>
+          <p:cNvPr id="8" name="Inhaltsplatzhalter 2"/>
+          <p:cNvSpPr>
+            <a:spLocks noGrp="1"/>
+          </p:cNvSpPr>
+          <p:nvPr>
+            <p:ph idx="1" hasCustomPrompt="1"/>
+          </p:nvPr>
+        </p:nvSpPr>
+        <p:spPr>
+          <a:xfrm>
+            <a:off x="960000" y="1990800"/>
+            <a:ext cx="10896640" cy="576064"/>
+          </a:xfrm>
+          <a:prstGeom prst="rect">
+            <a:avLst/>
+          </a:prstGeom>
+        </p:spPr>
+        <p:txBody>
+          <a:bodyPr lIns="0" tIns="0" rIns="0" bIns="0"/>
+          <a:lstStyle>
+            <a:lvl1pPr marL="0" indent="0">
+              <a:buClr>
+                <a:srgbClr val="005B82"/>
+              </a:buClr>
+              <a:buSzPct val="80000"/>
+              <a:buFontTx/>
+              <a:buNone/>
+              <a:defRPr sz="2200" baseline="0">
+                <a:latin typeface="Arial" pitchFamily="34" charset="0"/>
+                <a:cs typeface="Arial" pitchFamily="34" charset="0"/>
+              </a:defRPr>
+            </a:lvl1pPr>
+            <a:lvl2pPr marL="457200" indent="0">
+              <a:buClr>
+                <a:srgbClr val="005B82"/>
+              </a:buClr>
+              <a:buSzPct val="80000"/>
+              <a:buFont typeface="Wingdings" pitchFamily="2" charset="2"/>
+              <a:buNone/>
+              <a:defRPr sz="2200">
+                <a:latin typeface="Arial" pitchFamily="34" charset="0"/>
+                <a:cs typeface="Arial" pitchFamily="34" charset="0"/>
+              </a:defRPr>
+            </a:lvl2pPr>
+            <a:lvl3pPr marL="1143000" indent="-228600">
+              <a:buClr>
+                <a:srgbClr val="005B82"/>
+              </a:buClr>
+              <a:buSzPct val="80000"/>
+              <a:buFont typeface="Wingdings" pitchFamily="2" charset="2"/>
+              <a:buChar char="§"/>
+              <a:defRPr sz="2200">
+                <a:latin typeface="Arial" pitchFamily="34" charset="0"/>
+                <a:cs typeface="Arial" pitchFamily="34" charset="0"/>
+              </a:defRPr>
+            </a:lvl3pPr>
+            <a:lvl4pPr marL="1600200" indent="-228600">
+              <a:buClr>
+                <a:srgbClr val="005B82"/>
+              </a:buClr>
+              <a:buSzPct val="80000"/>
+              <a:buFont typeface="Wingdings" pitchFamily="2" charset="2"/>
+              <a:buChar char="§"/>
+              <a:defRPr sz="2200">
+                <a:latin typeface="Arial" pitchFamily="34" charset="0"/>
+                <a:cs typeface="Arial" pitchFamily="34" charset="0"/>
+              </a:defRPr>
+            </a:lvl4pPr>
+            <a:lvl5pPr marL="2057400" indent="-228600">
+              <a:buClr>
+                <a:srgbClr val="005B82"/>
+              </a:buClr>
+              <a:buSzPct val="80000"/>
+              <a:buFont typeface="Wingdings" pitchFamily="2" charset="2"/>
+              <a:buChar char="§"/>
+              <a:defRPr sz="2200">
+                <a:latin typeface="Arial" pitchFamily="34" charset="0"/>
+                <a:cs typeface="Arial" pitchFamily="34" charset="0"/>
+              </a:defRPr>
+            </a:lvl5pPr>
+          </a:lstStyle>
+          <a:p>
+            <a:r>
+              <a:rPr lang="de-DE" dirty="0" smtClean="0"/>
+              <a:t>Überschrift zu einem Thema mit Objekten</a:t>
+            </a:r>
+          </a:p>
+        </p:txBody>
+      </p:sp>
+      <p:sp>
+        <p:nvSpPr>
+          <p:cNvPr id="14" name="Inhaltsplatzhalter 13"/>
+          <p:cNvSpPr>
+            <a:spLocks noGrp="1"/>
+          </p:cNvSpPr>
+          <p:nvPr>
+            <p:ph idx="18"/>
+          </p:nvPr>
+        </p:nvSpPr>
+        <p:spPr>
+          <a:xfrm>
+            <a:off x="965255" y="5408354"/>
+            <a:ext cx="4842715" cy="540927"/>
+          </a:xfrm>
+          <a:prstGeom prst="rect">
+            <a:avLst/>
+          </a:prstGeom>
+        </p:spPr>
+        <p:txBody>
+          <a:bodyPr lIns="36000" tIns="0" rIns="0" bIns="0"/>
+          <a:lstStyle>
+            <a:lvl1pPr marL="0" indent="0">
+              <a:buFontTx/>
+              <a:buNone/>
+              <a:defRPr sz="1100" i="1">
+                <a:solidFill>
+                  <a:srgbClr val="515151"/>
+                </a:solidFill>
+                <a:latin typeface="Arial" pitchFamily="34" charset="0"/>
+                <a:cs typeface="Arial" pitchFamily="34" charset="0"/>
+              </a:defRPr>
+            </a:lvl1pPr>
+          </a:lstStyle>
+          <a:p>
+            <a:pPr lvl="0"/>
+            <a:r>
+              <a:rPr lang="de-DE" smtClean="0"/>
+              <a:t>Textmasterformat bearbeiten</a:t>
+            </a:r>
+          </a:p>
+        </p:txBody>
+      </p:sp>
+      <p:sp>
+        <p:nvSpPr>
+          <p:cNvPr id="11" name="Titel 1"/>
+          <p:cNvSpPr>
+            <a:spLocks noGrp="1"/>
+          </p:cNvSpPr>
+          <p:nvPr>
+            <p:ph type="title" hasCustomPrompt="1"/>
+          </p:nvPr>
+        </p:nvSpPr>
+        <p:spPr>
+          <a:xfrm>
+            <a:off x="971576" y="1156475"/>
+            <a:ext cx="9984000" cy="576000"/>
+          </a:xfrm>
+          <a:prstGeom prst="rect">
+            <a:avLst/>
+          </a:prstGeom>
+        </p:spPr>
+        <p:txBody>
+          <a:bodyPr lIns="0" tIns="0" rIns="0" bIns="0"/>
+          <a:lstStyle>
+            <a:lvl1pPr algn="l">
+              <a:defRPr lang="de-DE" sz="2800" b="1" baseline="0">
+                <a:solidFill>
+                  <a:srgbClr val="005B82"/>
+                </a:solidFill>
+                <a:latin typeface="Arial" pitchFamily="34" charset="0"/>
+                <a:ea typeface="+mn-ea"/>
+                <a:cs typeface="Arial" pitchFamily="34" charset="0"/>
+              </a:defRPr>
+            </a:lvl1pPr>
+          </a:lstStyle>
+          <a:p>
+            <a:pPr marL="0" lvl="0" indent="0" algn="l">
+              <a:spcBef>
+                <a:spcPct val="20000"/>
+              </a:spcBef>
+              <a:buClr>
+                <a:srgbClr val="005B82"/>
+              </a:buClr>
+              <a:buSzPct val="80000"/>
+              <a:buFontTx/>
+            </a:pPr>
+            <a:r>
+              <a:rPr lang="de-DE" dirty="0" smtClean="0"/>
+              <a:t>Platzhalter Titel</a:t>
+            </a:r>
+            <a:endParaRPr lang="de-DE" dirty="0"/>
+          </a:p>
+        </p:txBody>
+      </p:sp>
+      <p:sp>
+        <p:nvSpPr>
+          <p:cNvPr id="20" name="Inhaltsplatzhalter 13"/>
+          <p:cNvSpPr>
+            <a:spLocks noGrp="1"/>
+          </p:cNvSpPr>
+          <p:nvPr>
+            <p:ph idx="22"/>
+          </p:nvPr>
+        </p:nvSpPr>
+        <p:spPr>
+          <a:xfrm>
+            <a:off x="6341753" y="5408552"/>
+            <a:ext cx="4842715" cy="540927"/>
+          </a:xfrm>
+          <a:prstGeom prst="rect">
+            <a:avLst/>
+          </a:prstGeom>
+        </p:spPr>
+        <p:txBody>
+          <a:bodyPr lIns="36000" tIns="0" rIns="0" bIns="0"/>
+          <a:lstStyle>
+            <a:lvl1pPr marL="0" indent="0">
+              <a:buFontTx/>
+              <a:buNone/>
+              <a:defRPr sz="1100" i="1">
+                <a:solidFill>
+                  <a:srgbClr val="515151"/>
+                </a:solidFill>
+                <a:latin typeface="Arial" pitchFamily="34" charset="0"/>
+                <a:cs typeface="Arial" pitchFamily="34" charset="0"/>
+              </a:defRPr>
+            </a:lvl1pPr>
+          </a:lstStyle>
+          <a:p>
+            <a:pPr lvl="0"/>
+            <a:r>
+              <a:rPr lang="de-DE" smtClean="0"/>
+              <a:t>Textmasterformat bearbeiten</a:t>
+            </a:r>
+          </a:p>
+        </p:txBody>
+      </p:sp>
+      <p:sp>
+        <p:nvSpPr>
+          <p:cNvPr id="7" name="Inhaltsplatzhalter 6"/>
+          <p:cNvSpPr>
+            <a:spLocks noGrp="1"/>
+          </p:cNvSpPr>
+          <p:nvPr>
+            <p:ph sz="quarter" idx="24"/>
+          </p:nvPr>
+        </p:nvSpPr>
+        <p:spPr>
+          <a:xfrm>
+            <a:off x="1007533" y="2852937"/>
+            <a:ext cx="4800435" cy="2304033"/>
+          </a:xfrm>
+          <a:prstGeom prst="rect">
+            <a:avLst/>
+          </a:prstGeom>
+        </p:spPr>
+        <p:txBody>
+          <a:bodyPr/>
+          <a:lstStyle>
+            <a:lvl1pPr marL="0" indent="0">
+              <a:buNone/>
+              <a:defRPr sz="2400">
+                <a:latin typeface="Arial" panose="020B0604020202020204" pitchFamily="34" charset="0"/>
+                <a:cs typeface="Arial" panose="020B0604020202020204" pitchFamily="34" charset="0"/>
+              </a:defRPr>
+            </a:lvl1pPr>
+            <a:lvl2pPr marL="457200" indent="0">
+              <a:buNone/>
+              <a:defRPr sz="2000">
+                <a:latin typeface="Arial" panose="020B0604020202020204" pitchFamily="34" charset="0"/>
+                <a:cs typeface="Arial" panose="020B0604020202020204" pitchFamily="34" charset="0"/>
+              </a:defRPr>
+            </a:lvl2pPr>
+            <a:lvl3pPr marL="914400" indent="0">
+              <a:buNone/>
+              <a:defRPr sz="1800">
+                <a:latin typeface="Arial" panose="020B0604020202020204" pitchFamily="34" charset="0"/>
+                <a:cs typeface="Arial" panose="020B0604020202020204" pitchFamily="34" charset="0"/>
+              </a:defRPr>
+            </a:lvl3pPr>
+            <a:lvl4pPr marL="1371600" indent="0">
+              <a:buNone/>
+              <a:defRPr sz="1600">
+                <a:latin typeface="Arial" panose="020B0604020202020204" pitchFamily="34" charset="0"/>
+                <a:cs typeface="Arial" panose="020B0604020202020204" pitchFamily="34" charset="0"/>
+              </a:defRPr>
+            </a:lvl4pPr>
+            <a:lvl5pPr marL="1828800" indent="0">
+              <a:buNone/>
+              <a:defRPr sz="1600">
+                <a:latin typeface="Arial" panose="020B0604020202020204" pitchFamily="34" charset="0"/>
+                <a:cs typeface="Arial" panose="020B0604020202020204" pitchFamily="34" charset="0"/>
+              </a:defRPr>
+            </a:lvl5pPr>
+          </a:lstStyle>
+          <a:p>
+            <a:pPr lvl="0"/>
+            <a:r>
+              <a:rPr lang="de-DE" smtClean="0"/>
+              <a:t>Textmasterformat bearbeiten</a:t>
+            </a:r>
+          </a:p>
+          <a:p>
+            <a:pPr lvl="1"/>
+            <a:r>
+              <a:rPr lang="de-DE" smtClean="0"/>
+              <a:t>Zweite Ebene</a:t>
+            </a:r>
+          </a:p>
+          <a:p>
+            <a:pPr lvl="2"/>
+            <a:r>
+              <a:rPr lang="de-DE" smtClean="0"/>
+              <a:t>Dritte Ebene</a:t>
+            </a:r>
+          </a:p>
+          <a:p>
+            <a:pPr lvl="3"/>
+            <a:r>
+              <a:rPr lang="de-DE" smtClean="0"/>
+              <a:t>Vierte Ebene</a:t>
+            </a:r>
+          </a:p>
+          <a:p>
+            <a:pPr lvl="4"/>
+            <a:r>
+              <a:rPr lang="de-DE" smtClean="0"/>
+              <a:t>Fünfte Ebene</a:t>
+            </a:r>
+            <a:endParaRPr lang="de-DE" dirty="0"/>
+          </a:p>
+        </p:txBody>
+      </p:sp>
+      <p:sp>
+        <p:nvSpPr>
+          <p:cNvPr id="13" name="Inhaltsplatzhalter 6"/>
+          <p:cNvSpPr>
+            <a:spLocks noGrp="1"/>
+          </p:cNvSpPr>
+          <p:nvPr>
+            <p:ph sz="quarter" idx="25"/>
+          </p:nvPr>
+        </p:nvSpPr>
+        <p:spPr>
+          <a:xfrm>
+            <a:off x="6384032" y="2852937"/>
+            <a:ext cx="4800435" cy="2304033"/>
+          </a:xfrm>
+          <a:prstGeom prst="rect">
+            <a:avLst/>
+          </a:prstGeom>
+        </p:spPr>
+        <p:txBody>
+          <a:bodyPr/>
+          <a:lstStyle>
+            <a:lvl1pPr marL="0" indent="0">
+              <a:buNone/>
+              <a:defRPr sz="2400">
+                <a:latin typeface="Arial" panose="020B0604020202020204" pitchFamily="34" charset="0"/>
+                <a:cs typeface="Arial" panose="020B0604020202020204" pitchFamily="34" charset="0"/>
+              </a:defRPr>
+            </a:lvl1pPr>
+            <a:lvl2pPr marL="457200" indent="0">
+              <a:buNone/>
+              <a:defRPr sz="2000">
+                <a:latin typeface="Arial" panose="020B0604020202020204" pitchFamily="34" charset="0"/>
+                <a:cs typeface="Arial" panose="020B0604020202020204" pitchFamily="34" charset="0"/>
+              </a:defRPr>
+            </a:lvl2pPr>
+            <a:lvl3pPr marL="914400" indent="0">
+              <a:buNone/>
+              <a:defRPr sz="1800">
+                <a:latin typeface="Arial" panose="020B0604020202020204" pitchFamily="34" charset="0"/>
+                <a:cs typeface="Arial" panose="020B0604020202020204" pitchFamily="34" charset="0"/>
+              </a:defRPr>
+            </a:lvl3pPr>
+            <a:lvl4pPr marL="1371600" indent="0">
+              <a:buNone/>
+              <a:defRPr sz="1600">
+                <a:latin typeface="Arial" panose="020B0604020202020204" pitchFamily="34" charset="0"/>
+                <a:cs typeface="Arial" panose="020B0604020202020204" pitchFamily="34" charset="0"/>
+              </a:defRPr>
+            </a:lvl4pPr>
+            <a:lvl5pPr marL="1828800" indent="0">
+              <a:buNone/>
+              <a:defRPr sz="1600">
+                <a:latin typeface="Arial" panose="020B0604020202020204" pitchFamily="34" charset="0"/>
+                <a:cs typeface="Arial" panose="020B0604020202020204" pitchFamily="34" charset="0"/>
+              </a:defRPr>
+            </a:lvl5pPr>
+          </a:lstStyle>
+          <a:p>
+            <a:pPr lvl="0"/>
+            <a:r>
+              <a:rPr lang="de-DE" smtClean="0"/>
+              <a:t>Textmasterformat bearbeiten</a:t>
+            </a:r>
+          </a:p>
+          <a:p>
+            <a:pPr lvl="1"/>
+            <a:r>
+              <a:rPr lang="de-DE" smtClean="0"/>
+              <a:t>Zweite Ebene</a:t>
+            </a:r>
+          </a:p>
+          <a:p>
+            <a:pPr lvl="2"/>
+            <a:r>
+              <a:rPr lang="de-DE" smtClean="0"/>
+              <a:t>Dritte Ebene</a:t>
+            </a:r>
+          </a:p>
+          <a:p>
+            <a:pPr lvl="3"/>
+            <a:r>
+              <a:rPr lang="de-DE" smtClean="0"/>
+              <a:t>Vierte Ebene</a:t>
+            </a:r>
+          </a:p>
+          <a:p>
+            <a:pPr lvl="4"/>
+            <a:r>
+              <a:rPr lang="de-DE" smtClean="0"/>
+              <a:t>Fünfte Ebene</a:t>
+            </a:r>
+            <a:endParaRPr lang="de-DE" dirty="0"/>
+          </a:p>
+        </p:txBody>
+      </p:sp>
+      <p:pic>
+        <p:nvPicPr>
+          <p:cNvPr id="15" name="Picture 2"/>
+          <p:cNvPicPr>
+            <a:picLocks noChangeAspect="1" noChangeArrowheads="1"/>
+          </p:cNvPicPr>
+          <p:nvPr/>
+        </p:nvPicPr>
+        <p:blipFill>
+          <a:blip r:embed="rId2" cstate="print">
+            <a:extLst>
+              <a:ext uri="{28A0092B-C50C-407E-A947-70E740481C1C}">
+                <a14:useLocalDpi xmlns:a14="http://schemas.microsoft.com/office/drawing/2010/main" val="0"/>
+              </a:ext>
+            </a:extLst>
+          </a:blip>
+          <a:srcRect/>
+          <a:stretch>
+            <a:fillRect/>
+          </a:stretch>
+        </p:blipFill>
+        <p:spPr bwMode="auto">
+          <a:xfrm>
+            <a:off x="9936000" y="151201"/>
+            <a:ext cx="1920000" cy="461639"/>
+          </a:xfrm>
+          <a:prstGeom prst="rect">
+            <a:avLst/>
+          </a:prstGeom>
+          <a:noFill/>
+          <a:ln>
+            <a:noFill/>
+          </a:ln>
+          <a:effectLst/>
+          <a:extLst>
+            <a:ext uri="{909E8E84-426E-40DD-AFC4-6F175D3DCCD1}">
+              <a14:hiddenFill xmlns:a14="http://schemas.microsoft.com/office/drawing/2010/main">
+                <a:solidFill>
+                  <a:schemeClr val="accent1"/>
+                </a:solidFill>
+              </a14:hiddenFill>
+            </a:ext>
+            <a:ext uri="{91240B29-F687-4F45-9708-019B960494DF}">
+              <a14:hiddenLine xmlns:a14="http://schemas.microsoft.com/office/drawing/2010/main" w="9525">
+                <a:solidFill>
+                  <a:schemeClr val="tx1"/>
+                </a:solidFill>
+                <a:miter lim="800000"/>
+                <a:headEnd/>
+                <a:tailEnd/>
+              </a14:hiddenLine>
+            </a:ext>
+            <a:ext uri="{AF507438-7753-43E0-B8FC-AC1667EBCBE1}">
+              <a14:hiddenEffects xmlns:a14="http://schemas.microsoft.com/office/drawing/2010/main">
+                <a:effectLst>
+                  <a:outerShdw dist="35921" dir="2700000" algn="ctr" rotWithShape="0">
+                    <a:schemeClr val="bg2"/>
+                  </a:outerShdw>
+                </a:effectLst>
+              </a14:hiddenEffects>
+            </a:ext>
+          </a:extLst>
+        </p:spPr>
+      </p:pic>
+    </p:spTree>
+    <p:extLst>
+      <p:ext uri="{BB962C8B-B14F-4D97-AF65-F5344CB8AC3E}">
+        <p14:creationId xmlns:p14="http://schemas.microsoft.com/office/powerpoint/2010/main" val="2901794277"/>
+      </p:ext>
+    </p:extLst>
+  </p:cSld>
+  <p:clrMapOvr>
+    <a:masterClrMapping/>
+  </p:clrMapOvr>
+  <p:timing>
+    <p:tnLst>
+      <p:par>
+        <p:cTn id="1" dur="indefinite" restart="never" nodeType="tmRoot"/>
+      </p:par>
+    </p:tnLst>
+  </p:timing>
+</p:sldLayout>
+</file>
+
+<file path=ppt/slideLayouts/slideLayout5.xml><?xml version="1.0" encoding="utf-8"?>
+<p:sldLayout xmlns:a="http://schemas.openxmlformats.org/drawingml/2006/main" xmlns:r="http://schemas.openxmlformats.org/officeDocument/2006/relationships" xmlns:p="http://schemas.openxmlformats.org/presentationml/2006/main" type="title">
+  <p:cSld name="1_Titelfolie">
+    <p:spTree>
+      <p:nvGrpSpPr>
+        <p:cNvPr id="1" name=""/>
+        <p:cNvGrpSpPr/>
+        <p:nvPr/>
+      </p:nvGrpSpPr>
+      <p:grpSpPr>
+        <a:xfrm>
+          <a:off x="0" y="0"/>
+          <a:ext cx="0" cy="0"/>
+          <a:chOff x="0" y="0"/>
+          <a:chExt cx="0" cy="0"/>
+        </a:xfrm>
+      </p:grpSpPr>
+      <p:sp>
+        <p:nvSpPr>
           <p:cNvPr id="2" name="Titel 1"/>
           <p:cNvSpPr>
             <a:spLocks noGrp="1"/>
@@ -148,6 +1808,9 @@
             <a:off x="1524000" y="1122363"/>
             <a:ext cx="9144000" cy="2387600"/>
           </a:xfrm>
+          <a:prstGeom prst="rect">
+            <a:avLst/>
+          </a:prstGeom>
         </p:spPr>
         <p:txBody>
           <a:bodyPr anchor="b"/>
@@ -180,6 +1843,9 @@
             <a:off x="1524000" y="3602038"/>
             <a:ext cx="9144000" cy="1655762"/>
           </a:xfrm>
+          <a:prstGeom prst="rect">
+            <a:avLst/>
+          </a:prstGeom>
         </p:spPr>
         <p:txBody>
           <a:bodyPr/>
@@ -247,7 +1913,7 @@
           <a:p>
             <a:fld id="{89C5148D-91CB-4728-A35B-E4D85E36B7FE}" type="datetimeFigureOut">
               <a:rPr lang="de-DE" smtClean="0"/>
-              <a:t>21.01.2015</a:t>
+              <a:t>22.01.2015</a:t>
             </a:fld>
             <a:endParaRPr lang="de-DE"/>
           </a:p>
@@ -298,7 +1964,7 @@
     </p:spTree>
     <p:extLst>
       <p:ext uri="{BB962C8B-B14F-4D97-AF65-F5344CB8AC3E}">
-        <p14:creationId xmlns:p14="http://schemas.microsoft.com/office/powerpoint/2010/main" val="3105693616"/>
+        <p14:creationId xmlns:p14="http://schemas.microsoft.com/office/powerpoint/2010/main" val="2692011445"/>
       </p:ext>
     </p:extLst>
   </p:cSld>
@@ -308,358 +1974,8 @@
 </p:sldLayout>
 </file>
 
-<file path=ppt/slideLayouts/slideLayout10.xml><?xml version="1.0" encoding="utf-8"?>
-<p:sldLayout xmlns:a="http://schemas.openxmlformats.org/drawingml/2006/main" xmlns:r="http://schemas.openxmlformats.org/officeDocument/2006/relationships" xmlns:p="http://schemas.openxmlformats.org/presentationml/2006/main" type="vertTx" preserve="1">
-  <p:cSld name="Titel und vertikaler Text">
-    <p:spTree>
-      <p:nvGrpSpPr>
-        <p:cNvPr id="1" name=""/>
-        <p:cNvGrpSpPr/>
-        <p:nvPr/>
-      </p:nvGrpSpPr>
-      <p:grpSpPr>
-        <a:xfrm>
-          <a:off x="0" y="0"/>
-          <a:ext cx="0" cy="0"/>
-          <a:chOff x="0" y="0"/>
-          <a:chExt cx="0" cy="0"/>
-        </a:xfrm>
-      </p:grpSpPr>
-      <p:sp>
-        <p:nvSpPr>
-          <p:cNvPr id="2" name="Titel 1"/>
-          <p:cNvSpPr>
-            <a:spLocks noGrp="1"/>
-          </p:cNvSpPr>
-          <p:nvPr>
-            <p:ph type="title"/>
-          </p:nvPr>
-        </p:nvSpPr>
-        <p:spPr/>
-        <p:txBody>
-          <a:bodyPr/>
-          <a:lstStyle/>
-          <a:p>
-            <a:r>
-              <a:rPr lang="de-DE" smtClean="0"/>
-              <a:t>Titelmasterformat durch Klicken bearbeiten</a:t>
-            </a:r>
-            <a:endParaRPr lang="de-DE"/>
-          </a:p>
-        </p:txBody>
-      </p:sp>
-      <p:sp>
-        <p:nvSpPr>
-          <p:cNvPr id="3" name="Vertikaler Textplatzhalter 2"/>
-          <p:cNvSpPr>
-            <a:spLocks noGrp="1"/>
-          </p:cNvSpPr>
-          <p:nvPr>
-            <p:ph type="body" orient="vert" idx="1"/>
-          </p:nvPr>
-        </p:nvSpPr>
-        <p:spPr/>
-        <p:txBody>
-          <a:bodyPr vert="eaVert"/>
-          <a:lstStyle/>
-          <a:p>
-            <a:pPr lvl="0"/>
-            <a:r>
-              <a:rPr lang="de-DE" smtClean="0"/>
-              <a:t>Textmasterformat bearbeiten</a:t>
-            </a:r>
-          </a:p>
-          <a:p>
-            <a:pPr lvl="1"/>
-            <a:r>
-              <a:rPr lang="de-DE" smtClean="0"/>
-              <a:t>Zweite Ebene</a:t>
-            </a:r>
-          </a:p>
-          <a:p>
-            <a:pPr lvl="2"/>
-            <a:r>
-              <a:rPr lang="de-DE" smtClean="0"/>
-              <a:t>Dritte Ebene</a:t>
-            </a:r>
-          </a:p>
-          <a:p>
-            <a:pPr lvl="3"/>
-            <a:r>
-              <a:rPr lang="de-DE" smtClean="0"/>
-              <a:t>Vierte Ebene</a:t>
-            </a:r>
-          </a:p>
-          <a:p>
-            <a:pPr lvl="4"/>
-            <a:r>
-              <a:rPr lang="de-DE" smtClean="0"/>
-              <a:t>Fünfte Ebene</a:t>
-            </a:r>
-            <a:endParaRPr lang="de-DE"/>
-          </a:p>
-        </p:txBody>
-      </p:sp>
-      <p:sp>
-        <p:nvSpPr>
-          <p:cNvPr id="4" name="Datumsplatzhalter 3"/>
-          <p:cNvSpPr>
-            <a:spLocks noGrp="1"/>
-          </p:cNvSpPr>
-          <p:nvPr>
-            <p:ph type="dt" sz="half" idx="10"/>
-          </p:nvPr>
-        </p:nvSpPr>
-        <p:spPr/>
-        <p:txBody>
-          <a:bodyPr/>
-          <a:lstStyle/>
-          <a:p>
-            <a:fld id="{89C5148D-91CB-4728-A35B-E4D85E36B7FE}" type="datetimeFigureOut">
-              <a:rPr lang="de-DE" smtClean="0"/>
-              <a:t>21.01.2015</a:t>
-            </a:fld>
-            <a:endParaRPr lang="de-DE"/>
-          </a:p>
-        </p:txBody>
-      </p:sp>
-      <p:sp>
-        <p:nvSpPr>
-          <p:cNvPr id="5" name="Fußzeilenplatzhalter 4"/>
-          <p:cNvSpPr>
-            <a:spLocks noGrp="1"/>
-          </p:cNvSpPr>
-          <p:nvPr>
-            <p:ph type="ftr" sz="quarter" idx="11"/>
-          </p:nvPr>
-        </p:nvSpPr>
-        <p:spPr/>
-        <p:txBody>
-          <a:bodyPr/>
-          <a:lstStyle/>
-          <a:p>
-            <a:endParaRPr lang="de-DE"/>
-          </a:p>
-        </p:txBody>
-      </p:sp>
-      <p:sp>
-        <p:nvSpPr>
-          <p:cNvPr id="6" name="Foliennummernplatzhalter 5"/>
-          <p:cNvSpPr>
-            <a:spLocks noGrp="1"/>
-          </p:cNvSpPr>
-          <p:nvPr>
-            <p:ph type="sldNum" sz="quarter" idx="12"/>
-          </p:nvPr>
-        </p:nvSpPr>
-        <p:spPr/>
-        <p:txBody>
-          <a:bodyPr/>
-          <a:lstStyle/>
-          <a:p>
-            <a:fld id="{CBA39D34-9C82-4786-9D11-02431842E209}" type="slidenum">
-              <a:rPr lang="de-DE" smtClean="0"/>
-              <a:t>‹Nr.›</a:t>
-            </a:fld>
-            <a:endParaRPr lang="de-DE"/>
-          </a:p>
-        </p:txBody>
-      </p:sp>
-    </p:spTree>
-    <p:extLst>
-      <p:ext uri="{BB962C8B-B14F-4D97-AF65-F5344CB8AC3E}">
-        <p14:creationId xmlns:p14="http://schemas.microsoft.com/office/powerpoint/2010/main" val="1739374598"/>
-      </p:ext>
-    </p:extLst>
-  </p:cSld>
-  <p:clrMapOvr>
-    <a:masterClrMapping/>
-  </p:clrMapOvr>
-</p:sldLayout>
-</file>
-
-<file path=ppt/slideLayouts/slideLayout11.xml><?xml version="1.0" encoding="utf-8"?>
-<p:sldLayout xmlns:a="http://schemas.openxmlformats.org/drawingml/2006/main" xmlns:r="http://schemas.openxmlformats.org/officeDocument/2006/relationships" xmlns:p="http://schemas.openxmlformats.org/presentationml/2006/main" type="vertTitleAndTx" preserve="1">
-  <p:cSld name="Vertikaler Titel und Text">
-    <p:spTree>
-      <p:nvGrpSpPr>
-        <p:cNvPr id="1" name=""/>
-        <p:cNvGrpSpPr/>
-        <p:nvPr/>
-      </p:nvGrpSpPr>
-      <p:grpSpPr>
-        <a:xfrm>
-          <a:off x="0" y="0"/>
-          <a:ext cx="0" cy="0"/>
-          <a:chOff x="0" y="0"/>
-          <a:chExt cx="0" cy="0"/>
-        </a:xfrm>
-      </p:grpSpPr>
-      <p:sp>
-        <p:nvSpPr>
-          <p:cNvPr id="2" name="Vertikaler Titel 1"/>
-          <p:cNvSpPr>
-            <a:spLocks noGrp="1"/>
-          </p:cNvSpPr>
-          <p:nvPr>
-            <p:ph type="title" orient="vert"/>
-          </p:nvPr>
-        </p:nvSpPr>
-        <p:spPr>
-          <a:xfrm>
-            <a:off x="8724900" y="365125"/>
-            <a:ext cx="2628900" cy="5811838"/>
-          </a:xfrm>
-        </p:spPr>
-        <p:txBody>
-          <a:bodyPr vert="eaVert"/>
-          <a:lstStyle/>
-          <a:p>
-            <a:r>
-              <a:rPr lang="de-DE" smtClean="0"/>
-              <a:t>Titelmasterformat durch Klicken bearbeiten</a:t>
-            </a:r>
-            <a:endParaRPr lang="de-DE"/>
-          </a:p>
-        </p:txBody>
-      </p:sp>
-      <p:sp>
-        <p:nvSpPr>
-          <p:cNvPr id="3" name="Vertikaler Textplatzhalter 2"/>
-          <p:cNvSpPr>
-            <a:spLocks noGrp="1"/>
-          </p:cNvSpPr>
-          <p:nvPr>
-            <p:ph type="body" orient="vert" idx="1"/>
-          </p:nvPr>
-        </p:nvSpPr>
-        <p:spPr>
-          <a:xfrm>
-            <a:off x="838200" y="365125"/>
-            <a:ext cx="7734300" cy="5811838"/>
-          </a:xfrm>
-        </p:spPr>
-        <p:txBody>
-          <a:bodyPr vert="eaVert"/>
-          <a:lstStyle/>
-          <a:p>
-            <a:pPr lvl="0"/>
-            <a:r>
-              <a:rPr lang="de-DE" smtClean="0"/>
-              <a:t>Textmasterformat bearbeiten</a:t>
-            </a:r>
-          </a:p>
-          <a:p>
-            <a:pPr lvl="1"/>
-            <a:r>
-              <a:rPr lang="de-DE" smtClean="0"/>
-              <a:t>Zweite Ebene</a:t>
-            </a:r>
-          </a:p>
-          <a:p>
-            <a:pPr lvl="2"/>
-            <a:r>
-              <a:rPr lang="de-DE" smtClean="0"/>
-              <a:t>Dritte Ebene</a:t>
-            </a:r>
-          </a:p>
-          <a:p>
-            <a:pPr lvl="3"/>
-            <a:r>
-              <a:rPr lang="de-DE" smtClean="0"/>
-              <a:t>Vierte Ebene</a:t>
-            </a:r>
-          </a:p>
-          <a:p>
-            <a:pPr lvl="4"/>
-            <a:r>
-              <a:rPr lang="de-DE" smtClean="0"/>
-              <a:t>Fünfte Ebene</a:t>
-            </a:r>
-            <a:endParaRPr lang="de-DE"/>
-          </a:p>
-        </p:txBody>
-      </p:sp>
-      <p:sp>
-        <p:nvSpPr>
-          <p:cNvPr id="4" name="Datumsplatzhalter 3"/>
-          <p:cNvSpPr>
-            <a:spLocks noGrp="1"/>
-          </p:cNvSpPr>
-          <p:nvPr>
-            <p:ph type="dt" sz="half" idx="10"/>
-          </p:nvPr>
-        </p:nvSpPr>
-        <p:spPr/>
-        <p:txBody>
-          <a:bodyPr/>
-          <a:lstStyle/>
-          <a:p>
-            <a:fld id="{89C5148D-91CB-4728-A35B-E4D85E36B7FE}" type="datetimeFigureOut">
-              <a:rPr lang="de-DE" smtClean="0"/>
-              <a:t>21.01.2015</a:t>
-            </a:fld>
-            <a:endParaRPr lang="de-DE"/>
-          </a:p>
-        </p:txBody>
-      </p:sp>
-      <p:sp>
-        <p:nvSpPr>
-          <p:cNvPr id="5" name="Fußzeilenplatzhalter 4"/>
-          <p:cNvSpPr>
-            <a:spLocks noGrp="1"/>
-          </p:cNvSpPr>
-          <p:nvPr>
-            <p:ph type="ftr" sz="quarter" idx="11"/>
-          </p:nvPr>
-        </p:nvSpPr>
-        <p:spPr/>
-        <p:txBody>
-          <a:bodyPr/>
-          <a:lstStyle/>
-          <a:p>
-            <a:endParaRPr lang="de-DE"/>
-          </a:p>
-        </p:txBody>
-      </p:sp>
-      <p:sp>
-        <p:nvSpPr>
-          <p:cNvPr id="6" name="Foliennummernplatzhalter 5"/>
-          <p:cNvSpPr>
-            <a:spLocks noGrp="1"/>
-          </p:cNvSpPr>
-          <p:nvPr>
-            <p:ph type="sldNum" sz="quarter" idx="12"/>
-          </p:nvPr>
-        </p:nvSpPr>
-        <p:spPr/>
-        <p:txBody>
-          <a:bodyPr/>
-          <a:lstStyle/>
-          <a:p>
-            <a:fld id="{CBA39D34-9C82-4786-9D11-02431842E209}" type="slidenum">
-              <a:rPr lang="de-DE" smtClean="0"/>
-              <a:t>‹Nr.›</a:t>
-            </a:fld>
-            <a:endParaRPr lang="de-DE"/>
-          </a:p>
-        </p:txBody>
-      </p:sp>
-    </p:spTree>
-    <p:extLst>
-      <p:ext uri="{BB962C8B-B14F-4D97-AF65-F5344CB8AC3E}">
-        <p14:creationId xmlns:p14="http://schemas.microsoft.com/office/powerpoint/2010/main" val="3788070826"/>
-      </p:ext>
-    </p:extLst>
-  </p:cSld>
-  <p:clrMapOvr>
-    <a:masterClrMapping/>
-  </p:clrMapOvr>
-</p:sldLayout>
-</file>
-
-<file path=ppt/slideLayouts/slideLayout2.xml><?xml version="1.0" encoding="utf-8"?>
-<p:sldLayout xmlns:a="http://schemas.openxmlformats.org/drawingml/2006/main" xmlns:r="http://schemas.openxmlformats.org/officeDocument/2006/relationships" xmlns:p="http://schemas.openxmlformats.org/presentationml/2006/main" type="obj" preserve="1">
+<file path=ppt/slideLayouts/slideLayout6.xml><?xml version="1.0" encoding="utf-8"?>
+<p:sldLayout xmlns:a="http://schemas.openxmlformats.org/drawingml/2006/main" xmlns:r="http://schemas.openxmlformats.org/officeDocument/2006/relationships" xmlns:p="http://schemas.openxmlformats.org/presentationml/2006/main" type="obj">
   <p:cSld name="Titel und Inhalt">
     <p:spTree>
       <p:nvGrpSpPr>
@@ -685,7 +2001,15 @@
             <p:ph type="title"/>
           </p:nvPr>
         </p:nvSpPr>
-        <p:spPr/>
+        <p:spPr>
+          <a:xfrm>
+            <a:off x="838200" y="365125"/>
+            <a:ext cx="10515600" cy="1325563"/>
+          </a:xfrm>
+          <a:prstGeom prst="rect">
+            <a:avLst/>
+          </a:prstGeom>
+        </p:spPr>
         <p:txBody>
           <a:bodyPr/>
           <a:lstStyle/>
@@ -708,7 +2032,15 @@
             <p:ph idx="1"/>
           </p:nvPr>
         </p:nvSpPr>
-        <p:spPr/>
+        <p:spPr>
+          <a:xfrm>
+            <a:off x="838200" y="1825625"/>
+            <a:ext cx="10515600" cy="4351338"/>
+          </a:xfrm>
+          <a:prstGeom prst="rect">
+            <a:avLst/>
+          </a:prstGeom>
+        </p:spPr>
         <p:txBody>
           <a:bodyPr/>
           <a:lstStyle/>
@@ -767,7 +2099,7 @@
           <a:p>
             <a:fld id="{89C5148D-91CB-4728-A35B-E4D85E36B7FE}" type="datetimeFigureOut">
               <a:rPr lang="de-DE" smtClean="0"/>
-              <a:t>21.01.2015</a:t>
+              <a:t>22.01.2015</a:t>
             </a:fld>
             <a:endParaRPr lang="de-DE"/>
           </a:p>
@@ -818,1595 +2150,7 @@
     </p:spTree>
     <p:extLst>
       <p:ext uri="{BB962C8B-B14F-4D97-AF65-F5344CB8AC3E}">
-        <p14:creationId xmlns:p14="http://schemas.microsoft.com/office/powerpoint/2010/main" val="4110501213"/>
-      </p:ext>
-    </p:extLst>
-  </p:cSld>
-  <p:clrMapOvr>
-    <a:masterClrMapping/>
-  </p:clrMapOvr>
-</p:sldLayout>
-</file>
-
-<file path=ppt/slideLayouts/slideLayout3.xml><?xml version="1.0" encoding="utf-8"?>
-<p:sldLayout xmlns:a="http://schemas.openxmlformats.org/drawingml/2006/main" xmlns:r="http://schemas.openxmlformats.org/officeDocument/2006/relationships" xmlns:p="http://schemas.openxmlformats.org/presentationml/2006/main" type="secHead" preserve="1">
-  <p:cSld name="Abschnitts-&#10;überschrift">
-    <p:spTree>
-      <p:nvGrpSpPr>
-        <p:cNvPr id="1" name=""/>
-        <p:cNvGrpSpPr/>
-        <p:nvPr/>
-      </p:nvGrpSpPr>
-      <p:grpSpPr>
-        <a:xfrm>
-          <a:off x="0" y="0"/>
-          <a:ext cx="0" cy="0"/>
-          <a:chOff x="0" y="0"/>
-          <a:chExt cx="0" cy="0"/>
-        </a:xfrm>
-      </p:grpSpPr>
-      <p:sp>
-        <p:nvSpPr>
-          <p:cNvPr id="2" name="Titel 1"/>
-          <p:cNvSpPr>
-            <a:spLocks noGrp="1"/>
-          </p:cNvSpPr>
-          <p:nvPr>
-            <p:ph type="title"/>
-          </p:nvPr>
-        </p:nvSpPr>
-        <p:spPr>
-          <a:xfrm>
-            <a:off x="831850" y="1709738"/>
-            <a:ext cx="10515600" cy="2852737"/>
-          </a:xfrm>
-        </p:spPr>
-        <p:txBody>
-          <a:bodyPr anchor="b"/>
-          <a:lstStyle>
-            <a:lvl1pPr>
-              <a:defRPr sz="6000"/>
-            </a:lvl1pPr>
-          </a:lstStyle>
-          <a:p>
-            <a:r>
-              <a:rPr lang="de-DE" smtClean="0"/>
-              <a:t>Titelmasterformat durch Klicken bearbeiten</a:t>
-            </a:r>
-            <a:endParaRPr lang="de-DE"/>
-          </a:p>
-        </p:txBody>
-      </p:sp>
-      <p:sp>
-        <p:nvSpPr>
-          <p:cNvPr id="3" name="Textplatzhalter 2"/>
-          <p:cNvSpPr>
-            <a:spLocks noGrp="1"/>
-          </p:cNvSpPr>
-          <p:nvPr>
-            <p:ph type="body" idx="1"/>
-          </p:nvPr>
-        </p:nvSpPr>
-        <p:spPr>
-          <a:xfrm>
-            <a:off x="831850" y="4589463"/>
-            <a:ext cx="10515600" cy="1500187"/>
-          </a:xfrm>
-        </p:spPr>
-        <p:txBody>
-          <a:bodyPr/>
-          <a:lstStyle>
-            <a:lvl1pPr marL="0" indent="0">
-              <a:buNone/>
-              <a:defRPr sz="2400">
-                <a:solidFill>
-                  <a:schemeClr val="tx1">
-                    <a:tint val="75000"/>
-                  </a:schemeClr>
-                </a:solidFill>
-              </a:defRPr>
-            </a:lvl1pPr>
-            <a:lvl2pPr marL="457200" indent="0">
-              <a:buNone/>
-              <a:defRPr sz="2000">
-                <a:solidFill>
-                  <a:schemeClr val="tx1">
-                    <a:tint val="75000"/>
-                  </a:schemeClr>
-                </a:solidFill>
-              </a:defRPr>
-            </a:lvl2pPr>
-            <a:lvl3pPr marL="914400" indent="0">
-              <a:buNone/>
-              <a:defRPr sz="1800">
-                <a:solidFill>
-                  <a:schemeClr val="tx1">
-                    <a:tint val="75000"/>
-                  </a:schemeClr>
-                </a:solidFill>
-              </a:defRPr>
-            </a:lvl3pPr>
-            <a:lvl4pPr marL="1371600" indent="0">
-              <a:buNone/>
-              <a:defRPr sz="1600">
-                <a:solidFill>
-                  <a:schemeClr val="tx1">
-                    <a:tint val="75000"/>
-                  </a:schemeClr>
-                </a:solidFill>
-              </a:defRPr>
-            </a:lvl4pPr>
-            <a:lvl5pPr marL="1828800" indent="0">
-              <a:buNone/>
-              <a:defRPr sz="1600">
-                <a:solidFill>
-                  <a:schemeClr val="tx1">
-                    <a:tint val="75000"/>
-                  </a:schemeClr>
-                </a:solidFill>
-              </a:defRPr>
-            </a:lvl5pPr>
-            <a:lvl6pPr marL="2286000" indent="0">
-              <a:buNone/>
-              <a:defRPr sz="1600">
-                <a:solidFill>
-                  <a:schemeClr val="tx1">
-                    <a:tint val="75000"/>
-                  </a:schemeClr>
-                </a:solidFill>
-              </a:defRPr>
-            </a:lvl6pPr>
-            <a:lvl7pPr marL="2743200" indent="0">
-              <a:buNone/>
-              <a:defRPr sz="1600">
-                <a:solidFill>
-                  <a:schemeClr val="tx1">
-                    <a:tint val="75000"/>
-                  </a:schemeClr>
-                </a:solidFill>
-              </a:defRPr>
-            </a:lvl7pPr>
-            <a:lvl8pPr marL="3200400" indent="0">
-              <a:buNone/>
-              <a:defRPr sz="1600">
-                <a:solidFill>
-                  <a:schemeClr val="tx1">
-                    <a:tint val="75000"/>
-                  </a:schemeClr>
-                </a:solidFill>
-              </a:defRPr>
-            </a:lvl8pPr>
-            <a:lvl9pPr marL="3657600" indent="0">
-              <a:buNone/>
-              <a:defRPr sz="1600">
-                <a:solidFill>
-                  <a:schemeClr val="tx1">
-                    <a:tint val="75000"/>
-                  </a:schemeClr>
-                </a:solidFill>
-              </a:defRPr>
-            </a:lvl9pPr>
-          </a:lstStyle>
-          <a:p>
-            <a:pPr lvl="0"/>
-            <a:r>
-              <a:rPr lang="de-DE" smtClean="0"/>
-              <a:t>Textmasterformat bearbeiten</a:t>
-            </a:r>
-          </a:p>
-        </p:txBody>
-      </p:sp>
-      <p:sp>
-        <p:nvSpPr>
-          <p:cNvPr id="4" name="Datumsplatzhalter 3"/>
-          <p:cNvSpPr>
-            <a:spLocks noGrp="1"/>
-          </p:cNvSpPr>
-          <p:nvPr>
-            <p:ph type="dt" sz="half" idx="10"/>
-          </p:nvPr>
-        </p:nvSpPr>
-        <p:spPr/>
-        <p:txBody>
-          <a:bodyPr/>
-          <a:lstStyle/>
-          <a:p>
-            <a:fld id="{89C5148D-91CB-4728-A35B-E4D85E36B7FE}" type="datetimeFigureOut">
-              <a:rPr lang="de-DE" smtClean="0"/>
-              <a:t>21.01.2015</a:t>
-            </a:fld>
-            <a:endParaRPr lang="de-DE"/>
-          </a:p>
-        </p:txBody>
-      </p:sp>
-      <p:sp>
-        <p:nvSpPr>
-          <p:cNvPr id="5" name="Fußzeilenplatzhalter 4"/>
-          <p:cNvSpPr>
-            <a:spLocks noGrp="1"/>
-          </p:cNvSpPr>
-          <p:nvPr>
-            <p:ph type="ftr" sz="quarter" idx="11"/>
-          </p:nvPr>
-        </p:nvSpPr>
-        <p:spPr/>
-        <p:txBody>
-          <a:bodyPr/>
-          <a:lstStyle/>
-          <a:p>
-            <a:endParaRPr lang="de-DE"/>
-          </a:p>
-        </p:txBody>
-      </p:sp>
-      <p:sp>
-        <p:nvSpPr>
-          <p:cNvPr id="6" name="Foliennummernplatzhalter 5"/>
-          <p:cNvSpPr>
-            <a:spLocks noGrp="1"/>
-          </p:cNvSpPr>
-          <p:nvPr>
-            <p:ph type="sldNum" sz="quarter" idx="12"/>
-          </p:nvPr>
-        </p:nvSpPr>
-        <p:spPr/>
-        <p:txBody>
-          <a:bodyPr/>
-          <a:lstStyle/>
-          <a:p>
-            <a:fld id="{CBA39D34-9C82-4786-9D11-02431842E209}" type="slidenum">
-              <a:rPr lang="de-DE" smtClean="0"/>
-              <a:t>‹Nr.›</a:t>
-            </a:fld>
-            <a:endParaRPr lang="de-DE"/>
-          </a:p>
-        </p:txBody>
-      </p:sp>
-    </p:spTree>
-    <p:extLst>
-      <p:ext uri="{BB962C8B-B14F-4D97-AF65-F5344CB8AC3E}">
-        <p14:creationId xmlns:p14="http://schemas.microsoft.com/office/powerpoint/2010/main" val="3311452796"/>
-      </p:ext>
-    </p:extLst>
-  </p:cSld>
-  <p:clrMapOvr>
-    <a:masterClrMapping/>
-  </p:clrMapOvr>
-</p:sldLayout>
-</file>
-
-<file path=ppt/slideLayouts/slideLayout4.xml><?xml version="1.0" encoding="utf-8"?>
-<p:sldLayout xmlns:a="http://schemas.openxmlformats.org/drawingml/2006/main" xmlns:r="http://schemas.openxmlformats.org/officeDocument/2006/relationships" xmlns:p="http://schemas.openxmlformats.org/presentationml/2006/main" type="twoObj" preserve="1">
-  <p:cSld name="Zwei Inhalte">
-    <p:spTree>
-      <p:nvGrpSpPr>
-        <p:cNvPr id="1" name=""/>
-        <p:cNvGrpSpPr/>
-        <p:nvPr/>
-      </p:nvGrpSpPr>
-      <p:grpSpPr>
-        <a:xfrm>
-          <a:off x="0" y="0"/>
-          <a:ext cx="0" cy="0"/>
-          <a:chOff x="0" y="0"/>
-          <a:chExt cx="0" cy="0"/>
-        </a:xfrm>
-      </p:grpSpPr>
-      <p:sp>
-        <p:nvSpPr>
-          <p:cNvPr id="2" name="Titel 1"/>
-          <p:cNvSpPr>
-            <a:spLocks noGrp="1"/>
-          </p:cNvSpPr>
-          <p:nvPr>
-            <p:ph type="title"/>
-          </p:nvPr>
-        </p:nvSpPr>
-        <p:spPr/>
-        <p:txBody>
-          <a:bodyPr/>
-          <a:lstStyle/>
-          <a:p>
-            <a:r>
-              <a:rPr lang="de-DE" smtClean="0"/>
-              <a:t>Titelmasterformat durch Klicken bearbeiten</a:t>
-            </a:r>
-            <a:endParaRPr lang="de-DE"/>
-          </a:p>
-        </p:txBody>
-      </p:sp>
-      <p:sp>
-        <p:nvSpPr>
-          <p:cNvPr id="3" name="Inhaltsplatzhalter 2"/>
-          <p:cNvSpPr>
-            <a:spLocks noGrp="1"/>
-          </p:cNvSpPr>
-          <p:nvPr>
-            <p:ph sz="half" idx="1"/>
-          </p:nvPr>
-        </p:nvSpPr>
-        <p:spPr>
-          <a:xfrm>
-            <a:off x="838200" y="1825625"/>
-            <a:ext cx="5181600" cy="4351338"/>
-          </a:xfrm>
-        </p:spPr>
-        <p:txBody>
-          <a:bodyPr/>
-          <a:lstStyle/>
-          <a:p>
-            <a:pPr lvl="0"/>
-            <a:r>
-              <a:rPr lang="de-DE" smtClean="0"/>
-              <a:t>Textmasterformat bearbeiten</a:t>
-            </a:r>
-          </a:p>
-          <a:p>
-            <a:pPr lvl="1"/>
-            <a:r>
-              <a:rPr lang="de-DE" smtClean="0"/>
-              <a:t>Zweite Ebene</a:t>
-            </a:r>
-          </a:p>
-          <a:p>
-            <a:pPr lvl="2"/>
-            <a:r>
-              <a:rPr lang="de-DE" smtClean="0"/>
-              <a:t>Dritte Ebene</a:t>
-            </a:r>
-          </a:p>
-          <a:p>
-            <a:pPr lvl="3"/>
-            <a:r>
-              <a:rPr lang="de-DE" smtClean="0"/>
-              <a:t>Vierte Ebene</a:t>
-            </a:r>
-          </a:p>
-          <a:p>
-            <a:pPr lvl="4"/>
-            <a:r>
-              <a:rPr lang="de-DE" smtClean="0"/>
-              <a:t>Fünfte Ebene</a:t>
-            </a:r>
-            <a:endParaRPr lang="de-DE"/>
-          </a:p>
-        </p:txBody>
-      </p:sp>
-      <p:sp>
-        <p:nvSpPr>
-          <p:cNvPr id="4" name="Inhaltsplatzhalter 3"/>
-          <p:cNvSpPr>
-            <a:spLocks noGrp="1"/>
-          </p:cNvSpPr>
-          <p:nvPr>
-            <p:ph sz="half" idx="2"/>
-          </p:nvPr>
-        </p:nvSpPr>
-        <p:spPr>
-          <a:xfrm>
-            <a:off x="6172200" y="1825625"/>
-            <a:ext cx="5181600" cy="4351338"/>
-          </a:xfrm>
-        </p:spPr>
-        <p:txBody>
-          <a:bodyPr/>
-          <a:lstStyle/>
-          <a:p>
-            <a:pPr lvl="0"/>
-            <a:r>
-              <a:rPr lang="de-DE" smtClean="0"/>
-              <a:t>Textmasterformat bearbeiten</a:t>
-            </a:r>
-          </a:p>
-          <a:p>
-            <a:pPr lvl="1"/>
-            <a:r>
-              <a:rPr lang="de-DE" smtClean="0"/>
-              <a:t>Zweite Ebene</a:t>
-            </a:r>
-          </a:p>
-          <a:p>
-            <a:pPr lvl="2"/>
-            <a:r>
-              <a:rPr lang="de-DE" smtClean="0"/>
-              <a:t>Dritte Ebene</a:t>
-            </a:r>
-          </a:p>
-          <a:p>
-            <a:pPr lvl="3"/>
-            <a:r>
-              <a:rPr lang="de-DE" smtClean="0"/>
-              <a:t>Vierte Ebene</a:t>
-            </a:r>
-          </a:p>
-          <a:p>
-            <a:pPr lvl="4"/>
-            <a:r>
-              <a:rPr lang="de-DE" smtClean="0"/>
-              <a:t>Fünfte Ebene</a:t>
-            </a:r>
-            <a:endParaRPr lang="de-DE"/>
-          </a:p>
-        </p:txBody>
-      </p:sp>
-      <p:sp>
-        <p:nvSpPr>
-          <p:cNvPr id="5" name="Datumsplatzhalter 4"/>
-          <p:cNvSpPr>
-            <a:spLocks noGrp="1"/>
-          </p:cNvSpPr>
-          <p:nvPr>
-            <p:ph type="dt" sz="half" idx="10"/>
-          </p:nvPr>
-        </p:nvSpPr>
-        <p:spPr/>
-        <p:txBody>
-          <a:bodyPr/>
-          <a:lstStyle/>
-          <a:p>
-            <a:fld id="{89C5148D-91CB-4728-A35B-E4D85E36B7FE}" type="datetimeFigureOut">
-              <a:rPr lang="de-DE" smtClean="0"/>
-              <a:t>21.01.2015</a:t>
-            </a:fld>
-            <a:endParaRPr lang="de-DE"/>
-          </a:p>
-        </p:txBody>
-      </p:sp>
-      <p:sp>
-        <p:nvSpPr>
-          <p:cNvPr id="6" name="Fußzeilenplatzhalter 5"/>
-          <p:cNvSpPr>
-            <a:spLocks noGrp="1"/>
-          </p:cNvSpPr>
-          <p:nvPr>
-            <p:ph type="ftr" sz="quarter" idx="11"/>
-          </p:nvPr>
-        </p:nvSpPr>
-        <p:spPr/>
-        <p:txBody>
-          <a:bodyPr/>
-          <a:lstStyle/>
-          <a:p>
-            <a:endParaRPr lang="de-DE"/>
-          </a:p>
-        </p:txBody>
-      </p:sp>
-      <p:sp>
-        <p:nvSpPr>
-          <p:cNvPr id="7" name="Foliennummernplatzhalter 6"/>
-          <p:cNvSpPr>
-            <a:spLocks noGrp="1"/>
-          </p:cNvSpPr>
-          <p:nvPr>
-            <p:ph type="sldNum" sz="quarter" idx="12"/>
-          </p:nvPr>
-        </p:nvSpPr>
-        <p:spPr/>
-        <p:txBody>
-          <a:bodyPr/>
-          <a:lstStyle/>
-          <a:p>
-            <a:fld id="{CBA39D34-9C82-4786-9D11-02431842E209}" type="slidenum">
-              <a:rPr lang="de-DE" smtClean="0"/>
-              <a:t>‹Nr.›</a:t>
-            </a:fld>
-            <a:endParaRPr lang="de-DE"/>
-          </a:p>
-        </p:txBody>
-      </p:sp>
-    </p:spTree>
-    <p:extLst>
-      <p:ext uri="{BB962C8B-B14F-4D97-AF65-F5344CB8AC3E}">
-        <p14:creationId xmlns:p14="http://schemas.microsoft.com/office/powerpoint/2010/main" val="4026459287"/>
-      </p:ext>
-    </p:extLst>
-  </p:cSld>
-  <p:clrMapOvr>
-    <a:masterClrMapping/>
-  </p:clrMapOvr>
-</p:sldLayout>
-</file>
-
-<file path=ppt/slideLayouts/slideLayout5.xml><?xml version="1.0" encoding="utf-8"?>
-<p:sldLayout xmlns:a="http://schemas.openxmlformats.org/drawingml/2006/main" xmlns:r="http://schemas.openxmlformats.org/officeDocument/2006/relationships" xmlns:p="http://schemas.openxmlformats.org/presentationml/2006/main" type="twoTxTwoObj" preserve="1">
-  <p:cSld name="Vergleich">
-    <p:spTree>
-      <p:nvGrpSpPr>
-        <p:cNvPr id="1" name=""/>
-        <p:cNvGrpSpPr/>
-        <p:nvPr/>
-      </p:nvGrpSpPr>
-      <p:grpSpPr>
-        <a:xfrm>
-          <a:off x="0" y="0"/>
-          <a:ext cx="0" cy="0"/>
-          <a:chOff x="0" y="0"/>
-          <a:chExt cx="0" cy="0"/>
-        </a:xfrm>
-      </p:grpSpPr>
-      <p:sp>
-        <p:nvSpPr>
-          <p:cNvPr id="2" name="Titel 1"/>
-          <p:cNvSpPr>
-            <a:spLocks noGrp="1"/>
-          </p:cNvSpPr>
-          <p:nvPr>
-            <p:ph type="title"/>
-          </p:nvPr>
-        </p:nvSpPr>
-        <p:spPr>
-          <a:xfrm>
-            <a:off x="839788" y="365125"/>
-            <a:ext cx="10515600" cy="1325563"/>
-          </a:xfrm>
-        </p:spPr>
-        <p:txBody>
-          <a:bodyPr/>
-          <a:lstStyle/>
-          <a:p>
-            <a:r>
-              <a:rPr lang="de-DE" smtClean="0"/>
-              <a:t>Titelmasterformat durch Klicken bearbeiten</a:t>
-            </a:r>
-            <a:endParaRPr lang="de-DE"/>
-          </a:p>
-        </p:txBody>
-      </p:sp>
-      <p:sp>
-        <p:nvSpPr>
-          <p:cNvPr id="3" name="Textplatzhalter 2"/>
-          <p:cNvSpPr>
-            <a:spLocks noGrp="1"/>
-          </p:cNvSpPr>
-          <p:nvPr>
-            <p:ph type="body" idx="1"/>
-          </p:nvPr>
-        </p:nvSpPr>
-        <p:spPr>
-          <a:xfrm>
-            <a:off x="839788" y="1681163"/>
-            <a:ext cx="5157787" cy="823912"/>
-          </a:xfrm>
-        </p:spPr>
-        <p:txBody>
-          <a:bodyPr anchor="b"/>
-          <a:lstStyle>
-            <a:lvl1pPr marL="0" indent="0">
-              <a:buNone/>
-              <a:defRPr sz="2400" b="1"/>
-            </a:lvl1pPr>
-            <a:lvl2pPr marL="457200" indent="0">
-              <a:buNone/>
-              <a:defRPr sz="2000" b="1"/>
-            </a:lvl2pPr>
-            <a:lvl3pPr marL="914400" indent="0">
-              <a:buNone/>
-              <a:defRPr sz="1800" b="1"/>
-            </a:lvl3pPr>
-            <a:lvl4pPr marL="1371600" indent="0">
-              <a:buNone/>
-              <a:defRPr sz="1600" b="1"/>
-            </a:lvl4pPr>
-            <a:lvl5pPr marL="1828800" indent="0">
-              <a:buNone/>
-              <a:defRPr sz="1600" b="1"/>
-            </a:lvl5pPr>
-            <a:lvl6pPr marL="2286000" indent="0">
-              <a:buNone/>
-              <a:defRPr sz="1600" b="1"/>
-            </a:lvl6pPr>
-            <a:lvl7pPr marL="2743200" indent="0">
-              <a:buNone/>
-              <a:defRPr sz="1600" b="1"/>
-            </a:lvl7pPr>
-            <a:lvl8pPr marL="3200400" indent="0">
-              <a:buNone/>
-              <a:defRPr sz="1600" b="1"/>
-            </a:lvl8pPr>
-            <a:lvl9pPr marL="3657600" indent="0">
-              <a:buNone/>
-              <a:defRPr sz="1600" b="1"/>
-            </a:lvl9pPr>
-          </a:lstStyle>
-          <a:p>
-            <a:pPr lvl="0"/>
-            <a:r>
-              <a:rPr lang="de-DE" smtClean="0"/>
-              <a:t>Textmasterformat bearbeiten</a:t>
-            </a:r>
-          </a:p>
-        </p:txBody>
-      </p:sp>
-      <p:sp>
-        <p:nvSpPr>
-          <p:cNvPr id="4" name="Inhaltsplatzhalter 3"/>
-          <p:cNvSpPr>
-            <a:spLocks noGrp="1"/>
-          </p:cNvSpPr>
-          <p:nvPr>
-            <p:ph sz="half" idx="2"/>
-          </p:nvPr>
-        </p:nvSpPr>
-        <p:spPr>
-          <a:xfrm>
-            <a:off x="839788" y="2505075"/>
-            <a:ext cx="5157787" cy="3684588"/>
-          </a:xfrm>
-        </p:spPr>
-        <p:txBody>
-          <a:bodyPr/>
-          <a:lstStyle/>
-          <a:p>
-            <a:pPr lvl="0"/>
-            <a:r>
-              <a:rPr lang="de-DE" smtClean="0"/>
-              <a:t>Textmasterformat bearbeiten</a:t>
-            </a:r>
-          </a:p>
-          <a:p>
-            <a:pPr lvl="1"/>
-            <a:r>
-              <a:rPr lang="de-DE" smtClean="0"/>
-              <a:t>Zweite Ebene</a:t>
-            </a:r>
-          </a:p>
-          <a:p>
-            <a:pPr lvl="2"/>
-            <a:r>
-              <a:rPr lang="de-DE" smtClean="0"/>
-              <a:t>Dritte Ebene</a:t>
-            </a:r>
-          </a:p>
-          <a:p>
-            <a:pPr lvl="3"/>
-            <a:r>
-              <a:rPr lang="de-DE" smtClean="0"/>
-              <a:t>Vierte Ebene</a:t>
-            </a:r>
-          </a:p>
-          <a:p>
-            <a:pPr lvl="4"/>
-            <a:r>
-              <a:rPr lang="de-DE" smtClean="0"/>
-              <a:t>Fünfte Ebene</a:t>
-            </a:r>
-            <a:endParaRPr lang="de-DE"/>
-          </a:p>
-        </p:txBody>
-      </p:sp>
-      <p:sp>
-        <p:nvSpPr>
-          <p:cNvPr id="5" name="Textplatzhalter 4"/>
-          <p:cNvSpPr>
-            <a:spLocks noGrp="1"/>
-          </p:cNvSpPr>
-          <p:nvPr>
-            <p:ph type="body" sz="quarter" idx="3"/>
-          </p:nvPr>
-        </p:nvSpPr>
-        <p:spPr>
-          <a:xfrm>
-            <a:off x="6172200" y="1681163"/>
-            <a:ext cx="5183188" cy="823912"/>
-          </a:xfrm>
-        </p:spPr>
-        <p:txBody>
-          <a:bodyPr anchor="b"/>
-          <a:lstStyle>
-            <a:lvl1pPr marL="0" indent="0">
-              <a:buNone/>
-              <a:defRPr sz="2400" b="1"/>
-            </a:lvl1pPr>
-            <a:lvl2pPr marL="457200" indent="0">
-              <a:buNone/>
-              <a:defRPr sz="2000" b="1"/>
-            </a:lvl2pPr>
-            <a:lvl3pPr marL="914400" indent="0">
-              <a:buNone/>
-              <a:defRPr sz="1800" b="1"/>
-            </a:lvl3pPr>
-            <a:lvl4pPr marL="1371600" indent="0">
-              <a:buNone/>
-              <a:defRPr sz="1600" b="1"/>
-            </a:lvl4pPr>
-            <a:lvl5pPr marL="1828800" indent="0">
-              <a:buNone/>
-              <a:defRPr sz="1600" b="1"/>
-            </a:lvl5pPr>
-            <a:lvl6pPr marL="2286000" indent="0">
-              <a:buNone/>
-              <a:defRPr sz="1600" b="1"/>
-            </a:lvl6pPr>
-            <a:lvl7pPr marL="2743200" indent="0">
-              <a:buNone/>
-              <a:defRPr sz="1600" b="1"/>
-            </a:lvl7pPr>
-            <a:lvl8pPr marL="3200400" indent="0">
-              <a:buNone/>
-              <a:defRPr sz="1600" b="1"/>
-            </a:lvl8pPr>
-            <a:lvl9pPr marL="3657600" indent="0">
-              <a:buNone/>
-              <a:defRPr sz="1600" b="1"/>
-            </a:lvl9pPr>
-          </a:lstStyle>
-          <a:p>
-            <a:pPr lvl="0"/>
-            <a:r>
-              <a:rPr lang="de-DE" smtClean="0"/>
-              <a:t>Textmasterformat bearbeiten</a:t>
-            </a:r>
-          </a:p>
-        </p:txBody>
-      </p:sp>
-      <p:sp>
-        <p:nvSpPr>
-          <p:cNvPr id="6" name="Inhaltsplatzhalter 5"/>
-          <p:cNvSpPr>
-            <a:spLocks noGrp="1"/>
-          </p:cNvSpPr>
-          <p:nvPr>
-            <p:ph sz="quarter" idx="4"/>
-          </p:nvPr>
-        </p:nvSpPr>
-        <p:spPr>
-          <a:xfrm>
-            <a:off x="6172200" y="2505075"/>
-            <a:ext cx="5183188" cy="3684588"/>
-          </a:xfrm>
-        </p:spPr>
-        <p:txBody>
-          <a:bodyPr/>
-          <a:lstStyle/>
-          <a:p>
-            <a:pPr lvl="0"/>
-            <a:r>
-              <a:rPr lang="de-DE" smtClean="0"/>
-              <a:t>Textmasterformat bearbeiten</a:t>
-            </a:r>
-          </a:p>
-          <a:p>
-            <a:pPr lvl="1"/>
-            <a:r>
-              <a:rPr lang="de-DE" smtClean="0"/>
-              <a:t>Zweite Ebene</a:t>
-            </a:r>
-          </a:p>
-          <a:p>
-            <a:pPr lvl="2"/>
-            <a:r>
-              <a:rPr lang="de-DE" smtClean="0"/>
-              <a:t>Dritte Ebene</a:t>
-            </a:r>
-          </a:p>
-          <a:p>
-            <a:pPr lvl="3"/>
-            <a:r>
-              <a:rPr lang="de-DE" smtClean="0"/>
-              <a:t>Vierte Ebene</a:t>
-            </a:r>
-          </a:p>
-          <a:p>
-            <a:pPr lvl="4"/>
-            <a:r>
-              <a:rPr lang="de-DE" smtClean="0"/>
-              <a:t>Fünfte Ebene</a:t>
-            </a:r>
-            <a:endParaRPr lang="de-DE"/>
-          </a:p>
-        </p:txBody>
-      </p:sp>
-      <p:sp>
-        <p:nvSpPr>
-          <p:cNvPr id="7" name="Datumsplatzhalter 6"/>
-          <p:cNvSpPr>
-            <a:spLocks noGrp="1"/>
-          </p:cNvSpPr>
-          <p:nvPr>
-            <p:ph type="dt" sz="half" idx="10"/>
-          </p:nvPr>
-        </p:nvSpPr>
-        <p:spPr/>
-        <p:txBody>
-          <a:bodyPr/>
-          <a:lstStyle/>
-          <a:p>
-            <a:fld id="{89C5148D-91CB-4728-A35B-E4D85E36B7FE}" type="datetimeFigureOut">
-              <a:rPr lang="de-DE" smtClean="0"/>
-              <a:t>21.01.2015</a:t>
-            </a:fld>
-            <a:endParaRPr lang="de-DE"/>
-          </a:p>
-        </p:txBody>
-      </p:sp>
-      <p:sp>
-        <p:nvSpPr>
-          <p:cNvPr id="8" name="Fußzeilenplatzhalter 7"/>
-          <p:cNvSpPr>
-            <a:spLocks noGrp="1"/>
-          </p:cNvSpPr>
-          <p:nvPr>
-            <p:ph type="ftr" sz="quarter" idx="11"/>
-          </p:nvPr>
-        </p:nvSpPr>
-        <p:spPr/>
-        <p:txBody>
-          <a:bodyPr/>
-          <a:lstStyle/>
-          <a:p>
-            <a:endParaRPr lang="de-DE"/>
-          </a:p>
-        </p:txBody>
-      </p:sp>
-      <p:sp>
-        <p:nvSpPr>
-          <p:cNvPr id="9" name="Foliennummernplatzhalter 8"/>
-          <p:cNvSpPr>
-            <a:spLocks noGrp="1"/>
-          </p:cNvSpPr>
-          <p:nvPr>
-            <p:ph type="sldNum" sz="quarter" idx="12"/>
-          </p:nvPr>
-        </p:nvSpPr>
-        <p:spPr/>
-        <p:txBody>
-          <a:bodyPr/>
-          <a:lstStyle/>
-          <a:p>
-            <a:fld id="{CBA39D34-9C82-4786-9D11-02431842E209}" type="slidenum">
-              <a:rPr lang="de-DE" smtClean="0"/>
-              <a:t>‹Nr.›</a:t>
-            </a:fld>
-            <a:endParaRPr lang="de-DE"/>
-          </a:p>
-        </p:txBody>
-      </p:sp>
-    </p:spTree>
-    <p:extLst>
-      <p:ext uri="{BB962C8B-B14F-4D97-AF65-F5344CB8AC3E}">
-        <p14:creationId xmlns:p14="http://schemas.microsoft.com/office/powerpoint/2010/main" val="920122092"/>
-      </p:ext>
-    </p:extLst>
-  </p:cSld>
-  <p:clrMapOvr>
-    <a:masterClrMapping/>
-  </p:clrMapOvr>
-</p:sldLayout>
-</file>
-
-<file path=ppt/slideLayouts/slideLayout6.xml><?xml version="1.0" encoding="utf-8"?>
-<p:sldLayout xmlns:a="http://schemas.openxmlformats.org/drawingml/2006/main" xmlns:r="http://schemas.openxmlformats.org/officeDocument/2006/relationships" xmlns:p="http://schemas.openxmlformats.org/presentationml/2006/main" type="titleOnly" preserve="1">
-  <p:cSld name="Nur Titel">
-    <p:spTree>
-      <p:nvGrpSpPr>
-        <p:cNvPr id="1" name=""/>
-        <p:cNvGrpSpPr/>
-        <p:nvPr/>
-      </p:nvGrpSpPr>
-      <p:grpSpPr>
-        <a:xfrm>
-          <a:off x="0" y="0"/>
-          <a:ext cx="0" cy="0"/>
-          <a:chOff x="0" y="0"/>
-          <a:chExt cx="0" cy="0"/>
-        </a:xfrm>
-      </p:grpSpPr>
-      <p:sp>
-        <p:nvSpPr>
-          <p:cNvPr id="2" name="Titel 1"/>
-          <p:cNvSpPr>
-            <a:spLocks noGrp="1"/>
-          </p:cNvSpPr>
-          <p:nvPr>
-            <p:ph type="title"/>
-          </p:nvPr>
-        </p:nvSpPr>
-        <p:spPr/>
-        <p:txBody>
-          <a:bodyPr/>
-          <a:lstStyle/>
-          <a:p>
-            <a:r>
-              <a:rPr lang="de-DE" smtClean="0"/>
-              <a:t>Titelmasterformat durch Klicken bearbeiten</a:t>
-            </a:r>
-            <a:endParaRPr lang="de-DE"/>
-          </a:p>
-        </p:txBody>
-      </p:sp>
-      <p:sp>
-        <p:nvSpPr>
-          <p:cNvPr id="3" name="Datumsplatzhalter 2"/>
-          <p:cNvSpPr>
-            <a:spLocks noGrp="1"/>
-          </p:cNvSpPr>
-          <p:nvPr>
-            <p:ph type="dt" sz="half" idx="10"/>
-          </p:nvPr>
-        </p:nvSpPr>
-        <p:spPr/>
-        <p:txBody>
-          <a:bodyPr/>
-          <a:lstStyle/>
-          <a:p>
-            <a:fld id="{89C5148D-91CB-4728-A35B-E4D85E36B7FE}" type="datetimeFigureOut">
-              <a:rPr lang="de-DE" smtClean="0"/>
-              <a:t>21.01.2015</a:t>
-            </a:fld>
-            <a:endParaRPr lang="de-DE"/>
-          </a:p>
-        </p:txBody>
-      </p:sp>
-      <p:sp>
-        <p:nvSpPr>
-          <p:cNvPr id="4" name="Fußzeilenplatzhalter 3"/>
-          <p:cNvSpPr>
-            <a:spLocks noGrp="1"/>
-          </p:cNvSpPr>
-          <p:nvPr>
-            <p:ph type="ftr" sz="quarter" idx="11"/>
-          </p:nvPr>
-        </p:nvSpPr>
-        <p:spPr/>
-        <p:txBody>
-          <a:bodyPr/>
-          <a:lstStyle/>
-          <a:p>
-            <a:endParaRPr lang="de-DE"/>
-          </a:p>
-        </p:txBody>
-      </p:sp>
-      <p:sp>
-        <p:nvSpPr>
-          <p:cNvPr id="5" name="Foliennummernplatzhalter 4"/>
-          <p:cNvSpPr>
-            <a:spLocks noGrp="1"/>
-          </p:cNvSpPr>
-          <p:nvPr>
-            <p:ph type="sldNum" sz="quarter" idx="12"/>
-          </p:nvPr>
-        </p:nvSpPr>
-        <p:spPr/>
-        <p:txBody>
-          <a:bodyPr/>
-          <a:lstStyle/>
-          <a:p>
-            <a:fld id="{CBA39D34-9C82-4786-9D11-02431842E209}" type="slidenum">
-              <a:rPr lang="de-DE" smtClean="0"/>
-              <a:t>‹Nr.›</a:t>
-            </a:fld>
-            <a:endParaRPr lang="de-DE"/>
-          </a:p>
-        </p:txBody>
-      </p:sp>
-    </p:spTree>
-    <p:extLst>
-      <p:ext uri="{BB962C8B-B14F-4D97-AF65-F5344CB8AC3E}">
-        <p14:creationId xmlns:p14="http://schemas.microsoft.com/office/powerpoint/2010/main" val="3039055080"/>
-      </p:ext>
-    </p:extLst>
-  </p:cSld>
-  <p:clrMapOvr>
-    <a:masterClrMapping/>
-  </p:clrMapOvr>
-</p:sldLayout>
-</file>
-
-<file path=ppt/slideLayouts/slideLayout7.xml><?xml version="1.0" encoding="utf-8"?>
-<p:sldLayout xmlns:a="http://schemas.openxmlformats.org/drawingml/2006/main" xmlns:r="http://schemas.openxmlformats.org/officeDocument/2006/relationships" xmlns:p="http://schemas.openxmlformats.org/presentationml/2006/main" type="blank" preserve="1">
-  <p:cSld name="Leer">
-    <p:spTree>
-      <p:nvGrpSpPr>
-        <p:cNvPr id="1" name=""/>
-        <p:cNvGrpSpPr/>
-        <p:nvPr/>
-      </p:nvGrpSpPr>
-      <p:grpSpPr>
-        <a:xfrm>
-          <a:off x="0" y="0"/>
-          <a:ext cx="0" cy="0"/>
-          <a:chOff x="0" y="0"/>
-          <a:chExt cx="0" cy="0"/>
-        </a:xfrm>
-      </p:grpSpPr>
-      <p:sp>
-        <p:nvSpPr>
-          <p:cNvPr id="2" name="Datumsplatzhalter 1"/>
-          <p:cNvSpPr>
-            <a:spLocks noGrp="1"/>
-          </p:cNvSpPr>
-          <p:nvPr>
-            <p:ph type="dt" sz="half" idx="10"/>
-          </p:nvPr>
-        </p:nvSpPr>
-        <p:spPr/>
-        <p:txBody>
-          <a:bodyPr/>
-          <a:lstStyle/>
-          <a:p>
-            <a:fld id="{89C5148D-91CB-4728-A35B-E4D85E36B7FE}" type="datetimeFigureOut">
-              <a:rPr lang="de-DE" smtClean="0"/>
-              <a:t>21.01.2015</a:t>
-            </a:fld>
-            <a:endParaRPr lang="de-DE"/>
-          </a:p>
-        </p:txBody>
-      </p:sp>
-      <p:sp>
-        <p:nvSpPr>
-          <p:cNvPr id="3" name="Fußzeilenplatzhalter 2"/>
-          <p:cNvSpPr>
-            <a:spLocks noGrp="1"/>
-          </p:cNvSpPr>
-          <p:nvPr>
-            <p:ph type="ftr" sz="quarter" idx="11"/>
-          </p:nvPr>
-        </p:nvSpPr>
-        <p:spPr/>
-        <p:txBody>
-          <a:bodyPr/>
-          <a:lstStyle/>
-          <a:p>
-            <a:endParaRPr lang="de-DE"/>
-          </a:p>
-        </p:txBody>
-      </p:sp>
-      <p:sp>
-        <p:nvSpPr>
-          <p:cNvPr id="4" name="Foliennummernplatzhalter 3"/>
-          <p:cNvSpPr>
-            <a:spLocks noGrp="1"/>
-          </p:cNvSpPr>
-          <p:nvPr>
-            <p:ph type="sldNum" sz="quarter" idx="12"/>
-          </p:nvPr>
-        </p:nvSpPr>
-        <p:spPr/>
-        <p:txBody>
-          <a:bodyPr/>
-          <a:lstStyle/>
-          <a:p>
-            <a:fld id="{CBA39D34-9C82-4786-9D11-02431842E209}" type="slidenum">
-              <a:rPr lang="de-DE" smtClean="0"/>
-              <a:t>‹Nr.›</a:t>
-            </a:fld>
-            <a:endParaRPr lang="de-DE"/>
-          </a:p>
-        </p:txBody>
-      </p:sp>
-    </p:spTree>
-    <p:extLst>
-      <p:ext uri="{BB962C8B-B14F-4D97-AF65-F5344CB8AC3E}">
-        <p14:creationId xmlns:p14="http://schemas.microsoft.com/office/powerpoint/2010/main" val="1811312070"/>
-      </p:ext>
-    </p:extLst>
-  </p:cSld>
-  <p:clrMapOvr>
-    <a:masterClrMapping/>
-  </p:clrMapOvr>
-</p:sldLayout>
-</file>
-
-<file path=ppt/slideLayouts/slideLayout8.xml><?xml version="1.0" encoding="utf-8"?>
-<p:sldLayout xmlns:a="http://schemas.openxmlformats.org/drawingml/2006/main" xmlns:r="http://schemas.openxmlformats.org/officeDocument/2006/relationships" xmlns:p="http://schemas.openxmlformats.org/presentationml/2006/main" type="objTx" preserve="1">
-  <p:cSld name="Inhalt mit Überschrift">
-    <p:spTree>
-      <p:nvGrpSpPr>
-        <p:cNvPr id="1" name=""/>
-        <p:cNvGrpSpPr/>
-        <p:nvPr/>
-      </p:nvGrpSpPr>
-      <p:grpSpPr>
-        <a:xfrm>
-          <a:off x="0" y="0"/>
-          <a:ext cx="0" cy="0"/>
-          <a:chOff x="0" y="0"/>
-          <a:chExt cx="0" cy="0"/>
-        </a:xfrm>
-      </p:grpSpPr>
-      <p:sp>
-        <p:nvSpPr>
-          <p:cNvPr id="2" name="Titel 1"/>
-          <p:cNvSpPr>
-            <a:spLocks noGrp="1"/>
-          </p:cNvSpPr>
-          <p:nvPr>
-            <p:ph type="title"/>
-          </p:nvPr>
-        </p:nvSpPr>
-        <p:spPr>
-          <a:xfrm>
-            <a:off x="839788" y="457200"/>
-            <a:ext cx="3932237" cy="1600200"/>
-          </a:xfrm>
-        </p:spPr>
-        <p:txBody>
-          <a:bodyPr anchor="b"/>
-          <a:lstStyle>
-            <a:lvl1pPr>
-              <a:defRPr sz="3200"/>
-            </a:lvl1pPr>
-          </a:lstStyle>
-          <a:p>
-            <a:r>
-              <a:rPr lang="de-DE" smtClean="0"/>
-              <a:t>Titelmasterformat durch Klicken bearbeiten</a:t>
-            </a:r>
-            <a:endParaRPr lang="de-DE"/>
-          </a:p>
-        </p:txBody>
-      </p:sp>
-      <p:sp>
-        <p:nvSpPr>
-          <p:cNvPr id="3" name="Inhaltsplatzhalter 2"/>
-          <p:cNvSpPr>
-            <a:spLocks noGrp="1"/>
-          </p:cNvSpPr>
-          <p:nvPr>
-            <p:ph idx="1"/>
-          </p:nvPr>
-        </p:nvSpPr>
-        <p:spPr>
-          <a:xfrm>
-            <a:off x="5183188" y="987425"/>
-            <a:ext cx="6172200" cy="4873625"/>
-          </a:xfrm>
-        </p:spPr>
-        <p:txBody>
-          <a:bodyPr/>
-          <a:lstStyle>
-            <a:lvl1pPr>
-              <a:defRPr sz="3200"/>
-            </a:lvl1pPr>
-            <a:lvl2pPr>
-              <a:defRPr sz="2800"/>
-            </a:lvl2pPr>
-            <a:lvl3pPr>
-              <a:defRPr sz="2400"/>
-            </a:lvl3pPr>
-            <a:lvl4pPr>
-              <a:defRPr sz="2000"/>
-            </a:lvl4pPr>
-            <a:lvl5pPr>
-              <a:defRPr sz="2000"/>
-            </a:lvl5pPr>
-            <a:lvl6pPr>
-              <a:defRPr sz="2000"/>
-            </a:lvl6pPr>
-            <a:lvl7pPr>
-              <a:defRPr sz="2000"/>
-            </a:lvl7pPr>
-            <a:lvl8pPr>
-              <a:defRPr sz="2000"/>
-            </a:lvl8pPr>
-            <a:lvl9pPr>
-              <a:defRPr sz="2000"/>
-            </a:lvl9pPr>
-          </a:lstStyle>
-          <a:p>
-            <a:pPr lvl="0"/>
-            <a:r>
-              <a:rPr lang="de-DE" smtClean="0"/>
-              <a:t>Textmasterformat bearbeiten</a:t>
-            </a:r>
-          </a:p>
-          <a:p>
-            <a:pPr lvl="1"/>
-            <a:r>
-              <a:rPr lang="de-DE" smtClean="0"/>
-              <a:t>Zweite Ebene</a:t>
-            </a:r>
-          </a:p>
-          <a:p>
-            <a:pPr lvl="2"/>
-            <a:r>
-              <a:rPr lang="de-DE" smtClean="0"/>
-              <a:t>Dritte Ebene</a:t>
-            </a:r>
-          </a:p>
-          <a:p>
-            <a:pPr lvl="3"/>
-            <a:r>
-              <a:rPr lang="de-DE" smtClean="0"/>
-              <a:t>Vierte Ebene</a:t>
-            </a:r>
-          </a:p>
-          <a:p>
-            <a:pPr lvl="4"/>
-            <a:r>
-              <a:rPr lang="de-DE" smtClean="0"/>
-              <a:t>Fünfte Ebene</a:t>
-            </a:r>
-            <a:endParaRPr lang="de-DE"/>
-          </a:p>
-        </p:txBody>
-      </p:sp>
-      <p:sp>
-        <p:nvSpPr>
-          <p:cNvPr id="4" name="Textplatzhalter 3"/>
-          <p:cNvSpPr>
-            <a:spLocks noGrp="1"/>
-          </p:cNvSpPr>
-          <p:nvPr>
-            <p:ph type="body" sz="half" idx="2"/>
-          </p:nvPr>
-        </p:nvSpPr>
-        <p:spPr>
-          <a:xfrm>
-            <a:off x="839788" y="2057400"/>
-            <a:ext cx="3932237" cy="3811588"/>
-          </a:xfrm>
-        </p:spPr>
-        <p:txBody>
-          <a:bodyPr/>
-          <a:lstStyle>
-            <a:lvl1pPr marL="0" indent="0">
-              <a:buNone/>
-              <a:defRPr sz="1600"/>
-            </a:lvl1pPr>
-            <a:lvl2pPr marL="457200" indent="0">
-              <a:buNone/>
-              <a:defRPr sz="1400"/>
-            </a:lvl2pPr>
-            <a:lvl3pPr marL="914400" indent="0">
-              <a:buNone/>
-              <a:defRPr sz="1200"/>
-            </a:lvl3pPr>
-            <a:lvl4pPr marL="1371600" indent="0">
-              <a:buNone/>
-              <a:defRPr sz="1000"/>
-            </a:lvl4pPr>
-            <a:lvl5pPr marL="1828800" indent="0">
-              <a:buNone/>
-              <a:defRPr sz="1000"/>
-            </a:lvl5pPr>
-            <a:lvl6pPr marL="2286000" indent="0">
-              <a:buNone/>
-              <a:defRPr sz="1000"/>
-            </a:lvl6pPr>
-            <a:lvl7pPr marL="2743200" indent="0">
-              <a:buNone/>
-              <a:defRPr sz="1000"/>
-            </a:lvl7pPr>
-            <a:lvl8pPr marL="3200400" indent="0">
-              <a:buNone/>
-              <a:defRPr sz="1000"/>
-            </a:lvl8pPr>
-            <a:lvl9pPr marL="3657600" indent="0">
-              <a:buNone/>
-              <a:defRPr sz="1000"/>
-            </a:lvl9pPr>
-          </a:lstStyle>
-          <a:p>
-            <a:pPr lvl="0"/>
-            <a:r>
-              <a:rPr lang="de-DE" smtClean="0"/>
-              <a:t>Textmasterformat bearbeiten</a:t>
-            </a:r>
-          </a:p>
-        </p:txBody>
-      </p:sp>
-      <p:sp>
-        <p:nvSpPr>
-          <p:cNvPr id="5" name="Datumsplatzhalter 4"/>
-          <p:cNvSpPr>
-            <a:spLocks noGrp="1"/>
-          </p:cNvSpPr>
-          <p:nvPr>
-            <p:ph type="dt" sz="half" idx="10"/>
-          </p:nvPr>
-        </p:nvSpPr>
-        <p:spPr/>
-        <p:txBody>
-          <a:bodyPr/>
-          <a:lstStyle/>
-          <a:p>
-            <a:fld id="{89C5148D-91CB-4728-A35B-E4D85E36B7FE}" type="datetimeFigureOut">
-              <a:rPr lang="de-DE" smtClean="0"/>
-              <a:t>21.01.2015</a:t>
-            </a:fld>
-            <a:endParaRPr lang="de-DE"/>
-          </a:p>
-        </p:txBody>
-      </p:sp>
-      <p:sp>
-        <p:nvSpPr>
-          <p:cNvPr id="6" name="Fußzeilenplatzhalter 5"/>
-          <p:cNvSpPr>
-            <a:spLocks noGrp="1"/>
-          </p:cNvSpPr>
-          <p:nvPr>
-            <p:ph type="ftr" sz="quarter" idx="11"/>
-          </p:nvPr>
-        </p:nvSpPr>
-        <p:spPr/>
-        <p:txBody>
-          <a:bodyPr/>
-          <a:lstStyle/>
-          <a:p>
-            <a:endParaRPr lang="de-DE"/>
-          </a:p>
-        </p:txBody>
-      </p:sp>
-      <p:sp>
-        <p:nvSpPr>
-          <p:cNvPr id="7" name="Foliennummernplatzhalter 6"/>
-          <p:cNvSpPr>
-            <a:spLocks noGrp="1"/>
-          </p:cNvSpPr>
-          <p:nvPr>
-            <p:ph type="sldNum" sz="quarter" idx="12"/>
-          </p:nvPr>
-        </p:nvSpPr>
-        <p:spPr/>
-        <p:txBody>
-          <a:bodyPr/>
-          <a:lstStyle/>
-          <a:p>
-            <a:fld id="{CBA39D34-9C82-4786-9D11-02431842E209}" type="slidenum">
-              <a:rPr lang="de-DE" smtClean="0"/>
-              <a:t>‹Nr.›</a:t>
-            </a:fld>
-            <a:endParaRPr lang="de-DE"/>
-          </a:p>
-        </p:txBody>
-      </p:sp>
-    </p:spTree>
-    <p:extLst>
-      <p:ext uri="{BB962C8B-B14F-4D97-AF65-F5344CB8AC3E}">
-        <p14:creationId xmlns:p14="http://schemas.microsoft.com/office/powerpoint/2010/main" val="4073299521"/>
-      </p:ext>
-    </p:extLst>
-  </p:cSld>
-  <p:clrMapOvr>
-    <a:masterClrMapping/>
-  </p:clrMapOvr>
-</p:sldLayout>
-</file>
-
-<file path=ppt/slideLayouts/slideLayout9.xml><?xml version="1.0" encoding="utf-8"?>
-<p:sldLayout xmlns:a="http://schemas.openxmlformats.org/drawingml/2006/main" xmlns:r="http://schemas.openxmlformats.org/officeDocument/2006/relationships" xmlns:p="http://schemas.openxmlformats.org/presentationml/2006/main" type="picTx" preserve="1">
-  <p:cSld name="Bild mit Überschrift">
-    <p:spTree>
-      <p:nvGrpSpPr>
-        <p:cNvPr id="1" name=""/>
-        <p:cNvGrpSpPr/>
-        <p:nvPr/>
-      </p:nvGrpSpPr>
-      <p:grpSpPr>
-        <a:xfrm>
-          <a:off x="0" y="0"/>
-          <a:ext cx="0" cy="0"/>
-          <a:chOff x="0" y="0"/>
-          <a:chExt cx="0" cy="0"/>
-        </a:xfrm>
-      </p:grpSpPr>
-      <p:sp>
-        <p:nvSpPr>
-          <p:cNvPr id="2" name="Titel 1"/>
-          <p:cNvSpPr>
-            <a:spLocks noGrp="1"/>
-          </p:cNvSpPr>
-          <p:nvPr>
-            <p:ph type="title"/>
-          </p:nvPr>
-        </p:nvSpPr>
-        <p:spPr>
-          <a:xfrm>
-            <a:off x="839788" y="457200"/>
-            <a:ext cx="3932237" cy="1600200"/>
-          </a:xfrm>
-        </p:spPr>
-        <p:txBody>
-          <a:bodyPr anchor="b"/>
-          <a:lstStyle>
-            <a:lvl1pPr>
-              <a:defRPr sz="3200"/>
-            </a:lvl1pPr>
-          </a:lstStyle>
-          <a:p>
-            <a:r>
-              <a:rPr lang="de-DE" smtClean="0"/>
-              <a:t>Titelmasterformat durch Klicken bearbeiten</a:t>
-            </a:r>
-            <a:endParaRPr lang="de-DE"/>
-          </a:p>
-        </p:txBody>
-      </p:sp>
-      <p:sp>
-        <p:nvSpPr>
-          <p:cNvPr id="3" name="Bildplatzhalter 2"/>
-          <p:cNvSpPr>
-            <a:spLocks noGrp="1"/>
-          </p:cNvSpPr>
-          <p:nvPr>
-            <p:ph type="pic" idx="1"/>
-          </p:nvPr>
-        </p:nvSpPr>
-        <p:spPr>
-          <a:xfrm>
-            <a:off x="5183188" y="987425"/>
-            <a:ext cx="6172200" cy="4873625"/>
-          </a:xfrm>
-        </p:spPr>
-        <p:txBody>
-          <a:bodyPr/>
-          <a:lstStyle>
-            <a:lvl1pPr marL="0" indent="0">
-              <a:buNone/>
-              <a:defRPr sz="3200"/>
-            </a:lvl1pPr>
-            <a:lvl2pPr marL="457200" indent="0">
-              <a:buNone/>
-              <a:defRPr sz="2800"/>
-            </a:lvl2pPr>
-            <a:lvl3pPr marL="914400" indent="0">
-              <a:buNone/>
-              <a:defRPr sz="2400"/>
-            </a:lvl3pPr>
-            <a:lvl4pPr marL="1371600" indent="0">
-              <a:buNone/>
-              <a:defRPr sz="2000"/>
-            </a:lvl4pPr>
-            <a:lvl5pPr marL="1828800" indent="0">
-              <a:buNone/>
-              <a:defRPr sz="2000"/>
-            </a:lvl5pPr>
-            <a:lvl6pPr marL="2286000" indent="0">
-              <a:buNone/>
-              <a:defRPr sz="2000"/>
-            </a:lvl6pPr>
-            <a:lvl7pPr marL="2743200" indent="0">
-              <a:buNone/>
-              <a:defRPr sz="2000"/>
-            </a:lvl7pPr>
-            <a:lvl8pPr marL="3200400" indent="0">
-              <a:buNone/>
-              <a:defRPr sz="2000"/>
-            </a:lvl8pPr>
-            <a:lvl9pPr marL="3657600" indent="0">
-              <a:buNone/>
-              <a:defRPr sz="2000"/>
-            </a:lvl9pPr>
-          </a:lstStyle>
-          <a:p>
-            <a:endParaRPr lang="de-DE"/>
-          </a:p>
-        </p:txBody>
-      </p:sp>
-      <p:sp>
-        <p:nvSpPr>
-          <p:cNvPr id="4" name="Textplatzhalter 3"/>
-          <p:cNvSpPr>
-            <a:spLocks noGrp="1"/>
-          </p:cNvSpPr>
-          <p:nvPr>
-            <p:ph type="body" sz="half" idx="2"/>
-          </p:nvPr>
-        </p:nvSpPr>
-        <p:spPr>
-          <a:xfrm>
-            <a:off x="839788" y="2057400"/>
-            <a:ext cx="3932237" cy="3811588"/>
-          </a:xfrm>
-        </p:spPr>
-        <p:txBody>
-          <a:bodyPr/>
-          <a:lstStyle>
-            <a:lvl1pPr marL="0" indent="0">
-              <a:buNone/>
-              <a:defRPr sz="1600"/>
-            </a:lvl1pPr>
-            <a:lvl2pPr marL="457200" indent="0">
-              <a:buNone/>
-              <a:defRPr sz="1400"/>
-            </a:lvl2pPr>
-            <a:lvl3pPr marL="914400" indent="0">
-              <a:buNone/>
-              <a:defRPr sz="1200"/>
-            </a:lvl3pPr>
-            <a:lvl4pPr marL="1371600" indent="0">
-              <a:buNone/>
-              <a:defRPr sz="1000"/>
-            </a:lvl4pPr>
-            <a:lvl5pPr marL="1828800" indent="0">
-              <a:buNone/>
-              <a:defRPr sz="1000"/>
-            </a:lvl5pPr>
-            <a:lvl6pPr marL="2286000" indent="0">
-              <a:buNone/>
-              <a:defRPr sz="1000"/>
-            </a:lvl6pPr>
-            <a:lvl7pPr marL="2743200" indent="0">
-              <a:buNone/>
-              <a:defRPr sz="1000"/>
-            </a:lvl7pPr>
-            <a:lvl8pPr marL="3200400" indent="0">
-              <a:buNone/>
-              <a:defRPr sz="1000"/>
-            </a:lvl8pPr>
-            <a:lvl9pPr marL="3657600" indent="0">
-              <a:buNone/>
-              <a:defRPr sz="1000"/>
-            </a:lvl9pPr>
-          </a:lstStyle>
-          <a:p>
-            <a:pPr lvl="0"/>
-            <a:r>
-              <a:rPr lang="de-DE" smtClean="0"/>
-              <a:t>Textmasterformat bearbeiten</a:t>
-            </a:r>
-          </a:p>
-        </p:txBody>
-      </p:sp>
-      <p:sp>
-        <p:nvSpPr>
-          <p:cNvPr id="5" name="Datumsplatzhalter 4"/>
-          <p:cNvSpPr>
-            <a:spLocks noGrp="1"/>
-          </p:cNvSpPr>
-          <p:nvPr>
-            <p:ph type="dt" sz="half" idx="10"/>
-          </p:nvPr>
-        </p:nvSpPr>
-        <p:spPr/>
-        <p:txBody>
-          <a:bodyPr/>
-          <a:lstStyle/>
-          <a:p>
-            <a:fld id="{89C5148D-91CB-4728-A35B-E4D85E36B7FE}" type="datetimeFigureOut">
-              <a:rPr lang="de-DE" smtClean="0"/>
-              <a:t>21.01.2015</a:t>
-            </a:fld>
-            <a:endParaRPr lang="de-DE"/>
-          </a:p>
-        </p:txBody>
-      </p:sp>
-      <p:sp>
-        <p:nvSpPr>
-          <p:cNvPr id="6" name="Fußzeilenplatzhalter 5"/>
-          <p:cNvSpPr>
-            <a:spLocks noGrp="1"/>
-          </p:cNvSpPr>
-          <p:nvPr>
-            <p:ph type="ftr" sz="quarter" idx="11"/>
-          </p:nvPr>
-        </p:nvSpPr>
-        <p:spPr/>
-        <p:txBody>
-          <a:bodyPr/>
-          <a:lstStyle/>
-          <a:p>
-            <a:endParaRPr lang="de-DE"/>
-          </a:p>
-        </p:txBody>
-      </p:sp>
-      <p:sp>
-        <p:nvSpPr>
-          <p:cNvPr id="7" name="Foliennummernplatzhalter 6"/>
-          <p:cNvSpPr>
-            <a:spLocks noGrp="1"/>
-          </p:cNvSpPr>
-          <p:nvPr>
-            <p:ph type="sldNum" sz="quarter" idx="12"/>
-          </p:nvPr>
-        </p:nvSpPr>
-        <p:spPr/>
-        <p:txBody>
-          <a:bodyPr/>
-          <a:lstStyle/>
-          <a:p>
-            <a:fld id="{CBA39D34-9C82-4786-9D11-02431842E209}" type="slidenum">
-              <a:rPr lang="de-DE" smtClean="0"/>
-              <a:t>‹Nr.›</a:t>
-            </a:fld>
-            <a:endParaRPr lang="de-DE"/>
-          </a:p>
-        </p:txBody>
-      </p:sp>
-    </p:spTree>
-    <p:extLst>
-      <p:ext uri="{BB962C8B-B14F-4D97-AF65-F5344CB8AC3E}">
-        <p14:creationId xmlns:p14="http://schemas.microsoft.com/office/powerpoint/2010/main" val="4004848325"/>
+        <p14:creationId xmlns:p14="http://schemas.microsoft.com/office/powerpoint/2010/main" val="533086993"/>
       </p:ext>
     </p:extLst>
   </p:cSld>
@@ -2440,120 +2184,25 @@
       </p:grpSpPr>
       <p:sp>
         <p:nvSpPr>
-          <p:cNvPr id="2" name="Titelplatzhalter 1"/>
-          <p:cNvSpPr>
-            <a:spLocks noGrp="1"/>
-          </p:cNvSpPr>
-          <p:nvPr>
-            <p:ph type="title"/>
+          <p:cNvPr id="4" name="Datumsplatzhalter 3"/>
+          <p:cNvSpPr>
+            <a:spLocks noGrp="1"/>
+          </p:cNvSpPr>
+          <p:nvPr>
+            <p:ph type="dt" sz="half" idx="2"/>
           </p:nvPr>
         </p:nvSpPr>
         <p:spPr>
           <a:xfrm>
-            <a:off x="838200" y="365125"/>
-            <a:ext cx="10515600" cy="1325563"/>
+            <a:off x="960000" y="6356351"/>
+            <a:ext cx="2844800" cy="365125"/>
           </a:xfrm>
           <a:prstGeom prst="rect">
             <a:avLst/>
           </a:prstGeom>
         </p:spPr>
         <p:txBody>
-          <a:bodyPr vert="horz" lIns="91440" tIns="45720" rIns="91440" bIns="45720" rtlCol="0" anchor="ctr">
-            <a:normAutofit/>
-          </a:bodyPr>
-          <a:lstStyle/>
-          <a:p>
-            <a:r>
-              <a:rPr lang="de-DE" smtClean="0"/>
-              <a:t>Titelmasterformat durch Klicken bearbeiten</a:t>
-            </a:r>
-            <a:endParaRPr lang="de-DE"/>
-          </a:p>
-        </p:txBody>
-      </p:sp>
-      <p:sp>
-        <p:nvSpPr>
-          <p:cNvPr id="3" name="Textplatzhalter 2"/>
-          <p:cNvSpPr>
-            <a:spLocks noGrp="1"/>
-          </p:cNvSpPr>
-          <p:nvPr>
-            <p:ph type="body" idx="1"/>
-          </p:nvPr>
-        </p:nvSpPr>
-        <p:spPr>
-          <a:xfrm>
-            <a:off x="838200" y="1825625"/>
-            <a:ext cx="10515600" cy="4351338"/>
-          </a:xfrm>
-          <a:prstGeom prst="rect">
-            <a:avLst/>
-          </a:prstGeom>
-        </p:spPr>
-        <p:txBody>
-          <a:bodyPr vert="horz" lIns="91440" tIns="45720" rIns="91440" bIns="45720" rtlCol="0">
-            <a:normAutofit/>
-          </a:bodyPr>
-          <a:lstStyle/>
-          <a:p>
-            <a:pPr lvl="0"/>
-            <a:r>
-              <a:rPr lang="de-DE" smtClean="0"/>
-              <a:t>Textmasterformat bearbeiten</a:t>
-            </a:r>
-          </a:p>
-          <a:p>
-            <a:pPr lvl="1"/>
-            <a:r>
-              <a:rPr lang="de-DE" smtClean="0"/>
-              <a:t>Zweite Ebene</a:t>
-            </a:r>
-          </a:p>
-          <a:p>
-            <a:pPr lvl="2"/>
-            <a:r>
-              <a:rPr lang="de-DE" smtClean="0"/>
-              <a:t>Dritte Ebene</a:t>
-            </a:r>
-          </a:p>
-          <a:p>
-            <a:pPr lvl="3"/>
-            <a:r>
-              <a:rPr lang="de-DE" smtClean="0"/>
-              <a:t>Vierte Ebene</a:t>
-            </a:r>
-          </a:p>
-          <a:p>
-            <a:pPr lvl="4"/>
-            <a:r>
-              <a:rPr lang="de-DE" smtClean="0"/>
-              <a:t>Fünfte Ebene</a:t>
-            </a:r>
-            <a:endParaRPr lang="de-DE"/>
-          </a:p>
-        </p:txBody>
-      </p:sp>
-      <p:sp>
-        <p:nvSpPr>
-          <p:cNvPr id="4" name="Datumsplatzhalter 3"/>
-          <p:cNvSpPr>
-            <a:spLocks noGrp="1"/>
-          </p:cNvSpPr>
-          <p:nvPr>
-            <p:ph type="dt" sz="half" idx="2"/>
-          </p:nvPr>
-        </p:nvSpPr>
-        <p:spPr>
-          <a:xfrm>
-            <a:off x="838200" y="6356350"/>
-            <a:ext cx="2743200" cy="365125"/>
-          </a:xfrm>
-          <a:prstGeom prst="rect">
-            <a:avLst/>
-          </a:prstGeom>
-        </p:spPr>
-        <p:txBody>
-          <a:bodyPr vert="horz" lIns="91440" tIns="45720" rIns="91440" bIns="45720" rtlCol="0" anchor="ctr"/>
+          <a:bodyPr vert="horz" lIns="0" tIns="45720" rIns="91440" bIns="45720" rtlCol="0" anchor="ctr"/>
           <a:lstStyle>
             <a:lvl1pPr algn="l">
               <a:defRPr sz="1200">
@@ -2562,13 +2211,15 @@
                     <a:tint val="75000"/>
                   </a:schemeClr>
                 </a:solidFill>
+                <a:latin typeface="Arial" pitchFamily="34" charset="0"/>
+                <a:cs typeface="Arial" pitchFamily="34" charset="0"/>
               </a:defRPr>
             </a:lvl1pPr>
           </a:lstStyle>
           <a:p>
             <a:fld id="{89C5148D-91CB-4728-A35B-E4D85E36B7FE}" type="datetimeFigureOut">
               <a:rPr lang="de-DE" smtClean="0"/>
-              <a:t>21.01.2015</a:t>
+              <a:t>22.01.2015</a:t>
             </a:fld>
             <a:endParaRPr lang="de-DE"/>
           </a:p>
@@ -2586,8 +2237,8 @@
         </p:nvSpPr>
         <p:spPr>
           <a:xfrm>
-            <a:off x="4038600" y="6356350"/>
-            <a:ext cx="4114800" cy="365125"/>
+            <a:off x="4165600" y="6356351"/>
+            <a:ext cx="3860800" cy="365125"/>
           </a:xfrm>
           <a:prstGeom prst="rect">
             <a:avLst/>
@@ -2603,6 +2254,8 @@
                     <a:tint val="75000"/>
                   </a:schemeClr>
                 </a:solidFill>
+                <a:latin typeface="Arial" pitchFamily="34" charset="0"/>
+                <a:cs typeface="Arial" pitchFamily="34" charset="0"/>
               </a:defRPr>
             </a:lvl1pPr>
           </a:lstStyle>
@@ -2623,8 +2276,8 @@
         </p:nvSpPr>
         <p:spPr>
           <a:xfrm>
-            <a:off x="8610600" y="6356350"/>
-            <a:ext cx="2743200" cy="365125"/>
+            <a:off x="8737600" y="6356351"/>
+            <a:ext cx="2844800" cy="365125"/>
           </a:xfrm>
           <a:prstGeom prst="rect">
             <a:avLst/>
@@ -2640,6 +2293,8 @@
                     <a:tint val="75000"/>
                   </a:schemeClr>
                 </a:solidFill>
+                <a:latin typeface="Arial" pitchFamily="34" charset="0"/>
+                <a:cs typeface="Arial" pitchFamily="34" charset="0"/>
               </a:defRPr>
             </a:lvl1pPr>
           </a:lstStyle>
@@ -2652,33 +2307,372 @@
           </a:p>
         </p:txBody>
       </p:sp>
+      <p:sp>
+        <p:nvSpPr>
+          <p:cNvPr id="7" name="Rechteck 6"/>
+          <p:cNvSpPr/>
+          <p:nvPr/>
+        </p:nvSpPr>
+        <p:spPr>
+          <a:xfrm>
+            <a:off x="0" y="2286000"/>
+            <a:ext cx="168000" cy="2286000"/>
+          </a:xfrm>
+          <a:prstGeom prst="rect">
+            <a:avLst/>
+          </a:prstGeom>
+          <a:solidFill>
+            <a:srgbClr val="B9B9B9"/>
+          </a:solidFill>
+          <a:ln>
+            <a:noFill/>
+          </a:ln>
+        </p:spPr>
+        <p:style>
+          <a:lnRef idx="2">
+            <a:schemeClr val="accent1">
+              <a:shade val="50000"/>
+            </a:schemeClr>
+          </a:lnRef>
+          <a:fillRef idx="1">
+            <a:schemeClr val="accent1"/>
+          </a:fillRef>
+          <a:effectRef idx="0">
+            <a:schemeClr val="accent1"/>
+          </a:effectRef>
+          <a:fontRef idx="minor">
+            <a:schemeClr val="lt1"/>
+          </a:fontRef>
+        </p:style>
+        <p:txBody>
+          <a:bodyPr rtlCol="0" anchor="ctr"/>
+          <a:lstStyle/>
+          <a:p>
+            <a:pPr algn="ctr"/>
+            <a:endParaRPr lang="de-DE" sz="1800">
+              <a:solidFill>
+                <a:srgbClr val="005B82"/>
+              </a:solidFill>
+            </a:endParaRPr>
+          </a:p>
+        </p:txBody>
+      </p:sp>
+      <p:sp>
+        <p:nvSpPr>
+          <p:cNvPr id="8" name="Rechteck 7"/>
+          <p:cNvSpPr/>
+          <p:nvPr/>
+        </p:nvSpPr>
+        <p:spPr>
+          <a:xfrm>
+            <a:off x="168000" y="2286000"/>
+            <a:ext cx="168000" cy="2286000"/>
+          </a:xfrm>
+          <a:prstGeom prst="rect">
+            <a:avLst/>
+          </a:prstGeom>
+          <a:solidFill>
+            <a:srgbClr val="515151"/>
+          </a:solidFill>
+          <a:ln>
+            <a:noFill/>
+          </a:ln>
+        </p:spPr>
+        <p:style>
+          <a:lnRef idx="2">
+            <a:schemeClr val="accent1">
+              <a:shade val="50000"/>
+            </a:schemeClr>
+          </a:lnRef>
+          <a:fillRef idx="1">
+            <a:schemeClr val="accent1"/>
+          </a:fillRef>
+          <a:effectRef idx="0">
+            <a:schemeClr val="accent1"/>
+          </a:effectRef>
+          <a:fontRef idx="minor">
+            <a:schemeClr val="lt1"/>
+          </a:fontRef>
+        </p:style>
+        <p:txBody>
+          <a:bodyPr rtlCol="0" anchor="ctr"/>
+          <a:lstStyle/>
+          <a:p>
+            <a:pPr algn="ctr"/>
+            <a:endParaRPr lang="de-DE" sz="1800">
+              <a:solidFill>
+                <a:srgbClr val="9C9C9C"/>
+              </a:solidFill>
+            </a:endParaRPr>
+          </a:p>
+        </p:txBody>
+      </p:sp>
+      <p:sp>
+        <p:nvSpPr>
+          <p:cNvPr id="9" name="Rechteck 8"/>
+          <p:cNvSpPr/>
+          <p:nvPr/>
+        </p:nvSpPr>
+        <p:spPr>
+          <a:xfrm>
+            <a:off x="0" y="0"/>
+            <a:ext cx="168000" cy="2286000"/>
+          </a:xfrm>
+          <a:prstGeom prst="rect">
+            <a:avLst/>
+          </a:prstGeom>
+          <a:solidFill>
+            <a:srgbClr val="005B82"/>
+          </a:solidFill>
+          <a:ln>
+            <a:noFill/>
+          </a:ln>
+        </p:spPr>
+        <p:style>
+          <a:lnRef idx="2">
+            <a:schemeClr val="accent1">
+              <a:shade val="50000"/>
+            </a:schemeClr>
+          </a:lnRef>
+          <a:fillRef idx="1">
+            <a:schemeClr val="accent1"/>
+          </a:fillRef>
+          <a:effectRef idx="0">
+            <a:schemeClr val="accent1"/>
+          </a:effectRef>
+          <a:fontRef idx="minor">
+            <a:schemeClr val="lt1"/>
+          </a:fontRef>
+        </p:style>
+        <p:txBody>
+          <a:bodyPr rtlCol="0" anchor="ctr"/>
+          <a:lstStyle/>
+          <a:p>
+            <a:pPr algn="ctr"/>
+            <a:endParaRPr lang="de-DE" sz="1800">
+              <a:solidFill>
+                <a:srgbClr val="005B82"/>
+              </a:solidFill>
+            </a:endParaRPr>
+          </a:p>
+        </p:txBody>
+      </p:sp>
+      <p:sp>
+        <p:nvSpPr>
+          <p:cNvPr id="10" name="Rechteck 9"/>
+          <p:cNvSpPr/>
+          <p:nvPr/>
+        </p:nvSpPr>
+        <p:spPr>
+          <a:xfrm>
+            <a:off x="168000" y="0"/>
+            <a:ext cx="168000" cy="2286000"/>
+          </a:xfrm>
+          <a:prstGeom prst="rect">
+            <a:avLst/>
+          </a:prstGeom>
+          <a:solidFill>
+            <a:srgbClr val="9C9C9C"/>
+          </a:solidFill>
+          <a:ln>
+            <a:noFill/>
+          </a:ln>
+        </p:spPr>
+        <p:style>
+          <a:lnRef idx="2">
+            <a:schemeClr val="accent1">
+              <a:shade val="50000"/>
+            </a:schemeClr>
+          </a:lnRef>
+          <a:fillRef idx="1">
+            <a:schemeClr val="accent1"/>
+          </a:fillRef>
+          <a:effectRef idx="0">
+            <a:schemeClr val="accent1"/>
+          </a:effectRef>
+          <a:fontRef idx="minor">
+            <a:schemeClr val="lt1"/>
+          </a:fontRef>
+        </p:style>
+        <p:txBody>
+          <a:bodyPr rtlCol="0" anchor="ctr"/>
+          <a:lstStyle/>
+          <a:p>
+            <a:pPr algn="ctr"/>
+            <a:endParaRPr lang="de-DE" sz="1800">
+              <a:solidFill>
+                <a:srgbClr val="9C9C9C"/>
+              </a:solidFill>
+            </a:endParaRPr>
+          </a:p>
+        </p:txBody>
+      </p:sp>
+      <p:sp>
+        <p:nvSpPr>
+          <p:cNvPr id="11" name="Rechteck 10"/>
+          <p:cNvSpPr/>
+          <p:nvPr/>
+        </p:nvSpPr>
+        <p:spPr>
+          <a:xfrm>
+            <a:off x="0" y="4572000"/>
+            <a:ext cx="168000" cy="2286000"/>
+          </a:xfrm>
+          <a:prstGeom prst="rect">
+            <a:avLst/>
+          </a:prstGeom>
+          <a:noFill/>
+          <a:ln>
+            <a:noFill/>
+          </a:ln>
+        </p:spPr>
+        <p:style>
+          <a:lnRef idx="2">
+            <a:schemeClr val="accent1">
+              <a:shade val="50000"/>
+            </a:schemeClr>
+          </a:lnRef>
+          <a:fillRef idx="1">
+            <a:schemeClr val="accent1"/>
+          </a:fillRef>
+          <a:effectRef idx="0">
+            <a:schemeClr val="accent1"/>
+          </a:effectRef>
+          <a:fontRef idx="minor">
+            <a:schemeClr val="lt1"/>
+          </a:fontRef>
+        </p:style>
+        <p:txBody>
+          <a:bodyPr rtlCol="0" anchor="ctr"/>
+          <a:lstStyle/>
+          <a:p>
+            <a:pPr algn="ctr"/>
+            <a:endParaRPr lang="de-DE" sz="1800">
+              <a:solidFill>
+                <a:srgbClr val="005B82"/>
+              </a:solidFill>
+            </a:endParaRPr>
+          </a:p>
+        </p:txBody>
+      </p:sp>
+      <p:sp>
+        <p:nvSpPr>
+          <p:cNvPr id="12" name="Rechteck 11"/>
+          <p:cNvSpPr/>
+          <p:nvPr/>
+        </p:nvSpPr>
+        <p:spPr>
+          <a:xfrm>
+            <a:off x="168000" y="4572000"/>
+            <a:ext cx="168000" cy="2286000"/>
+          </a:xfrm>
+          <a:prstGeom prst="rect">
+            <a:avLst/>
+          </a:prstGeom>
+          <a:solidFill>
+            <a:srgbClr val="9C9C9C"/>
+          </a:solidFill>
+          <a:ln>
+            <a:noFill/>
+          </a:ln>
+        </p:spPr>
+        <p:style>
+          <a:lnRef idx="2">
+            <a:schemeClr val="accent1">
+              <a:shade val="50000"/>
+            </a:schemeClr>
+          </a:lnRef>
+          <a:fillRef idx="1">
+            <a:schemeClr val="accent1"/>
+          </a:fillRef>
+          <a:effectRef idx="0">
+            <a:schemeClr val="accent1"/>
+          </a:effectRef>
+          <a:fontRef idx="minor">
+            <a:schemeClr val="lt1"/>
+          </a:fontRef>
+        </p:style>
+        <p:txBody>
+          <a:bodyPr rtlCol="0" anchor="ctr"/>
+          <a:lstStyle/>
+          <a:p>
+            <a:pPr algn="ctr"/>
+            <a:endParaRPr lang="de-DE" sz="1800">
+              <a:solidFill>
+                <a:srgbClr val="9C9C9C"/>
+              </a:solidFill>
+            </a:endParaRPr>
+          </a:p>
+        </p:txBody>
+      </p:sp>
+      <p:sp>
+        <p:nvSpPr>
+          <p:cNvPr id="13" name="Rechteck 12"/>
+          <p:cNvSpPr/>
+          <p:nvPr/>
+        </p:nvSpPr>
+        <p:spPr>
+          <a:xfrm rot="-5400000">
+            <a:off x="-1055721" y="5665703"/>
+            <a:ext cx="2276872" cy="107722"/>
+          </a:xfrm>
+          <a:prstGeom prst="rect">
+            <a:avLst/>
+          </a:prstGeom>
+        </p:spPr>
+        <p:txBody>
+          <a:bodyPr wrap="square" lIns="0" tIns="0" rIns="0" bIns="0">
+            <a:spAutoFit/>
+          </a:bodyPr>
+          <a:lstStyle/>
+          <a:p>
+            <a:pPr algn="ctr"/>
+            <a:r>
+              <a:rPr lang="de-DE" sz="700" dirty="0" smtClean="0">
+                <a:solidFill>
+                  <a:srgbClr val="515151"/>
+                </a:solidFill>
+                <a:latin typeface="Arial" pitchFamily="34" charset="0"/>
+                <a:cs typeface="Arial" pitchFamily="34" charset="0"/>
+              </a:rPr>
+              <a:t>Mitglied der Helmholtz-Gemeinschaft</a:t>
+            </a:r>
+            <a:endParaRPr lang="de-DE" sz="700" dirty="0">
+              <a:solidFill>
+                <a:srgbClr val="515151"/>
+              </a:solidFill>
+              <a:latin typeface="Arial" pitchFamily="34" charset="0"/>
+              <a:cs typeface="Arial" pitchFamily="34" charset="0"/>
+            </a:endParaRPr>
+          </a:p>
+        </p:txBody>
+      </p:sp>
     </p:spTree>
     <p:extLst>
       <p:ext uri="{BB962C8B-B14F-4D97-AF65-F5344CB8AC3E}">
-        <p14:creationId xmlns:p14="http://schemas.microsoft.com/office/powerpoint/2010/main" val="1646814981"/>
+        <p14:creationId xmlns:p14="http://schemas.microsoft.com/office/powerpoint/2010/main" val="2514933545"/>
       </p:ext>
     </p:extLst>
   </p:cSld>
   <p:clrMap bg1="lt1" tx1="dk1" bg2="lt2" tx2="dk2" accent1="accent1" accent2="accent2" accent3="accent3" accent4="accent4" accent5="accent5" accent6="accent6" hlink="hlink" folHlink="folHlink"/>
   <p:sldLayoutIdLst>
-    <p:sldLayoutId id="2147483649" r:id="rId1"/>
-    <p:sldLayoutId id="2147483650" r:id="rId2"/>
-    <p:sldLayoutId id="2147483651" r:id="rId3"/>
-    <p:sldLayoutId id="2147483652" r:id="rId4"/>
-    <p:sldLayoutId id="2147483653" r:id="rId5"/>
-    <p:sldLayoutId id="2147483654" r:id="rId6"/>
-    <p:sldLayoutId id="2147483655" r:id="rId7"/>
-    <p:sldLayoutId id="2147483656" r:id="rId8"/>
-    <p:sldLayoutId id="2147483657" r:id="rId9"/>
-    <p:sldLayoutId id="2147483658" r:id="rId10"/>
-    <p:sldLayoutId id="2147483659" r:id="rId11"/>
+    <p:sldLayoutId id="2147483661" r:id="rId1"/>
+    <p:sldLayoutId id="2147483662" r:id="rId2"/>
+    <p:sldLayoutId id="2147483663" r:id="rId3"/>
+    <p:sldLayoutId id="2147483664" r:id="rId4"/>
+    <p:sldLayoutId id="2147483665" r:id="rId5"/>
+    <p:sldLayoutId id="2147483666" r:id="rId6"/>
   </p:sldLayoutIdLst>
+  <p:timing>
+    <p:tnLst>
+      <p:par>
+        <p:cTn id="1" dur="indefinite" restart="never" nodeType="tmRoot"/>
+      </p:par>
+    </p:tnLst>
+  </p:timing>
   <p:txStyles>
     <p:titleStyle>
-      <a:lvl1pPr algn="l" defTabSz="914400" rtl="0" eaLnBrk="1" latinLnBrk="0" hangingPunct="1">
-        <a:lnSpc>
-          <a:spcPct val="90000"/>
-        </a:lnSpc>
+      <a:lvl1pPr algn="ctr" defTabSz="914400" rtl="0" eaLnBrk="1" latinLnBrk="0" hangingPunct="1">
         <a:spcBef>
           <a:spcPct val="0"/>
         </a:spcBef>
@@ -2694,15 +2688,27 @@
       </a:lvl1pPr>
     </p:titleStyle>
     <p:bodyStyle>
-      <a:lvl1pPr marL="228600" indent="-228600" algn="l" defTabSz="914400" rtl="0" eaLnBrk="1" latinLnBrk="0" hangingPunct="1">
-        <a:lnSpc>
-          <a:spcPct val="90000"/>
-        </a:lnSpc>
+      <a:lvl1pPr marL="342900" indent="-342900" algn="l" defTabSz="914400" rtl="0" eaLnBrk="1" latinLnBrk="0" hangingPunct="1">
         <a:spcBef>
-          <a:spcPts val="1000"/>
+          <a:spcPct val="20000"/>
         </a:spcBef>
-        <a:buFont typeface="Arial" panose="020B0604020202020204" pitchFamily="34" charset="0"/>
+        <a:buFont typeface="Arial" pitchFamily="34" charset="0"/>
         <a:buChar char="•"/>
+        <a:defRPr sz="3200" kern="1200">
+          <a:solidFill>
+            <a:schemeClr val="tx1"/>
+          </a:solidFill>
+          <a:latin typeface="+mn-lt"/>
+          <a:ea typeface="+mn-ea"/>
+          <a:cs typeface="+mn-cs"/>
+        </a:defRPr>
+      </a:lvl1pPr>
+      <a:lvl2pPr marL="742950" indent="-285750" algn="l" defTabSz="914400" rtl="0" eaLnBrk="1" latinLnBrk="0" hangingPunct="1">
+        <a:spcBef>
+          <a:spcPct val="20000"/>
+        </a:spcBef>
+        <a:buFont typeface="Arial" pitchFamily="34" charset="0"/>
+        <a:buChar char="–"/>
         <a:defRPr sz="2800" kern="1200">
           <a:solidFill>
             <a:schemeClr val="tx1"/>
@@ -2711,15 +2717,12 @@
           <a:ea typeface="+mn-ea"/>
           <a:cs typeface="+mn-cs"/>
         </a:defRPr>
-      </a:lvl1pPr>
-      <a:lvl2pPr marL="685800" indent="-228600" algn="l" defTabSz="914400" rtl="0" eaLnBrk="1" latinLnBrk="0" hangingPunct="1">
-        <a:lnSpc>
-          <a:spcPct val="90000"/>
-        </a:lnSpc>
+      </a:lvl2pPr>
+      <a:lvl3pPr marL="1143000" indent="-228600" algn="l" defTabSz="914400" rtl="0" eaLnBrk="1" latinLnBrk="0" hangingPunct="1">
         <a:spcBef>
-          <a:spcPts val="500"/>
+          <a:spcPct val="20000"/>
         </a:spcBef>
-        <a:buFont typeface="Arial" panose="020B0604020202020204" pitchFamily="34" charset="0"/>
+        <a:buFont typeface="Arial" pitchFamily="34" charset="0"/>
         <a:buChar char="•"/>
         <a:defRPr sz="2400" kern="1200">
           <a:solidFill>
@@ -2729,15 +2732,42 @@
           <a:ea typeface="+mn-ea"/>
           <a:cs typeface="+mn-cs"/>
         </a:defRPr>
-      </a:lvl2pPr>
-      <a:lvl3pPr marL="1143000" indent="-228600" algn="l" defTabSz="914400" rtl="0" eaLnBrk="1" latinLnBrk="0" hangingPunct="1">
-        <a:lnSpc>
-          <a:spcPct val="90000"/>
-        </a:lnSpc>
+      </a:lvl3pPr>
+      <a:lvl4pPr marL="1600200" indent="-228600" algn="l" defTabSz="914400" rtl="0" eaLnBrk="1" latinLnBrk="0" hangingPunct="1">
         <a:spcBef>
-          <a:spcPts val="500"/>
+          <a:spcPct val="20000"/>
         </a:spcBef>
-        <a:buFont typeface="Arial" panose="020B0604020202020204" pitchFamily="34" charset="0"/>
+        <a:buFont typeface="Arial" pitchFamily="34" charset="0"/>
+        <a:buChar char="–"/>
+        <a:defRPr sz="2000" kern="1200">
+          <a:solidFill>
+            <a:schemeClr val="tx1"/>
+          </a:solidFill>
+          <a:latin typeface="+mn-lt"/>
+          <a:ea typeface="+mn-ea"/>
+          <a:cs typeface="+mn-cs"/>
+        </a:defRPr>
+      </a:lvl4pPr>
+      <a:lvl5pPr marL="2057400" indent="-228600" algn="l" defTabSz="914400" rtl="0" eaLnBrk="1" latinLnBrk="0" hangingPunct="1">
+        <a:spcBef>
+          <a:spcPct val="20000"/>
+        </a:spcBef>
+        <a:buFont typeface="Arial" pitchFamily="34" charset="0"/>
+        <a:buChar char="»"/>
+        <a:defRPr sz="2000" kern="1200">
+          <a:solidFill>
+            <a:schemeClr val="tx1"/>
+          </a:solidFill>
+          <a:latin typeface="+mn-lt"/>
+          <a:ea typeface="+mn-ea"/>
+          <a:cs typeface="+mn-cs"/>
+        </a:defRPr>
+      </a:lvl5pPr>
+      <a:lvl6pPr marL="2514600" indent="-228600" algn="l" defTabSz="914400" rtl="0" eaLnBrk="1" latinLnBrk="0" hangingPunct="1">
+        <a:spcBef>
+          <a:spcPct val="20000"/>
+        </a:spcBef>
+        <a:buFont typeface="Arial" pitchFamily="34" charset="0"/>
         <a:buChar char="•"/>
         <a:defRPr sz="2000" kern="1200">
           <a:solidFill>
@@ -2747,71 +2777,14 @@
           <a:ea typeface="+mn-ea"/>
           <a:cs typeface="+mn-cs"/>
         </a:defRPr>
-      </a:lvl3pPr>
-      <a:lvl4pPr marL="1600200" indent="-228600" algn="l" defTabSz="914400" rtl="0" eaLnBrk="1" latinLnBrk="0" hangingPunct="1">
-        <a:lnSpc>
-          <a:spcPct val="90000"/>
-        </a:lnSpc>
-        <a:spcBef>
-          <a:spcPts val="500"/>
-        </a:spcBef>
-        <a:buFont typeface="Arial" panose="020B0604020202020204" pitchFamily="34" charset="0"/>
-        <a:buChar char="•"/>
-        <a:defRPr sz="1800" kern="1200">
-          <a:solidFill>
-            <a:schemeClr val="tx1"/>
-          </a:solidFill>
-          <a:latin typeface="+mn-lt"/>
-          <a:ea typeface="+mn-ea"/>
-          <a:cs typeface="+mn-cs"/>
-        </a:defRPr>
-      </a:lvl4pPr>
-      <a:lvl5pPr marL="2057400" indent="-228600" algn="l" defTabSz="914400" rtl="0" eaLnBrk="1" latinLnBrk="0" hangingPunct="1">
-        <a:lnSpc>
-          <a:spcPct val="90000"/>
-        </a:lnSpc>
-        <a:spcBef>
-          <a:spcPts val="500"/>
-        </a:spcBef>
-        <a:buFont typeface="Arial" panose="020B0604020202020204" pitchFamily="34" charset="0"/>
-        <a:buChar char="•"/>
-        <a:defRPr sz="1800" kern="1200">
-          <a:solidFill>
-            <a:schemeClr val="tx1"/>
-          </a:solidFill>
-          <a:latin typeface="+mn-lt"/>
-          <a:ea typeface="+mn-ea"/>
-          <a:cs typeface="+mn-cs"/>
-        </a:defRPr>
-      </a:lvl5pPr>
-      <a:lvl6pPr marL="2514600" indent="-228600" algn="l" defTabSz="914400" rtl="0" eaLnBrk="1" latinLnBrk="0" hangingPunct="1">
-        <a:lnSpc>
-          <a:spcPct val="90000"/>
-        </a:lnSpc>
-        <a:spcBef>
-          <a:spcPts val="500"/>
-        </a:spcBef>
-        <a:buFont typeface="Arial" panose="020B0604020202020204" pitchFamily="34" charset="0"/>
-        <a:buChar char="•"/>
-        <a:defRPr sz="1800" kern="1200">
-          <a:solidFill>
-            <a:schemeClr val="tx1"/>
-          </a:solidFill>
-          <a:latin typeface="+mn-lt"/>
-          <a:ea typeface="+mn-ea"/>
-          <a:cs typeface="+mn-cs"/>
-        </a:defRPr>
       </a:lvl6pPr>
       <a:lvl7pPr marL="2971800" indent="-228600" algn="l" defTabSz="914400" rtl="0" eaLnBrk="1" latinLnBrk="0" hangingPunct="1">
-        <a:lnSpc>
-          <a:spcPct val="90000"/>
-        </a:lnSpc>
         <a:spcBef>
-          <a:spcPts val="500"/>
+          <a:spcPct val="20000"/>
         </a:spcBef>
-        <a:buFont typeface="Arial" panose="020B0604020202020204" pitchFamily="34" charset="0"/>
+        <a:buFont typeface="Arial" pitchFamily="34" charset="0"/>
         <a:buChar char="•"/>
-        <a:defRPr sz="1800" kern="1200">
+        <a:defRPr sz="2000" kern="1200">
           <a:solidFill>
             <a:schemeClr val="tx1"/>
           </a:solidFill>
@@ -2821,15 +2794,12 @@
         </a:defRPr>
       </a:lvl7pPr>
       <a:lvl8pPr marL="3429000" indent="-228600" algn="l" defTabSz="914400" rtl="0" eaLnBrk="1" latinLnBrk="0" hangingPunct="1">
-        <a:lnSpc>
-          <a:spcPct val="90000"/>
-        </a:lnSpc>
         <a:spcBef>
-          <a:spcPts val="500"/>
+          <a:spcPct val="20000"/>
         </a:spcBef>
-        <a:buFont typeface="Arial" panose="020B0604020202020204" pitchFamily="34" charset="0"/>
+        <a:buFont typeface="Arial" pitchFamily="34" charset="0"/>
         <a:buChar char="•"/>
-        <a:defRPr sz="1800" kern="1200">
+        <a:defRPr sz="2000" kern="1200">
           <a:solidFill>
             <a:schemeClr val="tx1"/>
           </a:solidFill>
@@ -2839,15 +2809,12 @@
         </a:defRPr>
       </a:lvl8pPr>
       <a:lvl9pPr marL="3886200" indent="-228600" algn="l" defTabSz="914400" rtl="0" eaLnBrk="1" latinLnBrk="0" hangingPunct="1">
-        <a:lnSpc>
-          <a:spcPct val="90000"/>
-        </a:lnSpc>
         <a:spcBef>
-          <a:spcPts val="500"/>
+          <a:spcPct val="20000"/>
         </a:spcBef>
-        <a:buFont typeface="Arial" panose="020B0604020202020204" pitchFamily="34" charset="0"/>
+        <a:buFont typeface="Arial" pitchFamily="34" charset="0"/>
         <a:buChar char="•"/>
-        <a:defRPr sz="1800" kern="1200">
+        <a:defRPr sz="2000" kern="1200">
           <a:solidFill>
             <a:schemeClr val="tx1"/>
           </a:solidFill>
@@ -2980,10 +2947,15 @@
             <a:spLocks noGrp="1"/>
           </p:cNvSpPr>
           <p:nvPr>
-            <p:ph type="ctrTitle"/>
-          </p:nvPr>
-        </p:nvSpPr>
-        <p:spPr/>
+            <p:ph type="title"/>
+          </p:nvPr>
+        </p:nvSpPr>
+        <p:spPr>
+          <a:xfrm>
+            <a:off x="927883" y="2312876"/>
+            <a:ext cx="9678543" cy="792088"/>
+          </a:xfrm>
+        </p:spPr>
         <p:txBody>
           <a:bodyPr>
             <a:normAutofit fontScale="90000"/>
@@ -3037,12 +3009,12 @@
       </p:sp>
       <p:sp>
         <p:nvSpPr>
-          <p:cNvPr id="3" name="Untertitel 2"/>
-          <p:cNvSpPr>
-            <a:spLocks noGrp="1"/>
-          </p:cNvSpPr>
-          <p:nvPr>
-            <p:ph type="subTitle" idx="1"/>
+          <p:cNvPr id="4" name="Textplatzhalter 3"/>
+          <p:cNvSpPr>
+            <a:spLocks noGrp="1"/>
+          </p:cNvSpPr>
+          <p:nvPr>
+            <p:ph type="body" sz="quarter" idx="16"/>
           </p:nvPr>
         </p:nvSpPr>
         <p:spPr/>
@@ -3050,11 +3022,12 @@
           <a:bodyPr/>
           <a:lstStyle/>
           <a:p>
-            <a:pPr algn="l"/>
-            <a:r>
-              <a:rPr lang="de-DE" dirty="0" smtClean="0"/>
+            <a:r>
+              <a:rPr lang="de-DE" dirty="0"/>
               <a:t>Philipp Glock</a:t>
             </a:r>
+          </a:p>
+          <a:p>
             <a:endParaRPr lang="de-DE" dirty="0"/>
           </a:p>
         </p:txBody>
@@ -3362,7 +3335,7 @@
         </p:blipFill>
         <p:spPr>
           <a:xfrm>
-            <a:off x="7357177" y="1027906"/>
+            <a:off x="7348788" y="1825625"/>
             <a:ext cx="3647707" cy="2751388"/>
           </a:xfrm>
           <a:prstGeom prst="rect">
@@ -3520,7 +3493,7 @@
             </a:r>
             <a:r>
               <a:rPr lang="de-DE" dirty="0" err="1" smtClean="0"/>
-              <a:t>Ipython</a:t>
+              <a:t>IPython</a:t>
             </a:r>
             <a:endParaRPr lang="de-DE" dirty="0" smtClean="0"/>
           </a:p>
@@ -3581,8 +3554,8 @@
         </p:blipFill>
         <p:spPr>
           <a:xfrm>
-            <a:off x="5469286" y="1690688"/>
-            <a:ext cx="5884514" cy="2665568"/>
+            <a:off x="6667734" y="1825625"/>
+            <a:ext cx="5088735" cy="2305096"/>
           </a:xfrm>
           <a:prstGeom prst="rect">
             <a:avLst/>
@@ -4302,7 +4275,7 @@
         </p:blipFill>
         <p:spPr>
           <a:xfrm>
-            <a:off x="8244590" y="311758"/>
+            <a:off x="8051643" y="1825625"/>
             <a:ext cx="3654807" cy="2757860"/>
           </a:xfrm>
           <a:prstGeom prst="rect">
@@ -4809,8 +4782,8 @@
         </p:blipFill>
         <p:spPr>
           <a:xfrm>
-            <a:off x="7060222" y="2672458"/>
-            <a:ext cx="4293578" cy="3251941"/>
+            <a:off x="8125012" y="482931"/>
+            <a:ext cx="3992185" cy="3023667"/>
           </a:xfrm>
           <a:prstGeom prst="rect">
             <a:avLst/>
@@ -4891,7 +4864,12 @@
             <p:ph idx="1"/>
           </p:nvPr>
         </p:nvSpPr>
-        <p:spPr/>
+        <p:spPr>
+          <a:xfrm>
+            <a:off x="838200" y="1825625"/>
+            <a:ext cx="10515600" cy="4351338"/>
+          </a:xfrm>
+        </p:spPr>
         <p:txBody>
           <a:bodyPr/>
           <a:lstStyle/>
@@ -4916,12 +4894,8 @@
           </a:p>
           <a:p>
             <a:r>
-              <a:rPr lang="de-DE" dirty="0" err="1" smtClean="0"/>
-              <a:t>Svm</a:t>
-            </a:r>
-            <a:r>
-              <a:rPr lang="de-DE" dirty="0" smtClean="0"/>
-              <a:t> </a:t>
+              <a:rPr lang="de-DE" dirty="0" smtClean="0"/>
+              <a:t>SVM </a:t>
             </a:r>
             <a:r>
               <a:rPr lang="de-DE" dirty="0" err="1" smtClean="0"/>
@@ -5055,9 +5029,9 @@
 </file>
 
 <file path=ppt/theme/theme1.xml><?xml version="1.0" encoding="utf-8"?>
-<a:theme xmlns:a="http://schemas.openxmlformats.org/drawingml/2006/main" name="Office Theme">
+<a:theme xmlns:a="http://schemas.openxmlformats.org/drawingml/2006/main" name="Larissa">
   <a:themeElements>
-    <a:clrScheme name="Office">
+    <a:clrScheme name="Jülich">
       <a:dk1>
         <a:sysClr val="windowText" lastClr="000000"/>
       </a:dk1>
@@ -5065,52 +5039,52 @@
         <a:sysClr val="window" lastClr="FFFFFF"/>
       </a:lt1>
       <a:dk2>
-        <a:srgbClr val="44546A"/>
+        <a:srgbClr val="005B82"/>
       </a:dk2>
       <a:lt2>
-        <a:srgbClr val="E7E6E6"/>
+        <a:srgbClr val="EEECE1"/>
       </a:lt2>
       <a:accent1>
-        <a:srgbClr val="5B9BD5"/>
+        <a:srgbClr val="002060"/>
       </a:accent1>
       <a:accent2>
-        <a:srgbClr val="ED7D31"/>
+        <a:srgbClr val="00007F"/>
       </a:accent2>
       <a:accent3>
-        <a:srgbClr val="A5A5A5"/>
+        <a:srgbClr val="6565FF"/>
       </a:accent3>
       <a:accent4>
-        <a:srgbClr val="FFC000"/>
+        <a:srgbClr val="9999FF"/>
       </a:accent4>
       <a:accent5>
-        <a:srgbClr val="4472C4"/>
+        <a:srgbClr val="CBCBFF"/>
       </a:accent5>
       <a:accent6>
-        <a:srgbClr val="70AD47"/>
+        <a:srgbClr val="FFFFFF"/>
       </a:accent6>
       <a:hlink>
-        <a:srgbClr val="0563C1"/>
+        <a:srgbClr val="0000FF"/>
       </a:hlink>
       <a:folHlink>
-        <a:srgbClr val="954F72"/>
+        <a:srgbClr val="800080"/>
       </a:folHlink>
     </a:clrScheme>
-    <a:fontScheme name="Office">
+    <a:fontScheme name="Larissa Klassisch 2">
       <a:majorFont>
-        <a:latin typeface="Calibri Light" panose="020F0302020204030204"/>
+        <a:latin typeface="Arial"/>
         <a:ea typeface=""/>
         <a:cs typeface=""/>
         <a:font script="Jpan" typeface="ＭＳ Ｐゴシック"/>
-        <a:font script="Hang" typeface="맑은 고딕"/>
-        <a:font script="Hans" typeface="宋体"/>
-        <a:font script="Hant" typeface="新細明體"/>
-        <a:font script="Arab" typeface="Times New Roman"/>
-        <a:font script="Hebr" typeface="Times New Roman"/>
-        <a:font script="Thai" typeface="Angsana New"/>
+        <a:font script="Hang" typeface="굴림"/>
+        <a:font script="Hans" typeface="黑体"/>
+        <a:font script="Hant" typeface="微軟正黑體"/>
+        <a:font script="Arab" typeface="Arial"/>
+        <a:font script="Hebr" typeface="Arial"/>
+        <a:font script="Thai" typeface="Cordia New"/>
         <a:font script="Ethi" typeface="Nyala"/>
         <a:font script="Beng" typeface="Vrinda"/>
         <a:font script="Gujr" typeface="Shruti"/>
-        <a:font script="Khmr" typeface="MoolBoran"/>
+        <a:font script="Khmr" typeface="DaunPenh"/>
         <a:font script="Knda" typeface="Tunga"/>
         <a:font script="Guru" typeface="Raavi"/>
         <a:font script="Cans" typeface="Euphemia"/>
@@ -5127,18 +5101,18 @@
         <a:font script="Laoo" typeface="DokChampa"/>
         <a:font script="Sinh" typeface="Iskoola Pota"/>
         <a:font script="Mong" typeface="Mongolian Baiti"/>
-        <a:font script="Viet" typeface="Times New Roman"/>
+        <a:font script="Viet" typeface="Arial"/>
         <a:font script="Uigh" typeface="Microsoft Uighur"/>
         <a:font script="Geor" typeface="Sylfaen"/>
       </a:majorFont>
       <a:minorFont>
-        <a:latin typeface="Calibri" panose="020F0502020204030204"/>
+        <a:latin typeface="Arial"/>
         <a:ea typeface=""/>
         <a:cs typeface=""/>
         <a:font script="Jpan" typeface="ＭＳ Ｐゴシック"/>
-        <a:font script="Hang" typeface="맑은 고딕"/>
-        <a:font script="Hans" typeface="宋体"/>
-        <a:font script="Hant" typeface="新細明體"/>
+        <a:font script="Hang" typeface="굴림"/>
+        <a:font script="Hans" typeface="黑体"/>
+        <a:font script="Hant" typeface="微軟正黑體"/>
         <a:font script="Arab" typeface="Arial"/>
         <a:font script="Hebr" typeface="Arial"/>
         <a:font script="Thai" typeface="Cordia New"/>
@@ -5167,7 +5141,7 @@
         <a:font script="Geor" typeface="Sylfaen"/>
       </a:minorFont>
     </a:fontScheme>
-    <a:fmtScheme name="Office">
+    <a:fmtScheme name="Larissa">
       <a:fillStyleLst>
         <a:solidFill>
           <a:schemeClr val="phClr"/>
@@ -5176,141 +5150,165 @@
           <a:gsLst>
             <a:gs pos="0">
               <a:schemeClr val="phClr">
-                <a:lumMod val="110000"/>
-                <a:satMod val="105000"/>
-                <a:tint val="67000"/>
+                <a:tint val="50000"/>
+                <a:satMod val="300000"/>
               </a:schemeClr>
             </a:gs>
-            <a:gs pos="50000">
+            <a:gs pos="35000">
               <a:schemeClr val="phClr">
-                <a:lumMod val="105000"/>
-                <a:satMod val="103000"/>
-                <a:tint val="73000"/>
+                <a:tint val="37000"/>
+                <a:satMod val="300000"/>
               </a:schemeClr>
             </a:gs>
             <a:gs pos="100000">
               <a:schemeClr val="phClr">
-                <a:lumMod val="105000"/>
-                <a:satMod val="109000"/>
-                <a:tint val="81000"/>
+                <a:tint val="15000"/>
+                <a:satMod val="350000"/>
               </a:schemeClr>
             </a:gs>
           </a:gsLst>
-          <a:lin ang="5400000" scaled="0"/>
+          <a:lin ang="16200000" scaled="1"/>
         </a:gradFill>
         <a:gradFill rotWithShape="1">
           <a:gsLst>
             <a:gs pos="0">
               <a:schemeClr val="phClr">
-                <a:satMod val="103000"/>
-                <a:lumMod val="102000"/>
-                <a:tint val="94000"/>
+                <a:shade val="51000"/>
+                <a:satMod val="130000"/>
               </a:schemeClr>
             </a:gs>
-            <a:gs pos="50000">
+            <a:gs pos="80000">
               <a:schemeClr val="phClr">
-                <a:satMod val="110000"/>
-                <a:lumMod val="100000"/>
-                <a:shade val="100000"/>
+                <a:shade val="93000"/>
+                <a:satMod val="130000"/>
               </a:schemeClr>
             </a:gs>
             <a:gs pos="100000">
               <a:schemeClr val="phClr">
-                <a:lumMod val="99000"/>
-                <a:satMod val="120000"/>
-                <a:shade val="78000"/>
+                <a:shade val="94000"/>
+                <a:satMod val="135000"/>
               </a:schemeClr>
             </a:gs>
           </a:gsLst>
-          <a:lin ang="5400000" scaled="0"/>
+          <a:lin ang="16200000" scaled="0"/>
         </a:gradFill>
       </a:fillStyleLst>
       <a:lnStyleLst>
-        <a:ln w="6350" cap="flat" cmpd="sng" algn="ctr">
+        <a:ln w="9525" cap="flat" cmpd="sng" algn="ctr">
+          <a:solidFill>
+            <a:schemeClr val="phClr">
+              <a:shade val="95000"/>
+              <a:satMod val="105000"/>
+            </a:schemeClr>
+          </a:solidFill>
+          <a:prstDash val="solid"/>
+        </a:ln>
+        <a:ln w="25400" cap="flat" cmpd="sng" algn="ctr">
           <a:solidFill>
             <a:schemeClr val="phClr"/>
           </a:solidFill>
           <a:prstDash val="solid"/>
-          <a:miter lim="800000"/>
         </a:ln>
-        <a:ln w="12700" cap="flat" cmpd="sng" algn="ctr">
+        <a:ln w="38100" cap="flat" cmpd="sng" algn="ctr">
           <a:solidFill>
             <a:schemeClr val="phClr"/>
           </a:solidFill>
           <a:prstDash val="solid"/>
-          <a:miter lim="800000"/>
-        </a:ln>
-        <a:ln w="19050" cap="flat" cmpd="sng" algn="ctr">
-          <a:solidFill>
-            <a:schemeClr val="phClr"/>
-          </a:solidFill>
-          <a:prstDash val="solid"/>
-          <a:miter lim="800000"/>
         </a:ln>
       </a:lnStyleLst>
       <a:effectStyleLst>
         <a:effectStyle>
-          <a:effectLst/>
-        </a:effectStyle>
-        <a:effectStyle>
-          <a:effectLst/>
+          <a:effectLst>
+            <a:outerShdw blurRad="40000" dist="20000" dir="5400000" rotWithShape="0">
+              <a:srgbClr val="000000">
+                <a:alpha val="38000"/>
+              </a:srgbClr>
+            </a:outerShdw>
+          </a:effectLst>
         </a:effectStyle>
         <a:effectStyle>
           <a:effectLst>
-            <a:outerShdw blurRad="57150" dist="19050" dir="5400000" algn="ctr" rotWithShape="0">
+            <a:outerShdw blurRad="40000" dist="23000" dir="5400000" rotWithShape="0">
               <a:srgbClr val="000000">
-                <a:alpha val="63000"/>
+                <a:alpha val="35000"/>
               </a:srgbClr>
             </a:outerShdw>
           </a:effectLst>
+        </a:effectStyle>
+        <a:effectStyle>
+          <a:effectLst>
+            <a:outerShdw blurRad="40000" dist="23000" dir="5400000" rotWithShape="0">
+              <a:srgbClr val="000000">
+                <a:alpha val="35000"/>
+              </a:srgbClr>
+            </a:outerShdw>
+          </a:effectLst>
+          <a:scene3d>
+            <a:camera prst="orthographicFront">
+              <a:rot lat="0" lon="0" rev="0"/>
+            </a:camera>
+            <a:lightRig rig="threePt" dir="t">
+              <a:rot lat="0" lon="0" rev="1200000"/>
+            </a:lightRig>
+          </a:scene3d>
+          <a:sp3d>
+            <a:bevelT w="63500" h="25400"/>
+          </a:sp3d>
         </a:effectStyle>
       </a:effectStyleLst>
       <a:bgFillStyleLst>
         <a:solidFill>
           <a:schemeClr val="phClr"/>
         </a:solidFill>
-        <a:solidFill>
-          <a:schemeClr val="phClr">
-            <a:tint val="95000"/>
-            <a:satMod val="170000"/>
-          </a:schemeClr>
-        </a:solidFill>
         <a:gradFill rotWithShape="1">
           <a:gsLst>
             <a:gs pos="0">
               <a:schemeClr val="phClr">
-                <a:tint val="93000"/>
-                <a:satMod val="150000"/>
-                <a:shade val="98000"/>
-                <a:lumMod val="102000"/>
+                <a:tint val="40000"/>
+                <a:satMod val="350000"/>
               </a:schemeClr>
             </a:gs>
-            <a:gs pos="50000">
+            <a:gs pos="40000">
               <a:schemeClr val="phClr">
-                <a:tint val="98000"/>
-                <a:satMod val="130000"/>
-                <a:shade val="90000"/>
-                <a:lumMod val="103000"/>
+                <a:tint val="45000"/>
+                <a:shade val="99000"/>
+                <a:satMod val="350000"/>
               </a:schemeClr>
             </a:gs>
             <a:gs pos="100000">
               <a:schemeClr val="phClr">
-                <a:shade val="63000"/>
-                <a:satMod val="120000"/>
+                <a:shade val="20000"/>
+                <a:satMod val="255000"/>
               </a:schemeClr>
             </a:gs>
           </a:gsLst>
-          <a:lin ang="5400000" scaled="0"/>
+          <a:path path="circle">
+            <a:fillToRect l="50000" t="-80000" r="50000" b="180000"/>
+          </a:path>
+        </a:gradFill>
+        <a:gradFill rotWithShape="1">
+          <a:gsLst>
+            <a:gs pos="0">
+              <a:schemeClr val="phClr">
+                <a:tint val="80000"/>
+                <a:satMod val="300000"/>
+              </a:schemeClr>
+            </a:gs>
+            <a:gs pos="100000">
+              <a:schemeClr val="phClr">
+                <a:shade val="30000"/>
+                <a:satMod val="200000"/>
+              </a:schemeClr>
+            </a:gs>
+          </a:gsLst>
+          <a:path path="circle">
+            <a:fillToRect l="50000" t="50000" r="50000" b="50000"/>
+          </a:path>
         </a:gradFill>
       </a:bgFillStyleLst>
     </a:fmtScheme>
   </a:themeElements>
   <a:objectDefaults/>
   <a:extraClrSchemeLst/>
-  <a:extLst>
-    <a:ext uri="{05A4C25C-085E-4340-85A3-A5531E510DB2}">
-      <thm15:themeFamily xmlns:thm15="http://schemas.microsoft.com/office/thememl/2012/main" name="Office Theme" id="{62F939B6-93AF-4DB8-9C6B-D6C7DFDC589F}" vid="{4A3C46E8-61CC-4603-A589-7422A47A8E4A}"/>
-    </a:ext>
-  </a:extLst>
 </a:theme>
 </file>
--- a/Presentation/Internship.pptx
+++ b/Presentation/Internship.pptx
@@ -4,6 +4,9 @@
   <p:sldMasterIdLst>
     <p:sldMasterId id="2147483660" r:id="rId1"/>
   </p:sldMasterIdLst>
+  <p:notesMasterIdLst>
+    <p:notesMasterId r:id="rId12"/>
+  </p:notesMasterIdLst>
   <p:sldIdLst>
     <p:sldId id="256" r:id="rId2"/>
     <p:sldId id="257" r:id="rId3"/>
@@ -121,6 +124,1277 @@
 </p:presentation>
 </file>
 
+<file path=ppt/notesMasters/notesMaster1.xml><?xml version="1.0" encoding="utf-8"?>
+<p:notesMaster xmlns:a="http://schemas.openxmlformats.org/drawingml/2006/main" xmlns:r="http://schemas.openxmlformats.org/officeDocument/2006/relationships" xmlns:p="http://schemas.openxmlformats.org/presentationml/2006/main">
+  <p:cSld>
+    <p:bg>
+      <p:bgRef idx="1001">
+        <a:schemeClr val="bg1"/>
+      </p:bgRef>
+    </p:bg>
+    <p:spTree>
+      <p:nvGrpSpPr>
+        <p:cNvPr id="1" name=""/>
+        <p:cNvGrpSpPr/>
+        <p:nvPr/>
+      </p:nvGrpSpPr>
+      <p:grpSpPr>
+        <a:xfrm>
+          <a:off x="0" y="0"/>
+          <a:ext cx="0" cy="0"/>
+          <a:chOff x="0" y="0"/>
+          <a:chExt cx="0" cy="0"/>
+        </a:xfrm>
+      </p:grpSpPr>
+      <p:sp>
+        <p:nvSpPr>
+          <p:cNvPr id="2" name="Kopfzeilenplatzhalter 1"/>
+          <p:cNvSpPr>
+            <a:spLocks noGrp="1"/>
+          </p:cNvSpPr>
+          <p:nvPr>
+            <p:ph type="hdr" sz="quarter"/>
+          </p:nvPr>
+        </p:nvSpPr>
+        <p:spPr>
+          <a:xfrm>
+            <a:off x="0" y="0"/>
+            <a:ext cx="2971800" cy="458788"/>
+          </a:xfrm>
+          <a:prstGeom prst="rect">
+            <a:avLst/>
+          </a:prstGeom>
+        </p:spPr>
+        <p:txBody>
+          <a:bodyPr vert="horz" lIns="91440" tIns="45720" rIns="91440" bIns="45720" rtlCol="0"/>
+          <a:lstStyle>
+            <a:lvl1pPr algn="l">
+              <a:defRPr sz="1200"/>
+            </a:lvl1pPr>
+          </a:lstStyle>
+          <a:p>
+            <a:endParaRPr lang="de-DE"/>
+          </a:p>
+        </p:txBody>
+      </p:sp>
+      <p:sp>
+        <p:nvSpPr>
+          <p:cNvPr id="3" name="Datumsplatzhalter 2"/>
+          <p:cNvSpPr>
+            <a:spLocks noGrp="1"/>
+          </p:cNvSpPr>
+          <p:nvPr>
+            <p:ph type="dt" idx="1"/>
+          </p:nvPr>
+        </p:nvSpPr>
+        <p:spPr>
+          <a:xfrm>
+            <a:off x="3884613" y="0"/>
+            <a:ext cx="2971800" cy="458788"/>
+          </a:xfrm>
+          <a:prstGeom prst="rect">
+            <a:avLst/>
+          </a:prstGeom>
+        </p:spPr>
+        <p:txBody>
+          <a:bodyPr vert="horz" lIns="91440" tIns="45720" rIns="91440" bIns="45720" rtlCol="0"/>
+          <a:lstStyle>
+            <a:lvl1pPr algn="r">
+              <a:defRPr sz="1200"/>
+            </a:lvl1pPr>
+          </a:lstStyle>
+          <a:p>
+            <a:fld id="{DDA5525C-CF2D-48EE-9526-EF2656364FD0}" type="datetimeFigureOut">
+              <a:rPr lang="de-DE" smtClean="0"/>
+              <a:t>02.02.2015</a:t>
+            </a:fld>
+            <a:endParaRPr lang="de-DE"/>
+          </a:p>
+        </p:txBody>
+      </p:sp>
+      <p:sp>
+        <p:nvSpPr>
+          <p:cNvPr id="4" name="Folienbildplatzhalter 3"/>
+          <p:cNvSpPr>
+            <a:spLocks noGrp="1" noRot="1" noChangeAspect="1"/>
+          </p:cNvSpPr>
+          <p:nvPr>
+            <p:ph type="sldImg" idx="2"/>
+          </p:nvPr>
+        </p:nvSpPr>
+        <p:spPr>
+          <a:xfrm>
+            <a:off x="685800" y="1143000"/>
+            <a:ext cx="5486400" cy="3086100"/>
+          </a:xfrm>
+          <a:prstGeom prst="rect">
+            <a:avLst/>
+          </a:prstGeom>
+          <a:noFill/>
+          <a:ln w="12700">
+            <a:solidFill>
+              <a:prstClr val="black"/>
+            </a:solidFill>
+          </a:ln>
+        </p:spPr>
+        <p:txBody>
+          <a:bodyPr vert="horz" lIns="91440" tIns="45720" rIns="91440" bIns="45720" rtlCol="0" anchor="ctr"/>
+          <a:lstStyle/>
+          <a:p>
+            <a:endParaRPr lang="de-DE"/>
+          </a:p>
+        </p:txBody>
+      </p:sp>
+      <p:sp>
+        <p:nvSpPr>
+          <p:cNvPr id="5" name="Notizenplatzhalter 4"/>
+          <p:cNvSpPr>
+            <a:spLocks noGrp="1"/>
+          </p:cNvSpPr>
+          <p:nvPr>
+            <p:ph type="body" sz="quarter" idx="3"/>
+          </p:nvPr>
+        </p:nvSpPr>
+        <p:spPr>
+          <a:xfrm>
+            <a:off x="685800" y="4400550"/>
+            <a:ext cx="5486400" cy="3600450"/>
+          </a:xfrm>
+          <a:prstGeom prst="rect">
+            <a:avLst/>
+          </a:prstGeom>
+        </p:spPr>
+        <p:txBody>
+          <a:bodyPr vert="horz" lIns="91440" tIns="45720" rIns="91440" bIns="45720" rtlCol="0"/>
+          <a:lstStyle/>
+          <a:p>
+            <a:pPr lvl="0"/>
+            <a:r>
+              <a:rPr lang="de-DE" smtClean="0"/>
+              <a:t>Textmasterformat bearbeiten</a:t>
+            </a:r>
+          </a:p>
+          <a:p>
+            <a:pPr lvl="1"/>
+            <a:r>
+              <a:rPr lang="de-DE" smtClean="0"/>
+              <a:t>Zweite Ebene</a:t>
+            </a:r>
+          </a:p>
+          <a:p>
+            <a:pPr lvl="2"/>
+            <a:r>
+              <a:rPr lang="de-DE" smtClean="0"/>
+              <a:t>Dritte Ebene</a:t>
+            </a:r>
+          </a:p>
+          <a:p>
+            <a:pPr lvl="3"/>
+            <a:r>
+              <a:rPr lang="de-DE" smtClean="0"/>
+              <a:t>Vierte Ebene</a:t>
+            </a:r>
+          </a:p>
+          <a:p>
+            <a:pPr lvl="4"/>
+            <a:r>
+              <a:rPr lang="de-DE" smtClean="0"/>
+              <a:t>Fünfte Ebene</a:t>
+            </a:r>
+            <a:endParaRPr lang="de-DE"/>
+          </a:p>
+        </p:txBody>
+      </p:sp>
+      <p:sp>
+        <p:nvSpPr>
+          <p:cNvPr id="6" name="Fußzeilenplatzhalter 5"/>
+          <p:cNvSpPr>
+            <a:spLocks noGrp="1"/>
+          </p:cNvSpPr>
+          <p:nvPr>
+            <p:ph type="ftr" sz="quarter" idx="4"/>
+          </p:nvPr>
+        </p:nvSpPr>
+        <p:spPr>
+          <a:xfrm>
+            <a:off x="0" y="8685213"/>
+            <a:ext cx="2971800" cy="458787"/>
+          </a:xfrm>
+          <a:prstGeom prst="rect">
+            <a:avLst/>
+          </a:prstGeom>
+        </p:spPr>
+        <p:txBody>
+          <a:bodyPr vert="horz" lIns="91440" tIns="45720" rIns="91440" bIns="45720" rtlCol="0" anchor="b"/>
+          <a:lstStyle>
+            <a:lvl1pPr algn="l">
+              <a:defRPr sz="1200"/>
+            </a:lvl1pPr>
+          </a:lstStyle>
+          <a:p>
+            <a:endParaRPr lang="de-DE"/>
+          </a:p>
+        </p:txBody>
+      </p:sp>
+      <p:sp>
+        <p:nvSpPr>
+          <p:cNvPr id="7" name="Foliennummernplatzhalter 6"/>
+          <p:cNvSpPr>
+            <a:spLocks noGrp="1"/>
+          </p:cNvSpPr>
+          <p:nvPr>
+            <p:ph type="sldNum" sz="quarter" idx="5"/>
+          </p:nvPr>
+        </p:nvSpPr>
+        <p:spPr>
+          <a:xfrm>
+            <a:off x="3884613" y="8685213"/>
+            <a:ext cx="2971800" cy="458787"/>
+          </a:xfrm>
+          <a:prstGeom prst="rect">
+            <a:avLst/>
+          </a:prstGeom>
+        </p:spPr>
+        <p:txBody>
+          <a:bodyPr vert="horz" lIns="91440" tIns="45720" rIns="91440" bIns="45720" rtlCol="0" anchor="b"/>
+          <a:lstStyle>
+            <a:lvl1pPr algn="r">
+              <a:defRPr sz="1200"/>
+            </a:lvl1pPr>
+          </a:lstStyle>
+          <a:p>
+            <a:fld id="{CFADB5C3-842F-40F0-8673-B85794DFD183}" type="slidenum">
+              <a:rPr lang="de-DE" smtClean="0"/>
+              <a:t>‹Nr.›</a:t>
+            </a:fld>
+            <a:endParaRPr lang="de-DE"/>
+          </a:p>
+        </p:txBody>
+      </p:sp>
+    </p:spTree>
+    <p:extLst>
+      <p:ext uri="{BB962C8B-B14F-4D97-AF65-F5344CB8AC3E}">
+        <p14:creationId xmlns:p14="http://schemas.microsoft.com/office/powerpoint/2010/main" val="2809531479"/>
+      </p:ext>
+    </p:extLst>
+  </p:cSld>
+  <p:clrMap bg1="lt1" tx1="dk1" bg2="lt2" tx2="dk2" accent1="accent1" accent2="accent2" accent3="accent3" accent4="accent4" accent5="accent5" accent6="accent6" hlink="hlink" folHlink="folHlink"/>
+  <p:notesStyle>
+    <a:lvl1pPr marL="0" algn="l" defTabSz="914400" rtl="0" eaLnBrk="1" latinLnBrk="0" hangingPunct="1">
+      <a:defRPr sz="1200" kern="1200">
+        <a:solidFill>
+          <a:schemeClr val="tx1"/>
+        </a:solidFill>
+        <a:latin typeface="+mn-lt"/>
+        <a:ea typeface="+mn-ea"/>
+        <a:cs typeface="+mn-cs"/>
+      </a:defRPr>
+    </a:lvl1pPr>
+    <a:lvl2pPr marL="457200" algn="l" defTabSz="914400" rtl="0" eaLnBrk="1" latinLnBrk="0" hangingPunct="1">
+      <a:defRPr sz="1200" kern="1200">
+        <a:solidFill>
+          <a:schemeClr val="tx1"/>
+        </a:solidFill>
+        <a:latin typeface="+mn-lt"/>
+        <a:ea typeface="+mn-ea"/>
+        <a:cs typeface="+mn-cs"/>
+      </a:defRPr>
+    </a:lvl2pPr>
+    <a:lvl3pPr marL="914400" algn="l" defTabSz="914400" rtl="0" eaLnBrk="1" latinLnBrk="0" hangingPunct="1">
+      <a:defRPr sz="1200" kern="1200">
+        <a:solidFill>
+          <a:schemeClr val="tx1"/>
+        </a:solidFill>
+        <a:latin typeface="+mn-lt"/>
+        <a:ea typeface="+mn-ea"/>
+        <a:cs typeface="+mn-cs"/>
+      </a:defRPr>
+    </a:lvl3pPr>
+    <a:lvl4pPr marL="1371600" algn="l" defTabSz="914400" rtl="0" eaLnBrk="1" latinLnBrk="0" hangingPunct="1">
+      <a:defRPr sz="1200" kern="1200">
+        <a:solidFill>
+          <a:schemeClr val="tx1"/>
+        </a:solidFill>
+        <a:latin typeface="+mn-lt"/>
+        <a:ea typeface="+mn-ea"/>
+        <a:cs typeface="+mn-cs"/>
+      </a:defRPr>
+    </a:lvl4pPr>
+    <a:lvl5pPr marL="1828800" algn="l" defTabSz="914400" rtl="0" eaLnBrk="1" latinLnBrk="0" hangingPunct="1">
+      <a:defRPr sz="1200" kern="1200">
+        <a:solidFill>
+          <a:schemeClr val="tx1"/>
+        </a:solidFill>
+        <a:latin typeface="+mn-lt"/>
+        <a:ea typeface="+mn-ea"/>
+        <a:cs typeface="+mn-cs"/>
+      </a:defRPr>
+    </a:lvl5pPr>
+    <a:lvl6pPr marL="2286000" algn="l" defTabSz="914400" rtl="0" eaLnBrk="1" latinLnBrk="0" hangingPunct="1">
+      <a:defRPr sz="1200" kern="1200">
+        <a:solidFill>
+          <a:schemeClr val="tx1"/>
+        </a:solidFill>
+        <a:latin typeface="+mn-lt"/>
+        <a:ea typeface="+mn-ea"/>
+        <a:cs typeface="+mn-cs"/>
+      </a:defRPr>
+    </a:lvl6pPr>
+    <a:lvl7pPr marL="2743200" algn="l" defTabSz="914400" rtl="0" eaLnBrk="1" latinLnBrk="0" hangingPunct="1">
+      <a:defRPr sz="1200" kern="1200">
+        <a:solidFill>
+          <a:schemeClr val="tx1"/>
+        </a:solidFill>
+        <a:latin typeface="+mn-lt"/>
+        <a:ea typeface="+mn-ea"/>
+        <a:cs typeface="+mn-cs"/>
+      </a:defRPr>
+    </a:lvl7pPr>
+    <a:lvl8pPr marL="3200400" algn="l" defTabSz="914400" rtl="0" eaLnBrk="1" latinLnBrk="0" hangingPunct="1">
+      <a:defRPr sz="1200" kern="1200">
+        <a:solidFill>
+          <a:schemeClr val="tx1"/>
+        </a:solidFill>
+        <a:latin typeface="+mn-lt"/>
+        <a:ea typeface="+mn-ea"/>
+        <a:cs typeface="+mn-cs"/>
+      </a:defRPr>
+    </a:lvl8pPr>
+    <a:lvl9pPr marL="3657600" algn="l" defTabSz="914400" rtl="0" eaLnBrk="1" latinLnBrk="0" hangingPunct="1">
+      <a:defRPr sz="1200" kern="1200">
+        <a:solidFill>
+          <a:schemeClr val="tx1"/>
+        </a:solidFill>
+        <a:latin typeface="+mn-lt"/>
+        <a:ea typeface="+mn-ea"/>
+        <a:cs typeface="+mn-cs"/>
+      </a:defRPr>
+    </a:lvl9pPr>
+  </p:notesStyle>
+</p:notesMaster>
+</file>
+
+<file path=ppt/notesSlides/notesSlide1.xml><?xml version="1.0" encoding="utf-8"?>
+<p:notes xmlns:a="http://schemas.openxmlformats.org/drawingml/2006/main" xmlns:r="http://schemas.openxmlformats.org/officeDocument/2006/relationships" xmlns:p="http://schemas.openxmlformats.org/presentationml/2006/main">
+  <p:cSld>
+    <p:spTree>
+      <p:nvGrpSpPr>
+        <p:cNvPr id="1" name=""/>
+        <p:cNvGrpSpPr/>
+        <p:nvPr/>
+      </p:nvGrpSpPr>
+      <p:grpSpPr>
+        <a:xfrm>
+          <a:off x="0" y="0"/>
+          <a:ext cx="0" cy="0"/>
+          <a:chOff x="0" y="0"/>
+          <a:chExt cx="0" cy="0"/>
+        </a:xfrm>
+      </p:grpSpPr>
+      <p:sp>
+        <p:nvSpPr>
+          <p:cNvPr id="2" name="Folienbildplatzhalter 1"/>
+          <p:cNvSpPr>
+            <a:spLocks noGrp="1" noRot="1" noChangeAspect="1"/>
+          </p:cNvSpPr>
+          <p:nvPr>
+            <p:ph type="sldImg"/>
+          </p:nvPr>
+        </p:nvSpPr>
+        <p:spPr/>
+      </p:sp>
+      <p:sp>
+        <p:nvSpPr>
+          <p:cNvPr id="3" name="Notizenplatzhalter 2"/>
+          <p:cNvSpPr>
+            <a:spLocks noGrp="1"/>
+          </p:cNvSpPr>
+          <p:nvPr>
+            <p:ph type="body" idx="1"/>
+          </p:nvPr>
+        </p:nvSpPr>
+        <p:spPr/>
+        <p:txBody>
+          <a:bodyPr/>
+          <a:lstStyle/>
+          <a:p>
+            <a:r>
+              <a:rPr lang="de-DE" dirty="0" err="1" smtClean="0"/>
+              <a:t>Simulate</a:t>
+            </a:r>
+            <a:r>
+              <a:rPr lang="de-DE" dirty="0" smtClean="0"/>
+              <a:t> human</a:t>
+            </a:r>
+            <a:r>
+              <a:rPr lang="de-DE" baseline="0" dirty="0" smtClean="0"/>
+              <a:t> </a:t>
+            </a:r>
+            <a:r>
+              <a:rPr lang="de-DE" baseline="0" dirty="0" err="1" smtClean="0"/>
+              <a:t>brain</a:t>
+            </a:r>
+            <a:r>
+              <a:rPr lang="de-DE" baseline="0" dirty="0" smtClean="0"/>
+              <a:t> </a:t>
+            </a:r>
+            <a:r>
+              <a:rPr lang="de-DE" baseline="0" dirty="0" err="1" smtClean="0"/>
+              <a:t>to</a:t>
+            </a:r>
+            <a:r>
+              <a:rPr lang="de-DE" baseline="0" dirty="0" smtClean="0"/>
+              <a:t> </a:t>
+            </a:r>
+            <a:r>
+              <a:rPr lang="de-DE" baseline="0" dirty="0" err="1" smtClean="0"/>
+              <a:t>understand</a:t>
+            </a:r>
+            <a:r>
+              <a:rPr lang="de-DE" baseline="0" dirty="0" smtClean="0"/>
+              <a:t> it. </a:t>
+            </a:r>
+            <a:r>
+              <a:rPr lang="de-DE" baseline="0" dirty="0" err="1" smtClean="0"/>
+              <a:t>For</a:t>
+            </a:r>
+            <a:r>
+              <a:rPr lang="de-DE" baseline="0" dirty="0" smtClean="0"/>
+              <a:t> </a:t>
+            </a:r>
+            <a:r>
+              <a:rPr lang="de-DE" baseline="0" dirty="0" err="1" smtClean="0"/>
+              <a:t>medical</a:t>
+            </a:r>
+            <a:r>
+              <a:rPr lang="de-DE" baseline="0" dirty="0" smtClean="0"/>
+              <a:t> </a:t>
+            </a:r>
+            <a:r>
+              <a:rPr lang="de-DE" baseline="0" dirty="0" err="1" smtClean="0"/>
+              <a:t>purposes</a:t>
+            </a:r>
+            <a:r>
+              <a:rPr lang="de-DE" baseline="0" dirty="0" smtClean="0"/>
+              <a:t> </a:t>
+            </a:r>
+            <a:r>
+              <a:rPr lang="de-DE" baseline="0" dirty="0" err="1" smtClean="0"/>
+              <a:t>and</a:t>
+            </a:r>
+            <a:r>
+              <a:rPr lang="de-DE" baseline="0" dirty="0" smtClean="0"/>
+              <a:t> </a:t>
+            </a:r>
+            <a:r>
+              <a:rPr lang="de-DE" baseline="0" dirty="0" err="1" smtClean="0"/>
+              <a:t>technical</a:t>
+            </a:r>
+            <a:r>
+              <a:rPr lang="de-DE" baseline="0" dirty="0" smtClean="0"/>
+              <a:t> </a:t>
+            </a:r>
+            <a:r>
+              <a:rPr lang="de-DE" baseline="0" dirty="0" err="1" smtClean="0"/>
+              <a:t>ones</a:t>
+            </a:r>
+            <a:r>
+              <a:rPr lang="de-DE" baseline="0" dirty="0" smtClean="0"/>
+              <a:t>.</a:t>
+            </a:r>
+            <a:endParaRPr lang="de-DE" dirty="0"/>
+          </a:p>
+        </p:txBody>
+      </p:sp>
+      <p:sp>
+        <p:nvSpPr>
+          <p:cNvPr id="4" name="Foliennummernplatzhalter 3"/>
+          <p:cNvSpPr>
+            <a:spLocks noGrp="1"/>
+          </p:cNvSpPr>
+          <p:nvPr>
+            <p:ph type="sldNum" sz="quarter" idx="10"/>
+          </p:nvPr>
+        </p:nvSpPr>
+        <p:spPr/>
+        <p:txBody>
+          <a:bodyPr/>
+          <a:lstStyle/>
+          <a:p>
+            <a:fld id="{CFADB5C3-842F-40F0-8673-B85794DFD183}" type="slidenum">
+              <a:rPr lang="de-DE" smtClean="0"/>
+              <a:t>2</a:t>
+            </a:fld>
+            <a:endParaRPr lang="de-DE"/>
+          </a:p>
+        </p:txBody>
+      </p:sp>
+    </p:spTree>
+    <p:extLst>
+      <p:ext uri="{BB962C8B-B14F-4D97-AF65-F5344CB8AC3E}">
+        <p14:creationId xmlns:p14="http://schemas.microsoft.com/office/powerpoint/2010/main" val="1836030196"/>
+      </p:ext>
+    </p:extLst>
+  </p:cSld>
+  <p:clrMapOvr>
+    <a:masterClrMapping/>
+  </p:clrMapOvr>
+</p:notes>
+</file>
+
+<file path=ppt/notesSlides/notesSlide2.xml><?xml version="1.0" encoding="utf-8"?>
+<p:notes xmlns:a="http://schemas.openxmlformats.org/drawingml/2006/main" xmlns:r="http://schemas.openxmlformats.org/officeDocument/2006/relationships" xmlns:p="http://schemas.openxmlformats.org/presentationml/2006/main">
+  <p:cSld>
+    <p:spTree>
+      <p:nvGrpSpPr>
+        <p:cNvPr id="1" name=""/>
+        <p:cNvGrpSpPr/>
+        <p:nvPr/>
+      </p:nvGrpSpPr>
+      <p:grpSpPr>
+        <a:xfrm>
+          <a:off x="0" y="0"/>
+          <a:ext cx="0" cy="0"/>
+          <a:chOff x="0" y="0"/>
+          <a:chExt cx="0" cy="0"/>
+        </a:xfrm>
+      </p:grpSpPr>
+      <p:sp>
+        <p:nvSpPr>
+          <p:cNvPr id="2" name="Folienbildplatzhalter 1"/>
+          <p:cNvSpPr>
+            <a:spLocks noGrp="1" noRot="1" noChangeAspect="1"/>
+          </p:cNvSpPr>
+          <p:nvPr>
+            <p:ph type="sldImg"/>
+          </p:nvPr>
+        </p:nvSpPr>
+        <p:spPr/>
+      </p:sp>
+      <p:sp>
+        <p:nvSpPr>
+          <p:cNvPr id="3" name="Notizenplatzhalter 2"/>
+          <p:cNvSpPr>
+            <a:spLocks noGrp="1"/>
+          </p:cNvSpPr>
+          <p:nvPr>
+            <p:ph type="body" idx="1"/>
+          </p:nvPr>
+        </p:nvSpPr>
+        <p:spPr/>
+        <p:txBody>
+          <a:bodyPr/>
+          <a:lstStyle/>
+          <a:p>
+            <a:r>
+              <a:rPr lang="de-DE" dirty="0" err="1" smtClean="0"/>
+              <a:t>Get</a:t>
+            </a:r>
+            <a:r>
+              <a:rPr lang="de-DE" dirty="0" smtClean="0"/>
+              <a:t> </a:t>
+            </a:r>
+            <a:r>
+              <a:rPr lang="de-DE" dirty="0" err="1" smtClean="0"/>
+              <a:t>python</a:t>
+            </a:r>
+            <a:r>
+              <a:rPr lang="de-DE" dirty="0" smtClean="0"/>
+              <a:t>, </a:t>
+            </a:r>
+            <a:r>
+              <a:rPr lang="de-DE" dirty="0" err="1" smtClean="0"/>
+              <a:t>ipython</a:t>
+            </a:r>
+            <a:r>
+              <a:rPr lang="de-DE" dirty="0" smtClean="0"/>
+              <a:t> </a:t>
+            </a:r>
+            <a:r>
+              <a:rPr lang="de-DE" dirty="0" err="1" smtClean="0"/>
+              <a:t>running</a:t>
+            </a:r>
+            <a:r>
+              <a:rPr lang="de-DE" dirty="0" smtClean="0"/>
+              <a:t> on </a:t>
+            </a:r>
+            <a:r>
+              <a:rPr lang="de-DE" dirty="0" err="1" smtClean="0"/>
+              <a:t>Judge</a:t>
+            </a:r>
+            <a:r>
+              <a:rPr lang="de-DE" dirty="0" smtClean="0"/>
+              <a:t>.</a:t>
+            </a:r>
+            <a:r>
+              <a:rPr lang="de-DE" baseline="0" dirty="0" smtClean="0"/>
+              <a:t> </a:t>
+            </a:r>
+            <a:r>
+              <a:rPr lang="de-DE" baseline="0" dirty="0" err="1" smtClean="0"/>
+              <a:t>Getting</a:t>
+            </a:r>
+            <a:r>
+              <a:rPr lang="de-DE" baseline="0" dirty="0" smtClean="0"/>
+              <a:t> </a:t>
+            </a:r>
+            <a:r>
+              <a:rPr lang="de-DE" baseline="0" dirty="0" err="1" smtClean="0"/>
+              <a:t>aquainted</a:t>
+            </a:r>
+            <a:endParaRPr lang="de-DE" dirty="0"/>
+          </a:p>
+        </p:txBody>
+      </p:sp>
+      <p:sp>
+        <p:nvSpPr>
+          <p:cNvPr id="4" name="Foliennummernplatzhalter 3"/>
+          <p:cNvSpPr>
+            <a:spLocks noGrp="1"/>
+          </p:cNvSpPr>
+          <p:nvPr>
+            <p:ph type="sldNum" sz="quarter" idx="10"/>
+          </p:nvPr>
+        </p:nvSpPr>
+        <p:spPr/>
+        <p:txBody>
+          <a:bodyPr/>
+          <a:lstStyle/>
+          <a:p>
+            <a:fld id="{CFADB5C3-842F-40F0-8673-B85794DFD183}" type="slidenum">
+              <a:rPr lang="de-DE" smtClean="0"/>
+              <a:t>3</a:t>
+            </a:fld>
+            <a:endParaRPr lang="de-DE"/>
+          </a:p>
+        </p:txBody>
+      </p:sp>
+    </p:spTree>
+    <p:extLst>
+      <p:ext uri="{BB962C8B-B14F-4D97-AF65-F5344CB8AC3E}">
+        <p14:creationId xmlns:p14="http://schemas.microsoft.com/office/powerpoint/2010/main" val="1217902796"/>
+      </p:ext>
+    </p:extLst>
+  </p:cSld>
+  <p:clrMapOvr>
+    <a:masterClrMapping/>
+  </p:clrMapOvr>
+</p:notes>
+</file>
+
+<file path=ppt/notesSlides/notesSlide3.xml><?xml version="1.0" encoding="utf-8"?>
+<p:notes xmlns:a="http://schemas.openxmlformats.org/drawingml/2006/main" xmlns:r="http://schemas.openxmlformats.org/officeDocument/2006/relationships" xmlns:p="http://schemas.openxmlformats.org/presentationml/2006/main">
+  <p:cSld>
+    <p:spTree>
+      <p:nvGrpSpPr>
+        <p:cNvPr id="1" name=""/>
+        <p:cNvGrpSpPr/>
+        <p:nvPr/>
+      </p:nvGrpSpPr>
+      <p:grpSpPr>
+        <a:xfrm>
+          <a:off x="0" y="0"/>
+          <a:ext cx="0" cy="0"/>
+          <a:chOff x="0" y="0"/>
+          <a:chExt cx="0" cy="0"/>
+        </a:xfrm>
+      </p:grpSpPr>
+      <p:sp>
+        <p:nvSpPr>
+          <p:cNvPr id="2" name="Folienbildplatzhalter 1"/>
+          <p:cNvSpPr>
+            <a:spLocks noGrp="1" noRot="1" noChangeAspect="1"/>
+          </p:cNvSpPr>
+          <p:nvPr>
+            <p:ph type="sldImg"/>
+          </p:nvPr>
+        </p:nvSpPr>
+        <p:spPr/>
+      </p:sp>
+      <p:sp>
+        <p:nvSpPr>
+          <p:cNvPr id="3" name="Notizenplatzhalter 2"/>
+          <p:cNvSpPr>
+            <a:spLocks noGrp="1"/>
+          </p:cNvSpPr>
+          <p:nvPr>
+            <p:ph type="body" idx="1"/>
+          </p:nvPr>
+        </p:nvSpPr>
+        <p:spPr/>
+        <p:txBody>
+          <a:bodyPr/>
+          <a:lstStyle/>
+          <a:p>
+            <a:r>
+              <a:rPr lang="de-DE" dirty="0" smtClean="0"/>
+              <a:t>Parallel</a:t>
+            </a:r>
+            <a:r>
+              <a:rPr lang="de-DE" baseline="0" dirty="0" smtClean="0"/>
+              <a:t> </a:t>
+            </a:r>
+            <a:r>
+              <a:rPr lang="de-DE" baseline="0" dirty="0" err="1" smtClean="0"/>
+              <a:t>convertation</a:t>
+            </a:r>
+            <a:r>
+              <a:rPr lang="de-DE" baseline="0" dirty="0" smtClean="0"/>
+              <a:t> </a:t>
+            </a:r>
+            <a:r>
+              <a:rPr lang="de-DE" baseline="0" dirty="0" err="1" smtClean="0"/>
+              <a:t>and</a:t>
+            </a:r>
+            <a:r>
+              <a:rPr lang="de-DE" baseline="0" dirty="0" smtClean="0"/>
+              <a:t> </a:t>
+            </a:r>
+            <a:r>
+              <a:rPr lang="de-DE" baseline="0" dirty="0" err="1" smtClean="0"/>
+              <a:t>sampling</a:t>
+            </a:r>
+            <a:endParaRPr lang="de-DE" dirty="0"/>
+          </a:p>
+        </p:txBody>
+      </p:sp>
+      <p:sp>
+        <p:nvSpPr>
+          <p:cNvPr id="4" name="Foliennummernplatzhalter 3"/>
+          <p:cNvSpPr>
+            <a:spLocks noGrp="1"/>
+          </p:cNvSpPr>
+          <p:nvPr>
+            <p:ph type="sldNum" sz="quarter" idx="10"/>
+          </p:nvPr>
+        </p:nvSpPr>
+        <p:spPr/>
+        <p:txBody>
+          <a:bodyPr/>
+          <a:lstStyle/>
+          <a:p>
+            <a:fld id="{CFADB5C3-842F-40F0-8673-B85794DFD183}" type="slidenum">
+              <a:rPr lang="de-DE" smtClean="0"/>
+              <a:t>4</a:t>
+            </a:fld>
+            <a:endParaRPr lang="de-DE"/>
+          </a:p>
+        </p:txBody>
+      </p:sp>
+    </p:spTree>
+    <p:extLst>
+      <p:ext uri="{BB962C8B-B14F-4D97-AF65-F5344CB8AC3E}">
+        <p14:creationId xmlns:p14="http://schemas.microsoft.com/office/powerpoint/2010/main" val="3965583456"/>
+      </p:ext>
+    </p:extLst>
+  </p:cSld>
+  <p:clrMapOvr>
+    <a:masterClrMapping/>
+  </p:clrMapOvr>
+</p:notes>
+</file>
+
+<file path=ppt/notesSlides/notesSlide4.xml><?xml version="1.0" encoding="utf-8"?>
+<p:notes xmlns:a="http://schemas.openxmlformats.org/drawingml/2006/main" xmlns:r="http://schemas.openxmlformats.org/officeDocument/2006/relationships" xmlns:p="http://schemas.openxmlformats.org/presentationml/2006/main">
+  <p:cSld>
+    <p:spTree>
+      <p:nvGrpSpPr>
+        <p:cNvPr id="1" name=""/>
+        <p:cNvGrpSpPr/>
+        <p:nvPr/>
+      </p:nvGrpSpPr>
+      <p:grpSpPr>
+        <a:xfrm>
+          <a:off x="0" y="0"/>
+          <a:ext cx="0" cy="0"/>
+          <a:chOff x="0" y="0"/>
+          <a:chExt cx="0" cy="0"/>
+        </a:xfrm>
+      </p:grpSpPr>
+      <p:sp>
+        <p:nvSpPr>
+          <p:cNvPr id="2" name="Folienbildplatzhalter 1"/>
+          <p:cNvSpPr>
+            <a:spLocks noGrp="1" noRot="1" noChangeAspect="1"/>
+          </p:cNvSpPr>
+          <p:nvPr>
+            <p:ph type="sldImg"/>
+          </p:nvPr>
+        </p:nvSpPr>
+        <p:spPr/>
+      </p:sp>
+      <p:sp>
+        <p:nvSpPr>
+          <p:cNvPr id="3" name="Notizenplatzhalter 2"/>
+          <p:cNvSpPr>
+            <a:spLocks noGrp="1"/>
+          </p:cNvSpPr>
+          <p:nvPr>
+            <p:ph type="body" idx="1"/>
+          </p:nvPr>
+        </p:nvSpPr>
+        <p:spPr/>
+        <p:txBody>
+          <a:bodyPr/>
+          <a:lstStyle/>
+          <a:p>
+            <a:r>
+              <a:rPr lang="de-DE" dirty="0" err="1" smtClean="0"/>
+              <a:t>What</a:t>
+            </a:r>
+            <a:r>
+              <a:rPr lang="de-DE" baseline="0" dirty="0" smtClean="0"/>
+              <a:t> </a:t>
+            </a:r>
+            <a:r>
+              <a:rPr lang="de-DE" baseline="0" dirty="0" err="1" smtClean="0"/>
+              <a:t>can</a:t>
+            </a:r>
+            <a:r>
+              <a:rPr lang="de-DE" baseline="0" dirty="0" smtClean="0"/>
+              <a:t> </a:t>
+            </a:r>
+            <a:r>
+              <a:rPr lang="de-DE" baseline="0" dirty="0" err="1" smtClean="0"/>
+              <a:t>be</a:t>
+            </a:r>
+            <a:r>
+              <a:rPr lang="de-DE" baseline="0" dirty="0" smtClean="0"/>
+              <a:t> </a:t>
+            </a:r>
+            <a:r>
+              <a:rPr lang="de-DE" baseline="0" dirty="0" err="1" smtClean="0"/>
+              <a:t>done</a:t>
+            </a:r>
+            <a:r>
+              <a:rPr lang="de-DE" baseline="0" dirty="0" smtClean="0"/>
+              <a:t> </a:t>
+            </a:r>
+            <a:r>
+              <a:rPr lang="de-DE" baseline="0" dirty="0" err="1" smtClean="0"/>
+              <a:t>to</a:t>
+            </a:r>
+            <a:r>
+              <a:rPr lang="de-DE" baseline="0" dirty="0" smtClean="0"/>
+              <a:t> </a:t>
+            </a:r>
+            <a:r>
+              <a:rPr lang="de-DE" baseline="0" dirty="0" err="1" smtClean="0"/>
+              <a:t>improve</a:t>
+            </a:r>
+            <a:r>
+              <a:rPr lang="de-DE" baseline="0" dirty="0" smtClean="0"/>
+              <a:t> </a:t>
+            </a:r>
+            <a:r>
+              <a:rPr lang="de-DE" baseline="0" dirty="0" err="1" smtClean="0"/>
+              <a:t>accuracy</a:t>
+            </a:r>
+            <a:r>
+              <a:rPr lang="de-DE" baseline="0" dirty="0" smtClean="0"/>
+              <a:t>?</a:t>
+            </a:r>
+          </a:p>
+          <a:p>
+            <a:r>
+              <a:rPr lang="de-DE" baseline="0" dirty="0" smtClean="0"/>
+              <a:t>Additional </a:t>
+            </a:r>
+            <a:r>
+              <a:rPr lang="de-DE" baseline="0" dirty="0" err="1" smtClean="0"/>
+              <a:t>features</a:t>
+            </a:r>
+            <a:r>
+              <a:rPr lang="de-DE" baseline="0" dirty="0" smtClean="0"/>
+              <a:t>, </a:t>
+            </a:r>
+            <a:r>
+              <a:rPr lang="de-DE" baseline="0" dirty="0" err="1" smtClean="0"/>
+              <a:t>few</a:t>
+            </a:r>
+            <a:r>
+              <a:rPr lang="de-DE" baseline="0" dirty="0" smtClean="0"/>
+              <a:t> </a:t>
+            </a:r>
+            <a:r>
+              <a:rPr lang="de-DE" baseline="0" dirty="0" err="1" smtClean="0"/>
+              <a:t>features</a:t>
+            </a:r>
+            <a:r>
+              <a:rPr lang="de-DE" baseline="0" dirty="0" smtClean="0"/>
+              <a:t> </a:t>
+            </a:r>
+            <a:r>
+              <a:rPr lang="de-DE" baseline="0" dirty="0" err="1" smtClean="0"/>
+              <a:t>to</a:t>
+            </a:r>
+            <a:r>
+              <a:rPr lang="de-DE" baseline="0" dirty="0" smtClean="0"/>
+              <a:t> </a:t>
+            </a:r>
+            <a:r>
+              <a:rPr lang="de-DE" baseline="0" dirty="0" err="1" smtClean="0"/>
+              <a:t>start</a:t>
+            </a:r>
+            <a:r>
+              <a:rPr lang="de-DE" baseline="0" dirty="0" smtClean="0"/>
+              <a:t> </a:t>
+            </a:r>
+            <a:r>
+              <a:rPr lang="de-DE" baseline="0" dirty="0" err="1" smtClean="0"/>
+              <a:t>with</a:t>
+            </a:r>
+            <a:endParaRPr lang="de-DE" dirty="0"/>
+          </a:p>
+        </p:txBody>
+      </p:sp>
+      <p:sp>
+        <p:nvSpPr>
+          <p:cNvPr id="4" name="Foliennummernplatzhalter 3"/>
+          <p:cNvSpPr>
+            <a:spLocks noGrp="1"/>
+          </p:cNvSpPr>
+          <p:nvPr>
+            <p:ph type="sldNum" sz="quarter" idx="10"/>
+          </p:nvPr>
+        </p:nvSpPr>
+        <p:spPr/>
+        <p:txBody>
+          <a:bodyPr/>
+          <a:lstStyle/>
+          <a:p>
+            <a:fld id="{CFADB5C3-842F-40F0-8673-B85794DFD183}" type="slidenum">
+              <a:rPr lang="de-DE" smtClean="0"/>
+              <a:t>5</a:t>
+            </a:fld>
+            <a:endParaRPr lang="de-DE"/>
+          </a:p>
+        </p:txBody>
+      </p:sp>
+    </p:spTree>
+    <p:extLst>
+      <p:ext uri="{BB962C8B-B14F-4D97-AF65-F5344CB8AC3E}">
+        <p14:creationId xmlns:p14="http://schemas.microsoft.com/office/powerpoint/2010/main" val="582786402"/>
+      </p:ext>
+    </p:extLst>
+  </p:cSld>
+  <p:clrMapOvr>
+    <a:masterClrMapping/>
+  </p:clrMapOvr>
+</p:notes>
+</file>
+
+<file path=ppt/notesSlides/notesSlide5.xml><?xml version="1.0" encoding="utf-8"?>
+<p:notes xmlns:a="http://schemas.openxmlformats.org/drawingml/2006/main" xmlns:r="http://schemas.openxmlformats.org/officeDocument/2006/relationships" xmlns:p="http://schemas.openxmlformats.org/presentationml/2006/main">
+  <p:cSld>
+    <p:spTree>
+      <p:nvGrpSpPr>
+        <p:cNvPr id="1" name=""/>
+        <p:cNvGrpSpPr/>
+        <p:nvPr/>
+      </p:nvGrpSpPr>
+      <p:grpSpPr>
+        <a:xfrm>
+          <a:off x="0" y="0"/>
+          <a:ext cx="0" cy="0"/>
+          <a:chOff x="0" y="0"/>
+          <a:chExt cx="0" cy="0"/>
+        </a:xfrm>
+      </p:grpSpPr>
+      <p:sp>
+        <p:nvSpPr>
+          <p:cNvPr id="2" name="Folienbildplatzhalter 1"/>
+          <p:cNvSpPr>
+            <a:spLocks noGrp="1" noRot="1" noChangeAspect="1"/>
+          </p:cNvSpPr>
+          <p:nvPr>
+            <p:ph type="sldImg"/>
+          </p:nvPr>
+        </p:nvSpPr>
+        <p:spPr/>
+      </p:sp>
+      <p:sp>
+        <p:nvSpPr>
+          <p:cNvPr id="3" name="Notizenplatzhalter 2"/>
+          <p:cNvSpPr>
+            <a:spLocks noGrp="1"/>
+          </p:cNvSpPr>
+          <p:nvPr>
+            <p:ph type="body" idx="1"/>
+          </p:nvPr>
+        </p:nvSpPr>
+        <p:spPr/>
+        <p:txBody>
+          <a:bodyPr/>
+          <a:lstStyle/>
+          <a:p>
+            <a:r>
+              <a:rPr lang="de-DE" dirty="0" err="1" smtClean="0"/>
+              <a:t>Svm</a:t>
+            </a:r>
+            <a:r>
+              <a:rPr lang="de-DE" dirty="0" smtClean="0"/>
+              <a:t> </a:t>
+            </a:r>
+            <a:r>
+              <a:rPr lang="de-DE" dirty="0" err="1" smtClean="0"/>
+              <a:t>popular</a:t>
+            </a:r>
+            <a:r>
+              <a:rPr lang="de-DE" dirty="0" smtClean="0"/>
+              <a:t>, </a:t>
+            </a:r>
+            <a:r>
+              <a:rPr lang="de-DE" dirty="0" err="1" smtClean="0"/>
+              <a:t>random</a:t>
+            </a:r>
+            <a:r>
+              <a:rPr lang="de-DE" dirty="0" smtClean="0"/>
+              <a:t> </a:t>
+            </a:r>
+            <a:r>
+              <a:rPr lang="de-DE" dirty="0" err="1" smtClean="0"/>
+              <a:t>forest</a:t>
+            </a:r>
+            <a:r>
+              <a:rPr lang="de-DE" dirty="0" smtClean="0"/>
+              <a:t> </a:t>
+            </a:r>
+            <a:r>
+              <a:rPr lang="de-DE" dirty="0" err="1" smtClean="0"/>
+              <a:t>blackbox</a:t>
+            </a:r>
+            <a:r>
+              <a:rPr lang="de-DE" dirty="0" smtClean="0"/>
+              <a:t> due </a:t>
+            </a:r>
+            <a:r>
+              <a:rPr lang="de-DE" dirty="0" err="1" smtClean="0"/>
+              <a:t>to</a:t>
+            </a:r>
+            <a:r>
+              <a:rPr lang="de-DE" dirty="0" smtClean="0"/>
+              <a:t> </a:t>
+            </a:r>
+            <a:r>
+              <a:rPr lang="de-DE" dirty="0" err="1" smtClean="0"/>
+              <a:t>randomness</a:t>
+            </a:r>
+            <a:endParaRPr lang="de-DE" dirty="0"/>
+          </a:p>
+        </p:txBody>
+      </p:sp>
+      <p:sp>
+        <p:nvSpPr>
+          <p:cNvPr id="4" name="Foliennummernplatzhalter 3"/>
+          <p:cNvSpPr>
+            <a:spLocks noGrp="1"/>
+          </p:cNvSpPr>
+          <p:nvPr>
+            <p:ph type="sldNum" sz="quarter" idx="10"/>
+          </p:nvPr>
+        </p:nvSpPr>
+        <p:spPr/>
+        <p:txBody>
+          <a:bodyPr/>
+          <a:lstStyle/>
+          <a:p>
+            <a:fld id="{CFADB5C3-842F-40F0-8673-B85794DFD183}" type="slidenum">
+              <a:rPr lang="de-DE" smtClean="0"/>
+              <a:t>6</a:t>
+            </a:fld>
+            <a:endParaRPr lang="de-DE"/>
+          </a:p>
+        </p:txBody>
+      </p:sp>
+    </p:spTree>
+    <p:extLst>
+      <p:ext uri="{BB962C8B-B14F-4D97-AF65-F5344CB8AC3E}">
+        <p14:creationId xmlns:p14="http://schemas.microsoft.com/office/powerpoint/2010/main" val="1048263746"/>
+      </p:ext>
+    </p:extLst>
+  </p:cSld>
+  <p:clrMapOvr>
+    <a:masterClrMapping/>
+  </p:clrMapOvr>
+</p:notes>
+</file>
+
+<file path=ppt/notesSlides/notesSlide6.xml><?xml version="1.0" encoding="utf-8"?>
+<p:notes xmlns:a="http://schemas.openxmlformats.org/drawingml/2006/main" xmlns:r="http://schemas.openxmlformats.org/officeDocument/2006/relationships" xmlns:p="http://schemas.openxmlformats.org/presentationml/2006/main">
+  <p:cSld>
+    <p:spTree>
+      <p:nvGrpSpPr>
+        <p:cNvPr id="1" name=""/>
+        <p:cNvGrpSpPr/>
+        <p:nvPr/>
+      </p:nvGrpSpPr>
+      <p:grpSpPr>
+        <a:xfrm>
+          <a:off x="0" y="0"/>
+          <a:ext cx="0" cy="0"/>
+          <a:chOff x="0" y="0"/>
+          <a:chExt cx="0" cy="0"/>
+        </a:xfrm>
+      </p:grpSpPr>
+      <p:sp>
+        <p:nvSpPr>
+          <p:cNvPr id="2" name="Folienbildplatzhalter 1"/>
+          <p:cNvSpPr>
+            <a:spLocks noGrp="1" noRot="1" noChangeAspect="1"/>
+          </p:cNvSpPr>
+          <p:nvPr>
+            <p:ph type="sldImg"/>
+          </p:nvPr>
+        </p:nvSpPr>
+        <p:spPr/>
+      </p:sp>
+      <p:sp>
+        <p:nvSpPr>
+          <p:cNvPr id="3" name="Notizenplatzhalter 2"/>
+          <p:cNvSpPr>
+            <a:spLocks noGrp="1"/>
+          </p:cNvSpPr>
+          <p:nvPr>
+            <p:ph type="body" idx="1"/>
+          </p:nvPr>
+        </p:nvSpPr>
+        <p:spPr/>
+        <p:txBody>
+          <a:bodyPr/>
+          <a:lstStyle/>
+          <a:p>
+            <a:r>
+              <a:rPr lang="de-DE" dirty="0" smtClean="0"/>
+              <a:t>Kernel </a:t>
+            </a:r>
+            <a:r>
+              <a:rPr lang="de-DE" dirty="0" err="1" smtClean="0"/>
+              <a:t>approximation</a:t>
+            </a:r>
+            <a:r>
+              <a:rPr lang="de-DE" dirty="0" smtClean="0"/>
+              <a:t> </a:t>
+            </a:r>
+            <a:r>
+              <a:rPr lang="de-DE" dirty="0" err="1" smtClean="0"/>
+              <a:t>speed</a:t>
+            </a:r>
+            <a:r>
+              <a:rPr lang="de-DE" dirty="0" smtClean="0"/>
+              <a:t> </a:t>
+            </a:r>
+            <a:r>
+              <a:rPr lang="de-DE" dirty="0" err="1" smtClean="0"/>
+              <a:t>up</a:t>
+            </a:r>
+            <a:r>
+              <a:rPr lang="de-DE" baseline="0" dirty="0" smtClean="0"/>
+              <a:t> </a:t>
+            </a:r>
+            <a:r>
+              <a:rPr lang="de-DE" baseline="0" dirty="0" err="1" smtClean="0"/>
+              <a:t>since</a:t>
+            </a:r>
+            <a:r>
+              <a:rPr lang="de-DE" baseline="0" dirty="0" smtClean="0"/>
+              <a:t> </a:t>
+            </a:r>
+            <a:r>
+              <a:rPr lang="de-DE" baseline="0" dirty="0" err="1" smtClean="0"/>
+              <a:t>no</a:t>
+            </a:r>
+            <a:r>
+              <a:rPr lang="de-DE" baseline="0" dirty="0" smtClean="0"/>
+              <a:t> </a:t>
+            </a:r>
+            <a:r>
+              <a:rPr lang="de-DE" baseline="0" dirty="0" err="1" smtClean="0"/>
+              <a:t>parallelization</a:t>
+            </a:r>
+            <a:r>
+              <a:rPr lang="de-DE" baseline="0" dirty="0" smtClean="0"/>
+              <a:t> </a:t>
+            </a:r>
+            <a:r>
+              <a:rPr lang="de-DE" baseline="0" dirty="0" err="1" smtClean="0"/>
+              <a:t>available</a:t>
+            </a:r>
+            <a:endParaRPr lang="de-DE" baseline="0" dirty="0" smtClean="0"/>
+          </a:p>
+          <a:p>
+            <a:r>
+              <a:rPr lang="de-DE" baseline="0" dirty="0" smtClean="0"/>
+              <a:t>Multiple </a:t>
+            </a:r>
+            <a:r>
+              <a:rPr lang="de-DE" baseline="0" dirty="0" err="1" smtClean="0"/>
+              <a:t>models</a:t>
+            </a:r>
+            <a:r>
+              <a:rPr lang="de-DE" baseline="0" dirty="0" smtClean="0"/>
+              <a:t> </a:t>
+            </a:r>
+            <a:r>
+              <a:rPr lang="de-DE" baseline="0" dirty="0" err="1" smtClean="0"/>
+              <a:t>may</a:t>
+            </a:r>
+            <a:r>
+              <a:rPr lang="de-DE" baseline="0" dirty="0" smtClean="0"/>
+              <a:t> </a:t>
+            </a:r>
+            <a:r>
+              <a:rPr lang="de-DE" baseline="0" dirty="0" err="1" smtClean="0"/>
+              <a:t>be</a:t>
+            </a:r>
+            <a:r>
+              <a:rPr lang="de-DE" baseline="0" dirty="0" smtClean="0"/>
+              <a:t> </a:t>
+            </a:r>
+            <a:r>
+              <a:rPr lang="de-DE" baseline="0" dirty="0" err="1" smtClean="0"/>
+              <a:t>used</a:t>
+            </a:r>
+            <a:endParaRPr lang="de-DE" dirty="0"/>
+          </a:p>
+        </p:txBody>
+      </p:sp>
+      <p:sp>
+        <p:nvSpPr>
+          <p:cNvPr id="4" name="Foliennummernplatzhalter 3"/>
+          <p:cNvSpPr>
+            <a:spLocks noGrp="1"/>
+          </p:cNvSpPr>
+          <p:nvPr>
+            <p:ph type="sldNum" sz="quarter" idx="10"/>
+          </p:nvPr>
+        </p:nvSpPr>
+        <p:spPr/>
+        <p:txBody>
+          <a:bodyPr/>
+          <a:lstStyle/>
+          <a:p>
+            <a:fld id="{CFADB5C3-842F-40F0-8673-B85794DFD183}" type="slidenum">
+              <a:rPr lang="de-DE" smtClean="0"/>
+              <a:t>7</a:t>
+            </a:fld>
+            <a:endParaRPr lang="de-DE"/>
+          </a:p>
+        </p:txBody>
+      </p:sp>
+    </p:spTree>
+    <p:extLst>
+      <p:ext uri="{BB962C8B-B14F-4D97-AF65-F5344CB8AC3E}">
+        <p14:creationId xmlns:p14="http://schemas.microsoft.com/office/powerpoint/2010/main" val="1880530628"/>
+      </p:ext>
+    </p:extLst>
+  </p:cSld>
+  <p:clrMapOvr>
+    <a:masterClrMapping/>
+  </p:clrMapOvr>
+</p:notes>
+</file>
+
 <file path=ppt/slideLayouts/slideLayout1.xml><?xml version="1.0" encoding="utf-8"?>
 <p:sldLayout xmlns:a="http://schemas.openxmlformats.org/drawingml/2006/main" xmlns:r="http://schemas.openxmlformats.org/officeDocument/2006/relationships" xmlns:p="http://schemas.openxmlformats.org/presentationml/2006/main" preserve="1">
   <p:cSld name="Titelfolie">
@@ -422,7 +1696,7 @@
           <a:p>
             <a:fld id="{89C5148D-91CB-4728-A35B-E4D85E36B7FE}" type="datetimeFigureOut">
               <a:rPr lang="de-DE" smtClean="0"/>
-              <a:t>22.01.2015</a:t>
+              <a:t>02.02.2015</a:t>
             </a:fld>
             <a:endParaRPr lang="de-DE"/>
           </a:p>
@@ -766,7 +2040,7 @@
           <a:p>
             <a:fld id="{89C5148D-91CB-4728-A35B-E4D85E36B7FE}" type="datetimeFigureOut">
               <a:rPr lang="de-DE" smtClean="0"/>
-              <a:t>22.01.2015</a:t>
+              <a:t>02.02.2015</a:t>
             </a:fld>
             <a:endParaRPr lang="de-DE"/>
           </a:p>
@@ -1223,7 +2497,7 @@
           <a:p>
             <a:fld id="{89C5148D-91CB-4728-A35B-E4D85E36B7FE}" type="datetimeFigureOut">
               <a:rPr lang="de-DE" smtClean="0"/>
-              <a:t>22.01.2015</a:t>
+              <a:t>02.02.2015</a:t>
             </a:fld>
             <a:endParaRPr lang="de-DE"/>
           </a:p>
@@ -1913,7 +3187,7 @@
           <a:p>
             <a:fld id="{89C5148D-91CB-4728-A35B-E4D85E36B7FE}" type="datetimeFigureOut">
               <a:rPr lang="de-DE" smtClean="0"/>
-              <a:t>22.01.2015</a:t>
+              <a:t>02.02.2015</a:t>
             </a:fld>
             <a:endParaRPr lang="de-DE"/>
           </a:p>
@@ -2099,7 +3373,7 @@
           <a:p>
             <a:fld id="{89C5148D-91CB-4728-A35B-E4D85E36B7FE}" type="datetimeFigureOut">
               <a:rPr lang="de-DE" smtClean="0"/>
-              <a:t>22.01.2015</a:t>
+              <a:t>02.02.2015</a:t>
             </a:fld>
             <a:endParaRPr lang="de-DE"/>
           </a:p>
@@ -2219,7 +3493,7 @@
           <a:p>
             <a:fld id="{89C5148D-91CB-4728-A35B-E4D85E36B7FE}" type="datetimeFigureOut">
               <a:rPr lang="de-DE" smtClean="0"/>
-              <a:t>22.01.2015</a:t>
+              <a:t>02.02.2015</a:t>
             </a:fld>
             <a:endParaRPr lang="de-DE"/>
           </a:p>
@@ -3023,7 +4297,7 @@
           <a:lstStyle/>
           <a:p>
             <a:r>
-              <a:rPr lang="de-DE" dirty="0"/>
+              <a:rPr lang="de-DE" sz="1800" dirty="0"/>
               <a:t>Philipp Glock</a:t>
             </a:r>
           </a:p>
@@ -3107,6 +4381,204 @@
           <a:bodyPr/>
           <a:lstStyle/>
           <a:p>
+            <a:r>
+              <a:rPr lang="de-DE" dirty="0" err="1" smtClean="0"/>
+              <a:t>Ipython</a:t>
+            </a:r>
+            <a:r>
+              <a:rPr lang="de-DE" dirty="0" smtClean="0"/>
+              <a:t> </a:t>
+            </a:r>
+            <a:r>
+              <a:rPr lang="de-DE" dirty="0" err="1" smtClean="0"/>
+              <a:t>can</a:t>
+            </a:r>
+            <a:r>
+              <a:rPr lang="de-DE" dirty="0" smtClean="0"/>
+              <a:t> </a:t>
+            </a:r>
+            <a:r>
+              <a:rPr lang="de-DE" dirty="0" err="1" smtClean="0"/>
+              <a:t>be</a:t>
+            </a:r>
+            <a:r>
+              <a:rPr lang="de-DE" dirty="0" smtClean="0"/>
+              <a:t> </a:t>
+            </a:r>
+            <a:r>
+              <a:rPr lang="de-DE" dirty="0" err="1" smtClean="0"/>
+              <a:t>used</a:t>
+            </a:r>
+            <a:r>
+              <a:rPr lang="de-DE" dirty="0" smtClean="0"/>
+              <a:t> on a </a:t>
+            </a:r>
+            <a:r>
+              <a:rPr lang="de-DE" dirty="0" err="1" smtClean="0"/>
+              <a:t>judge</a:t>
+            </a:r>
+            <a:endParaRPr lang="de-DE" dirty="0" smtClean="0"/>
+          </a:p>
+          <a:p>
+            <a:r>
+              <a:rPr lang="de-DE" dirty="0" smtClean="0"/>
+              <a:t>Feature </a:t>
+            </a:r>
+            <a:r>
+              <a:rPr lang="de-DE" dirty="0" err="1" smtClean="0"/>
+              <a:t>extraction</a:t>
+            </a:r>
+            <a:r>
+              <a:rPr lang="de-DE" dirty="0" smtClean="0"/>
+              <a:t>, </a:t>
+            </a:r>
+            <a:r>
+              <a:rPr lang="de-DE" dirty="0" err="1" smtClean="0"/>
+              <a:t>image</a:t>
+            </a:r>
+            <a:r>
+              <a:rPr lang="de-DE" dirty="0" smtClean="0"/>
+              <a:t> </a:t>
+            </a:r>
+            <a:r>
+              <a:rPr lang="de-DE" dirty="0" err="1" smtClean="0"/>
+              <a:t>segmentation</a:t>
+            </a:r>
+            <a:r>
+              <a:rPr lang="de-DE" dirty="0" smtClean="0"/>
+              <a:t> </a:t>
+            </a:r>
+            <a:r>
+              <a:rPr lang="de-DE" dirty="0" err="1" smtClean="0"/>
+              <a:t>has</a:t>
+            </a:r>
+            <a:r>
+              <a:rPr lang="de-DE" dirty="0" smtClean="0"/>
+              <a:t> </a:t>
+            </a:r>
+            <a:r>
+              <a:rPr lang="de-DE" dirty="0" err="1" smtClean="0"/>
+              <a:t>been</a:t>
+            </a:r>
+            <a:r>
+              <a:rPr lang="de-DE" dirty="0" smtClean="0"/>
+              <a:t> </a:t>
+            </a:r>
+            <a:r>
+              <a:rPr lang="de-DE" dirty="0" err="1" smtClean="0"/>
+              <a:t>done</a:t>
+            </a:r>
+            <a:endParaRPr lang="de-DE" dirty="0" smtClean="0"/>
+          </a:p>
+          <a:p>
+            <a:r>
+              <a:rPr lang="de-DE" dirty="0" smtClean="0"/>
+              <a:t>SVM </a:t>
+            </a:r>
+            <a:r>
+              <a:rPr lang="de-DE" dirty="0" err="1" smtClean="0"/>
+              <a:t>model</a:t>
+            </a:r>
+            <a:r>
+              <a:rPr lang="de-DE" dirty="0" smtClean="0"/>
+              <a:t> </a:t>
+            </a:r>
+            <a:r>
+              <a:rPr lang="de-DE" dirty="0" err="1" smtClean="0"/>
+              <a:t>for</a:t>
+            </a:r>
+            <a:r>
+              <a:rPr lang="de-DE" dirty="0" smtClean="0"/>
+              <a:t> </a:t>
+            </a:r>
+            <a:r>
+              <a:rPr lang="de-DE" dirty="0" err="1" smtClean="0"/>
+              <a:t>automatic</a:t>
+            </a:r>
+            <a:r>
+              <a:rPr lang="de-DE" dirty="0" smtClean="0"/>
+              <a:t> </a:t>
+            </a:r>
+            <a:r>
+              <a:rPr lang="de-DE" dirty="0" err="1" smtClean="0"/>
+              <a:t>prediction</a:t>
+            </a:r>
+            <a:r>
+              <a:rPr lang="de-DE" dirty="0" smtClean="0"/>
+              <a:t> </a:t>
+            </a:r>
+            <a:r>
+              <a:rPr lang="de-DE" dirty="0" err="1" smtClean="0"/>
+              <a:t>of</a:t>
+            </a:r>
+            <a:r>
+              <a:rPr lang="de-DE" dirty="0" smtClean="0"/>
+              <a:t> </a:t>
+            </a:r>
+            <a:r>
+              <a:rPr lang="de-DE" dirty="0" err="1" smtClean="0"/>
+              <a:t>cross</a:t>
+            </a:r>
+            <a:r>
+              <a:rPr lang="de-DE" dirty="0" smtClean="0"/>
+              <a:t> </a:t>
+            </a:r>
+            <a:r>
+              <a:rPr lang="de-DE" dirty="0" err="1" smtClean="0"/>
+              <a:t>sections</a:t>
+            </a:r>
+            <a:endParaRPr lang="de-DE" dirty="0" smtClean="0"/>
+          </a:p>
+          <a:p>
+            <a:r>
+              <a:rPr lang="de-DE" dirty="0" smtClean="0"/>
+              <a:t>Manual </a:t>
+            </a:r>
+            <a:r>
+              <a:rPr lang="de-DE" dirty="0" err="1" smtClean="0"/>
+              <a:t>correction</a:t>
+            </a:r>
+            <a:r>
+              <a:rPr lang="de-DE" dirty="0" smtClean="0"/>
+              <a:t> </a:t>
+            </a:r>
+            <a:r>
+              <a:rPr lang="de-DE" dirty="0" err="1" smtClean="0"/>
+              <a:t>needed</a:t>
+            </a:r>
+            <a:endParaRPr lang="de-DE" dirty="0" smtClean="0"/>
+          </a:p>
+          <a:p>
+            <a:r>
+              <a:rPr lang="de-DE" dirty="0" smtClean="0"/>
+              <a:t>Lack </a:t>
+            </a:r>
+            <a:r>
+              <a:rPr lang="de-DE" dirty="0" err="1" smtClean="0"/>
+              <a:t>of</a:t>
+            </a:r>
+            <a:r>
+              <a:rPr lang="de-DE" dirty="0" smtClean="0"/>
+              <a:t> </a:t>
+            </a:r>
+            <a:r>
+              <a:rPr lang="de-DE" dirty="0" err="1" smtClean="0"/>
+              <a:t>stable</a:t>
+            </a:r>
+            <a:r>
+              <a:rPr lang="de-DE" dirty="0" smtClean="0"/>
+              <a:t> parallel </a:t>
+            </a:r>
+            <a:r>
+              <a:rPr lang="de-DE" dirty="0" err="1" smtClean="0"/>
+              <a:t>svm</a:t>
+            </a:r>
+            <a:r>
+              <a:rPr lang="de-DE" smtClean="0"/>
+              <a:t> implementations</a:t>
+            </a:r>
+          </a:p>
+          <a:p>
             <a:endParaRPr lang="de-DE" dirty="0"/>
           </a:p>
         </p:txBody>
@@ -3322,7 +4794,7 @@
           <p:nvPr/>
         </p:nvPicPr>
         <p:blipFill>
-          <a:blip r:embed="rId2" cstate="print">
+          <a:blip r:embed="rId3" cstate="print">
             <a:extLst>
               <a:ext uri="{28A0092B-C50C-407E-A947-70E740481C1C}">
                 <a14:useLocalDpi xmlns:a14="http://schemas.microsoft.com/office/drawing/2010/main" val="0"/>
@@ -3541,7 +5013,7 @@
           <p:nvPr/>
         </p:nvPicPr>
         <p:blipFill>
-          <a:blip r:embed="rId2">
+          <a:blip r:embed="rId3">
             <a:extLst>
               <a:ext uri="{28A0092B-C50C-407E-A947-70E740481C1C}">
                 <a14:useLocalDpi xmlns:a14="http://schemas.microsoft.com/office/drawing/2010/main" val="0"/>
@@ -4262,7 +5734,7 @@
           <p:nvPr/>
         </p:nvPicPr>
         <p:blipFill>
-          <a:blip r:embed="rId2" cstate="print">
+          <a:blip r:embed="rId3" cstate="print">
             <a:extLst>
               <a:ext uri="{28A0092B-C50C-407E-A947-70E740481C1C}">
                 <a14:useLocalDpi xmlns:a14="http://schemas.microsoft.com/office/drawing/2010/main" val="0"/>
@@ -5311,4 +6783,265 @@
   <a:objectDefaults/>
   <a:extraClrSchemeLst/>
 </a:theme>
+</file>
+
+<file path=ppt/theme/theme2.xml><?xml version="1.0" encoding="utf-8"?>
+<a:theme xmlns:a="http://schemas.openxmlformats.org/drawingml/2006/main" name="Office Theme">
+  <a:themeElements>
+    <a:clrScheme name="Office">
+      <a:dk1>
+        <a:sysClr val="windowText" lastClr="000000"/>
+      </a:dk1>
+      <a:lt1>
+        <a:sysClr val="window" lastClr="FFFFFF"/>
+      </a:lt1>
+      <a:dk2>
+        <a:srgbClr val="44546A"/>
+      </a:dk2>
+      <a:lt2>
+        <a:srgbClr val="E7E6E6"/>
+      </a:lt2>
+      <a:accent1>
+        <a:srgbClr val="5B9BD5"/>
+      </a:accent1>
+      <a:accent2>
+        <a:srgbClr val="ED7D31"/>
+      </a:accent2>
+      <a:accent3>
+        <a:srgbClr val="A5A5A5"/>
+      </a:accent3>
+      <a:accent4>
+        <a:srgbClr val="FFC000"/>
+      </a:accent4>
+      <a:accent5>
+        <a:srgbClr val="4472C4"/>
+      </a:accent5>
+      <a:accent6>
+        <a:srgbClr val="70AD47"/>
+      </a:accent6>
+      <a:hlink>
+        <a:srgbClr val="0563C1"/>
+      </a:hlink>
+      <a:folHlink>
+        <a:srgbClr val="954F72"/>
+      </a:folHlink>
+    </a:clrScheme>
+    <a:fontScheme name="Office">
+      <a:majorFont>
+        <a:latin typeface="Calibri Light" panose="020F0302020204030204"/>
+        <a:ea typeface=""/>
+        <a:cs typeface=""/>
+        <a:font script="Jpan" typeface="ＭＳ Ｐゴシック"/>
+        <a:font script="Hang" typeface="맑은 고딕"/>
+        <a:font script="Hans" typeface="宋体"/>
+        <a:font script="Hant" typeface="新細明體"/>
+        <a:font script="Arab" typeface="Times New Roman"/>
+        <a:font script="Hebr" typeface="Times New Roman"/>
+        <a:font script="Thai" typeface="Angsana New"/>
+        <a:font script="Ethi" typeface="Nyala"/>
+        <a:font script="Beng" typeface="Vrinda"/>
+        <a:font script="Gujr" typeface="Shruti"/>
+        <a:font script="Khmr" typeface="MoolBoran"/>
+        <a:font script="Knda" typeface="Tunga"/>
+        <a:font script="Guru" typeface="Raavi"/>
+        <a:font script="Cans" typeface="Euphemia"/>
+        <a:font script="Cher" typeface="Plantagenet Cherokee"/>
+        <a:font script="Yiii" typeface="Microsoft Yi Baiti"/>
+        <a:font script="Tibt" typeface="Microsoft Himalaya"/>
+        <a:font script="Thaa" typeface="MV Boli"/>
+        <a:font script="Deva" typeface="Mangal"/>
+        <a:font script="Telu" typeface="Gautami"/>
+        <a:font script="Taml" typeface="Latha"/>
+        <a:font script="Syrc" typeface="Estrangelo Edessa"/>
+        <a:font script="Orya" typeface="Kalinga"/>
+        <a:font script="Mlym" typeface="Kartika"/>
+        <a:font script="Laoo" typeface="DokChampa"/>
+        <a:font script="Sinh" typeface="Iskoola Pota"/>
+        <a:font script="Mong" typeface="Mongolian Baiti"/>
+        <a:font script="Viet" typeface="Times New Roman"/>
+        <a:font script="Uigh" typeface="Microsoft Uighur"/>
+        <a:font script="Geor" typeface="Sylfaen"/>
+      </a:majorFont>
+      <a:minorFont>
+        <a:latin typeface="Calibri" panose="020F0502020204030204"/>
+        <a:ea typeface=""/>
+        <a:cs typeface=""/>
+        <a:font script="Jpan" typeface="ＭＳ Ｐゴシック"/>
+        <a:font script="Hang" typeface="맑은 고딕"/>
+        <a:font script="Hans" typeface="宋体"/>
+        <a:font script="Hant" typeface="新細明體"/>
+        <a:font script="Arab" typeface="Arial"/>
+        <a:font script="Hebr" typeface="Arial"/>
+        <a:font script="Thai" typeface="Cordia New"/>
+        <a:font script="Ethi" typeface="Nyala"/>
+        <a:font script="Beng" typeface="Vrinda"/>
+        <a:font script="Gujr" typeface="Shruti"/>
+        <a:font script="Khmr" typeface="DaunPenh"/>
+        <a:font script="Knda" typeface="Tunga"/>
+        <a:font script="Guru" typeface="Raavi"/>
+        <a:font script="Cans" typeface="Euphemia"/>
+        <a:font script="Cher" typeface="Plantagenet Cherokee"/>
+        <a:font script="Yiii" typeface="Microsoft Yi Baiti"/>
+        <a:font script="Tibt" typeface="Microsoft Himalaya"/>
+        <a:font script="Thaa" typeface="MV Boli"/>
+        <a:font script="Deva" typeface="Mangal"/>
+        <a:font script="Telu" typeface="Gautami"/>
+        <a:font script="Taml" typeface="Latha"/>
+        <a:font script="Syrc" typeface="Estrangelo Edessa"/>
+        <a:font script="Orya" typeface="Kalinga"/>
+        <a:font script="Mlym" typeface="Kartika"/>
+        <a:font script="Laoo" typeface="DokChampa"/>
+        <a:font script="Sinh" typeface="Iskoola Pota"/>
+        <a:font script="Mong" typeface="Mongolian Baiti"/>
+        <a:font script="Viet" typeface="Arial"/>
+        <a:font script="Uigh" typeface="Microsoft Uighur"/>
+        <a:font script="Geor" typeface="Sylfaen"/>
+      </a:minorFont>
+    </a:fontScheme>
+    <a:fmtScheme name="Office">
+      <a:fillStyleLst>
+        <a:solidFill>
+          <a:schemeClr val="phClr"/>
+        </a:solidFill>
+        <a:gradFill rotWithShape="1">
+          <a:gsLst>
+            <a:gs pos="0">
+              <a:schemeClr val="phClr">
+                <a:lumMod val="110000"/>
+                <a:satMod val="105000"/>
+                <a:tint val="67000"/>
+              </a:schemeClr>
+            </a:gs>
+            <a:gs pos="50000">
+              <a:schemeClr val="phClr">
+                <a:lumMod val="105000"/>
+                <a:satMod val="103000"/>
+                <a:tint val="73000"/>
+              </a:schemeClr>
+            </a:gs>
+            <a:gs pos="100000">
+              <a:schemeClr val="phClr">
+                <a:lumMod val="105000"/>
+                <a:satMod val="109000"/>
+                <a:tint val="81000"/>
+              </a:schemeClr>
+            </a:gs>
+          </a:gsLst>
+          <a:lin ang="5400000" scaled="0"/>
+        </a:gradFill>
+        <a:gradFill rotWithShape="1">
+          <a:gsLst>
+            <a:gs pos="0">
+              <a:schemeClr val="phClr">
+                <a:satMod val="103000"/>
+                <a:lumMod val="102000"/>
+                <a:tint val="94000"/>
+              </a:schemeClr>
+            </a:gs>
+            <a:gs pos="50000">
+              <a:schemeClr val="phClr">
+                <a:satMod val="110000"/>
+                <a:lumMod val="100000"/>
+                <a:shade val="100000"/>
+              </a:schemeClr>
+            </a:gs>
+            <a:gs pos="100000">
+              <a:schemeClr val="phClr">
+                <a:lumMod val="99000"/>
+                <a:satMod val="120000"/>
+                <a:shade val="78000"/>
+              </a:schemeClr>
+            </a:gs>
+          </a:gsLst>
+          <a:lin ang="5400000" scaled="0"/>
+        </a:gradFill>
+      </a:fillStyleLst>
+      <a:lnStyleLst>
+        <a:ln w="6350" cap="flat" cmpd="sng" algn="ctr">
+          <a:solidFill>
+            <a:schemeClr val="phClr"/>
+          </a:solidFill>
+          <a:prstDash val="solid"/>
+          <a:miter lim="800000"/>
+        </a:ln>
+        <a:ln w="12700" cap="flat" cmpd="sng" algn="ctr">
+          <a:solidFill>
+            <a:schemeClr val="phClr"/>
+          </a:solidFill>
+          <a:prstDash val="solid"/>
+          <a:miter lim="800000"/>
+        </a:ln>
+        <a:ln w="19050" cap="flat" cmpd="sng" algn="ctr">
+          <a:solidFill>
+            <a:schemeClr val="phClr"/>
+          </a:solidFill>
+          <a:prstDash val="solid"/>
+          <a:miter lim="800000"/>
+        </a:ln>
+      </a:lnStyleLst>
+      <a:effectStyleLst>
+        <a:effectStyle>
+          <a:effectLst/>
+        </a:effectStyle>
+        <a:effectStyle>
+          <a:effectLst/>
+        </a:effectStyle>
+        <a:effectStyle>
+          <a:effectLst>
+            <a:outerShdw blurRad="57150" dist="19050" dir="5400000" algn="ctr" rotWithShape="0">
+              <a:srgbClr val="000000">
+                <a:alpha val="63000"/>
+              </a:srgbClr>
+            </a:outerShdw>
+          </a:effectLst>
+        </a:effectStyle>
+      </a:effectStyleLst>
+      <a:bgFillStyleLst>
+        <a:solidFill>
+          <a:schemeClr val="phClr"/>
+        </a:solidFill>
+        <a:solidFill>
+          <a:schemeClr val="phClr">
+            <a:tint val="95000"/>
+            <a:satMod val="170000"/>
+          </a:schemeClr>
+        </a:solidFill>
+        <a:gradFill rotWithShape="1">
+          <a:gsLst>
+            <a:gs pos="0">
+              <a:schemeClr val="phClr">
+                <a:tint val="93000"/>
+                <a:satMod val="150000"/>
+                <a:shade val="98000"/>
+                <a:lumMod val="102000"/>
+              </a:schemeClr>
+            </a:gs>
+            <a:gs pos="50000">
+              <a:schemeClr val="phClr">
+                <a:tint val="98000"/>
+                <a:satMod val="130000"/>
+                <a:shade val="90000"/>
+                <a:lumMod val="103000"/>
+              </a:schemeClr>
+            </a:gs>
+            <a:gs pos="100000">
+              <a:schemeClr val="phClr">
+                <a:shade val="63000"/>
+                <a:satMod val="120000"/>
+              </a:schemeClr>
+            </a:gs>
+          </a:gsLst>
+          <a:lin ang="5400000" scaled="0"/>
+        </a:gradFill>
+      </a:bgFillStyleLst>
+    </a:fmtScheme>
+  </a:themeElements>
+  <a:objectDefaults/>
+  <a:extraClrSchemeLst/>
+  <a:extLst>
+    <a:ext uri="{05A4C25C-085E-4340-85A3-A5531E510DB2}">
+      <thm15:themeFamily xmlns:thm15="http://schemas.microsoft.com/office/thememl/2012/main" name="Office Theme" id="{62F939B6-93AF-4DB8-9C6B-D6C7DFDC589F}" vid="{4A3C46E8-61CC-4603-A589-7422A47A8E4A}"/>
+    </a:ext>
+  </a:extLst>
+</a:theme>
 </file>